--- a/Documentacao_Testes.pptx
+++ b/Documentacao_Testes.pptx
@@ -21,6 +21,7 @@
     <p:sldId id="259" r:id="rId16"/>
     <p:sldId id="260" r:id="rId17"/>
     <p:sldId id="261" r:id="rId18"/>
+    <p:sldId id="262" r:id="rId19"/>
   </p:sldIdLst>
   <p:sldSz cx="9144000" cy="6858000"/>
   <p:notesSz cx="7559675" cy="10691813"/>
@@ -57,7 +58,7 @@
         <p:spPr>
           <a:xfrm>
             <a:off x="457200" y="274680"/>
-            <a:ext cx="8229240" cy="1142640"/>
+            <a:ext cx="8228880" cy="1142280"/>
           </a:xfrm>
           <a:prstGeom prst="rect">
             <a:avLst/>
@@ -72,14 +73,14 @@
             <a:noAutofit/>
           </a:bodyPr>
           <a:p>
-            <a:pPr indent="0">
+            <a:pPr indent="0" algn="ctr">
               <a:buNone/>
             </a:pPr>
-            <a:endParaRPr b="0" lang="en-US" sz="1800" spc="-1" strike="noStrike">
-              <a:solidFill>
-                <a:schemeClr val="dk1"/>
-              </a:solidFill>
-              <a:latin typeface="Calibri"/>
+            <a:endParaRPr b="0" lang="pt-BR" sz="4400" spc="-1" strike="noStrike">
+              <a:solidFill>
+                <a:srgbClr val="000000"/>
+              </a:solidFill>
+              <a:latin typeface="Arial"/>
             </a:endParaRPr>
           </a:p>
         </p:txBody>
@@ -97,7 +98,7 @@
         <p:spPr>
           <a:xfrm>
             <a:off x="457200" y="1600200"/>
-            <a:ext cx="8229240" cy="4525560"/>
+            <a:ext cx="8228880" cy="4525200"/>
           </a:xfrm>
           <a:prstGeom prst="rect">
             <a:avLst/>
@@ -131,7 +132,7 @@
             <a:spLocks noGrp="1"/>
           </p:cNvSpPr>
           <p:nvPr>
-            <p:ph type="ftr" idx="2"/>
+            <p:ph type="ftr" idx="1"/>
           </p:nvPr>
         </p:nvSpPr>
         <p:spPr/>
@@ -151,14 +152,14 @@
             <a:spLocks noGrp="1"/>
           </p:cNvSpPr>
           <p:nvPr>
-            <p:ph type="sldNum" idx="3"/>
+            <p:ph type="sldNum" idx="2"/>
           </p:nvPr>
         </p:nvSpPr>
         <p:spPr/>
         <p:txBody>
           <a:bodyPr/>
           <a:p>
-            <a:fld id="{4B97BA5F-BDD7-4AD1-93D3-4D834896DB01}" type="slidenum">
+            <a:fld id="{6D0DED35-DE14-433E-917B-709A2904802E}" type="slidenum">
               <a:t>&lt;#&gt;</a:t>
             </a:fld>
           </a:p>
@@ -171,7 +172,7 @@
             <a:spLocks noGrp="1"/>
           </p:cNvSpPr>
           <p:nvPr>
-            <p:ph type="dt" idx="1"/>
+            <p:ph type="dt" idx="3"/>
           </p:nvPr>
         </p:nvSpPr>
         <p:spPr/>
@@ -214,7 +215,7 @@
             <a:spLocks noGrp="1"/>
           </p:cNvSpPr>
           <p:nvPr>
-            <p:ph type="ftr" idx="29"/>
+            <p:ph type="ftr" idx="28"/>
           </p:nvPr>
         </p:nvSpPr>
         <p:spPr/>
@@ -234,14 +235,14 @@
             <a:spLocks noGrp="1"/>
           </p:cNvSpPr>
           <p:nvPr>
-            <p:ph type="sldNum" idx="30"/>
+            <p:ph type="sldNum" idx="29"/>
           </p:nvPr>
         </p:nvSpPr>
         <p:spPr/>
         <p:txBody>
           <a:bodyPr/>
           <a:p>
-            <a:fld id="{C63B254C-5D8E-482E-8F47-E5DE8CD96B9B}" type="slidenum">
+            <a:fld id="{03E2A2C0-EA44-4D0D-892E-E6C0BBB9332C}" type="slidenum">
               <a:t>&lt;#&gt;</a:t>
             </a:fld>
           </a:p>
@@ -254,7 +255,7 @@
             <a:spLocks noGrp="1"/>
           </p:cNvSpPr>
           <p:nvPr>
-            <p:ph type="dt" idx="28"/>
+            <p:ph type="dt" idx="30"/>
           </p:nvPr>
         </p:nvSpPr>
         <p:spPr/>
@@ -297,7 +298,7 @@
             <a:spLocks noGrp="1"/>
           </p:cNvSpPr>
           <p:nvPr>
-            <p:ph type="ftr" idx="32"/>
+            <p:ph type="ftr" idx="31"/>
           </p:nvPr>
         </p:nvSpPr>
         <p:spPr/>
@@ -317,14 +318,14 @@
             <a:spLocks noGrp="1"/>
           </p:cNvSpPr>
           <p:nvPr>
-            <p:ph type="sldNum" idx="33"/>
+            <p:ph type="sldNum" idx="32"/>
           </p:nvPr>
         </p:nvSpPr>
         <p:spPr/>
         <p:txBody>
           <a:bodyPr/>
           <a:p>
-            <a:fld id="{E20DCB55-9E37-4C9D-BF51-03504FF0BFDB}" type="slidenum">
+            <a:fld id="{4E87869D-D0DE-40B2-91C8-1075F76EB6E1}" type="slidenum">
               <a:t>&lt;#&gt;</a:t>
             </a:fld>
           </a:p>
@@ -337,7 +338,7 @@
             <a:spLocks noGrp="1"/>
           </p:cNvSpPr>
           <p:nvPr>
-            <p:ph type="dt" idx="31"/>
+            <p:ph type="dt" idx="33"/>
           </p:nvPr>
         </p:nvSpPr>
         <p:spPr/>
@@ -380,7 +381,7 @@
             <a:spLocks noGrp="1"/>
           </p:cNvSpPr>
           <p:nvPr>
-            <p:ph type="ftr" idx="5"/>
+            <p:ph type="ftr" idx="4"/>
           </p:nvPr>
         </p:nvSpPr>
         <p:spPr/>
@@ -400,14 +401,14 @@
             <a:spLocks noGrp="1"/>
           </p:cNvSpPr>
           <p:nvPr>
-            <p:ph type="sldNum" idx="6"/>
+            <p:ph type="sldNum" idx="5"/>
           </p:nvPr>
         </p:nvSpPr>
         <p:spPr/>
         <p:txBody>
           <a:bodyPr/>
           <a:p>
-            <a:fld id="{366ABBB5-0352-40C8-BEB8-232DF022B92A}" type="slidenum">
+            <a:fld id="{D58B6A7D-BD60-4B78-93FD-43B513DEA24C}" type="slidenum">
               <a:t>&lt;#&gt;</a:t>
             </a:fld>
           </a:p>
@@ -420,7 +421,7 @@
             <a:spLocks noGrp="1"/>
           </p:cNvSpPr>
           <p:nvPr>
-            <p:ph type="dt" idx="4"/>
+            <p:ph type="dt" idx="6"/>
           </p:nvPr>
         </p:nvSpPr>
         <p:spPr/>
@@ -463,7 +464,7 @@
             <a:spLocks noGrp="1"/>
           </p:cNvSpPr>
           <p:nvPr>
-            <p:ph type="ftr" idx="8"/>
+            <p:ph type="ftr" idx="7"/>
           </p:nvPr>
         </p:nvSpPr>
         <p:spPr/>
@@ -483,14 +484,14 @@
             <a:spLocks noGrp="1"/>
           </p:cNvSpPr>
           <p:nvPr>
-            <p:ph type="sldNum" idx="9"/>
+            <p:ph type="sldNum" idx="8"/>
           </p:nvPr>
         </p:nvSpPr>
         <p:spPr/>
         <p:txBody>
           <a:bodyPr/>
           <a:p>
-            <a:fld id="{291649CC-8D22-4B59-AB14-90F80F0AFB5D}" type="slidenum">
+            <a:fld id="{27BB3999-0EFC-4DF3-A3DC-2CCA2657D0FA}" type="slidenum">
               <a:t>&lt;#&gt;</a:t>
             </a:fld>
           </a:p>
@@ -503,7 +504,7 @@
             <a:spLocks noGrp="1"/>
           </p:cNvSpPr>
           <p:nvPr>
-            <p:ph type="dt" idx="7"/>
+            <p:ph type="dt" idx="9"/>
           </p:nvPr>
         </p:nvSpPr>
         <p:spPr/>
@@ -541,7 +542,7 @@
       </p:grpSpPr>
       <p:sp>
         <p:nvSpPr>
-          <p:cNvPr id="22" name="PlaceHolder 1"/>
+          <p:cNvPr id="18" name="PlaceHolder 1"/>
           <p:cNvSpPr>
             <a:spLocks noGrp="1"/>
           </p:cNvSpPr>
@@ -552,7 +553,7 @@
         <p:spPr>
           <a:xfrm>
             <a:off x="457200" y="274680"/>
-            <a:ext cx="8229240" cy="1142640"/>
+            <a:ext cx="8228880" cy="1142280"/>
           </a:xfrm>
           <a:prstGeom prst="rect">
             <a:avLst/>
@@ -567,21 +568,21 @@
             <a:noAutofit/>
           </a:bodyPr>
           <a:p>
-            <a:pPr indent="0">
+            <a:pPr indent="0" algn="ctr">
               <a:buNone/>
             </a:pPr>
-            <a:endParaRPr b="0" lang="en-US" sz="1800" spc="-1" strike="noStrike">
-              <a:solidFill>
-                <a:schemeClr val="dk1"/>
-              </a:solidFill>
-              <a:latin typeface="Calibri"/>
+            <a:endParaRPr b="0" lang="pt-BR" sz="4400" spc="-1" strike="noStrike">
+              <a:solidFill>
+                <a:srgbClr val="000000"/>
+              </a:solidFill>
+              <a:latin typeface="Arial"/>
             </a:endParaRPr>
           </a:p>
         </p:txBody>
       </p:sp>
       <p:sp>
         <p:nvSpPr>
-          <p:cNvPr id="23" name="PlaceHolder 2"/>
+          <p:cNvPr id="19" name="PlaceHolder 2"/>
           <p:cNvSpPr>
             <a:spLocks noGrp="1"/>
           </p:cNvSpPr>
@@ -592,7 +593,7 @@
         <p:spPr>
           <a:xfrm>
             <a:off x="457200" y="1600200"/>
-            <a:ext cx="8229240" cy="4525560"/>
+            <a:ext cx="8228880" cy="4525200"/>
           </a:xfrm>
           <a:prstGeom prst="rect">
             <a:avLst/>
@@ -613,11 +614,11 @@
               </a:spcBef>
               <a:buNone/>
             </a:pPr>
-            <a:endParaRPr b="0" lang="en-US" sz="3200" spc="-1" strike="noStrike">
-              <a:solidFill>
-                <a:schemeClr val="dk1"/>
-              </a:solidFill>
-              <a:latin typeface="Calibri"/>
+            <a:endParaRPr b="0" lang="pt-BR" sz="3200" spc="-1" strike="noStrike">
+              <a:solidFill>
+                <a:srgbClr val="000000"/>
+              </a:solidFill>
+              <a:latin typeface="Arial"/>
             </a:endParaRPr>
           </a:p>
         </p:txBody>
@@ -629,7 +630,7 @@
             <a:spLocks noGrp="1"/>
           </p:cNvSpPr>
           <p:nvPr>
-            <p:ph type="ftr" idx="11"/>
+            <p:ph type="ftr" idx="10"/>
           </p:nvPr>
         </p:nvSpPr>
         <p:spPr/>
@@ -649,14 +650,14 @@
             <a:spLocks noGrp="1"/>
           </p:cNvSpPr>
           <p:nvPr>
-            <p:ph type="sldNum" idx="12"/>
+            <p:ph type="sldNum" idx="11"/>
           </p:nvPr>
         </p:nvSpPr>
         <p:spPr/>
         <p:txBody>
           <a:bodyPr/>
           <a:p>
-            <a:fld id="{56FBEE47-95C0-4530-889F-457CD81E069C}" type="slidenum">
+            <a:fld id="{7506DD82-FC2F-4014-863C-893679DDC656}" type="slidenum">
               <a:t>&lt;#&gt;</a:t>
             </a:fld>
           </a:p>
@@ -669,7 +670,7 @@
             <a:spLocks noGrp="1"/>
           </p:cNvSpPr>
           <p:nvPr>
-            <p:ph type="dt" idx="10"/>
+            <p:ph type="dt" idx="12"/>
           </p:nvPr>
         </p:nvSpPr>
         <p:spPr/>
@@ -712,7 +713,7 @@
             <a:spLocks noGrp="1"/>
           </p:cNvSpPr>
           <p:nvPr>
-            <p:ph type="ftr" idx="14"/>
+            <p:ph type="ftr" idx="13"/>
           </p:nvPr>
         </p:nvSpPr>
         <p:spPr/>
@@ -732,14 +733,14 @@
             <a:spLocks noGrp="1"/>
           </p:cNvSpPr>
           <p:nvPr>
-            <p:ph type="sldNum" idx="15"/>
+            <p:ph type="sldNum" idx="14"/>
           </p:nvPr>
         </p:nvSpPr>
         <p:spPr/>
         <p:txBody>
           <a:bodyPr/>
           <a:p>
-            <a:fld id="{C4F60666-D9DC-4BB5-83E8-E520C462CE2F}" type="slidenum">
+            <a:fld id="{ED89D0BF-3698-40CE-BFE5-7F96B0329904}" type="slidenum">
               <a:t>&lt;#&gt;</a:t>
             </a:fld>
           </a:p>
@@ -752,7 +753,7 @@
             <a:spLocks noGrp="1"/>
           </p:cNvSpPr>
           <p:nvPr>
-            <p:ph type="dt" idx="13"/>
+            <p:ph type="dt" idx="15"/>
           </p:nvPr>
         </p:nvSpPr>
         <p:spPr/>
@@ -790,7 +791,7 @@
       </p:grpSpPr>
       <p:sp>
         <p:nvSpPr>
-          <p:cNvPr id="35" name="PlaceHolder 1"/>
+          <p:cNvPr id="29" name="PlaceHolder 1"/>
           <p:cNvSpPr>
             <a:spLocks noGrp="1"/>
           </p:cNvSpPr>
@@ -801,7 +802,7 @@
         <p:spPr>
           <a:xfrm>
             <a:off x="457200" y="274680"/>
-            <a:ext cx="8229240" cy="1142640"/>
+            <a:ext cx="8228880" cy="1142280"/>
           </a:xfrm>
           <a:prstGeom prst="rect">
             <a:avLst/>
@@ -816,21 +817,21 @@
             <a:noAutofit/>
           </a:bodyPr>
           <a:p>
-            <a:pPr indent="0">
+            <a:pPr indent="0" algn="ctr">
               <a:buNone/>
             </a:pPr>
-            <a:endParaRPr b="0" lang="en-US" sz="1800" spc="-1" strike="noStrike">
-              <a:solidFill>
-                <a:schemeClr val="dk1"/>
-              </a:solidFill>
-              <a:latin typeface="Calibri"/>
+            <a:endParaRPr b="0" lang="pt-BR" sz="4400" spc="-1" strike="noStrike">
+              <a:solidFill>
+                <a:srgbClr val="000000"/>
+              </a:solidFill>
+              <a:latin typeface="Arial"/>
             </a:endParaRPr>
           </a:p>
         </p:txBody>
       </p:sp>
       <p:sp>
         <p:nvSpPr>
-          <p:cNvPr id="36" name="PlaceHolder 2"/>
+          <p:cNvPr id="30" name="PlaceHolder 2"/>
           <p:cNvSpPr>
             <a:spLocks noGrp="1"/>
           </p:cNvSpPr>
@@ -841,7 +842,7 @@
         <p:spPr>
           <a:xfrm>
             <a:off x="457200" y="1600200"/>
-            <a:ext cx="4015800" cy="4525560"/>
+            <a:ext cx="4015440" cy="4525200"/>
           </a:xfrm>
           <a:prstGeom prst="rect">
             <a:avLst/>
@@ -862,18 +863,18 @@
               </a:spcBef>
               <a:buNone/>
             </a:pPr>
-            <a:endParaRPr b="0" lang="en-US" sz="3200" spc="-1" strike="noStrike">
-              <a:solidFill>
-                <a:schemeClr val="dk1"/>
-              </a:solidFill>
-              <a:latin typeface="Calibri"/>
+            <a:endParaRPr b="0" lang="pt-BR" sz="3200" spc="-1" strike="noStrike">
+              <a:solidFill>
+                <a:srgbClr val="000000"/>
+              </a:solidFill>
+              <a:latin typeface="Arial"/>
             </a:endParaRPr>
           </a:p>
         </p:txBody>
       </p:sp>
       <p:sp>
         <p:nvSpPr>
-          <p:cNvPr id="37" name="PlaceHolder 3"/>
+          <p:cNvPr id="31" name="PlaceHolder 3"/>
           <p:cNvSpPr>
             <a:spLocks noGrp="1"/>
           </p:cNvSpPr>
@@ -883,8 +884,8 @@
         </p:nvSpPr>
         <p:spPr>
           <a:xfrm>
-            <a:off x="4674240" y="1600200"/>
-            <a:ext cx="4015800" cy="4525560"/>
+            <a:off x="4673880" y="1600200"/>
+            <a:ext cx="4015440" cy="4525200"/>
           </a:xfrm>
           <a:prstGeom prst="rect">
             <a:avLst/>
@@ -905,11 +906,11 @@
               </a:spcBef>
               <a:buNone/>
             </a:pPr>
-            <a:endParaRPr b="0" lang="en-US" sz="3200" spc="-1" strike="noStrike">
-              <a:solidFill>
-                <a:schemeClr val="dk1"/>
-              </a:solidFill>
-              <a:latin typeface="Calibri"/>
+            <a:endParaRPr b="0" lang="pt-BR" sz="3200" spc="-1" strike="noStrike">
+              <a:solidFill>
+                <a:srgbClr val="000000"/>
+              </a:solidFill>
+              <a:latin typeface="Arial"/>
             </a:endParaRPr>
           </a:p>
         </p:txBody>
@@ -921,7 +922,7 @@
             <a:spLocks noGrp="1"/>
           </p:cNvSpPr>
           <p:nvPr>
-            <p:ph type="ftr" idx="17"/>
+            <p:ph type="ftr" idx="16"/>
           </p:nvPr>
         </p:nvSpPr>
         <p:spPr/>
@@ -941,14 +942,14 @@
             <a:spLocks noGrp="1"/>
           </p:cNvSpPr>
           <p:nvPr>
-            <p:ph type="sldNum" idx="18"/>
+            <p:ph type="sldNum" idx="17"/>
           </p:nvPr>
         </p:nvSpPr>
         <p:spPr/>
         <p:txBody>
           <a:bodyPr/>
           <a:p>
-            <a:fld id="{D1D49CC2-0220-45EE-869F-98473B8E7BF9}" type="slidenum">
+            <a:fld id="{79D97DD0-5D20-4053-A22B-2D728C93E6BA}" type="slidenum">
               <a:t>&lt;#&gt;</a:t>
             </a:fld>
           </a:p>
@@ -961,7 +962,7 @@
             <a:spLocks noGrp="1"/>
           </p:cNvSpPr>
           <p:nvPr>
-            <p:ph type="dt" idx="16"/>
+            <p:ph type="dt" idx="18"/>
           </p:nvPr>
         </p:nvSpPr>
         <p:spPr/>
@@ -1004,7 +1005,7 @@
             <a:spLocks noGrp="1"/>
           </p:cNvSpPr>
           <p:nvPr>
-            <p:ph type="ftr" idx="20"/>
+            <p:ph type="ftr" idx="19"/>
           </p:nvPr>
         </p:nvSpPr>
         <p:spPr/>
@@ -1024,14 +1025,14 @@
             <a:spLocks noGrp="1"/>
           </p:cNvSpPr>
           <p:nvPr>
-            <p:ph type="sldNum" idx="21"/>
+            <p:ph type="sldNum" idx="20"/>
           </p:nvPr>
         </p:nvSpPr>
         <p:spPr/>
         <p:txBody>
           <a:bodyPr/>
           <a:p>
-            <a:fld id="{BF483D78-3ED6-408B-BA48-E93AC3E9072B}" type="slidenum">
+            <a:fld id="{C8F5417E-42EC-4C3A-84F6-F67C2FD0B420}" type="slidenum">
               <a:t>&lt;#&gt;</a:t>
             </a:fld>
           </a:p>
@@ -1044,7 +1045,7 @@
             <a:spLocks noGrp="1"/>
           </p:cNvSpPr>
           <p:nvPr>
-            <p:ph type="dt" idx="19"/>
+            <p:ph type="dt" idx="21"/>
           </p:nvPr>
         </p:nvSpPr>
         <p:spPr/>
@@ -1082,7 +1083,7 @@
       </p:grpSpPr>
       <p:sp>
         <p:nvSpPr>
-          <p:cNvPr id="50" name="PlaceHolder 1"/>
+          <p:cNvPr id="39" name="PlaceHolder 1"/>
           <p:cNvSpPr>
             <a:spLocks noGrp="1"/>
           </p:cNvSpPr>
@@ -1093,7 +1094,7 @@
         <p:spPr>
           <a:xfrm>
             <a:off x="457200" y="274680"/>
-            <a:ext cx="8229240" cy="1142640"/>
+            <a:ext cx="8228880" cy="1142280"/>
           </a:xfrm>
           <a:prstGeom prst="rect">
             <a:avLst/>
@@ -1108,14 +1109,14 @@
             <a:noAutofit/>
           </a:bodyPr>
           <a:p>
-            <a:pPr indent="0">
+            <a:pPr indent="0" algn="ctr">
               <a:buNone/>
             </a:pPr>
-            <a:endParaRPr b="0" lang="en-US" sz="1800" spc="-1" strike="noStrike">
-              <a:solidFill>
-                <a:schemeClr val="dk1"/>
-              </a:solidFill>
-              <a:latin typeface="Calibri"/>
+            <a:endParaRPr b="0" lang="pt-BR" sz="4400" spc="-1" strike="noStrike">
+              <a:solidFill>
+                <a:srgbClr val="000000"/>
+              </a:solidFill>
+              <a:latin typeface="Arial"/>
             </a:endParaRPr>
           </a:p>
         </p:txBody>
@@ -1127,7 +1128,7 @@
             <a:spLocks noGrp="1"/>
           </p:cNvSpPr>
           <p:nvPr>
-            <p:ph type="ftr" idx="23"/>
+            <p:ph type="ftr" idx="22"/>
           </p:nvPr>
         </p:nvSpPr>
         <p:spPr/>
@@ -1147,14 +1148,14 @@
             <a:spLocks noGrp="1"/>
           </p:cNvSpPr>
           <p:nvPr>
-            <p:ph type="sldNum" idx="24"/>
+            <p:ph type="sldNum" idx="23"/>
           </p:nvPr>
         </p:nvSpPr>
         <p:spPr/>
         <p:txBody>
           <a:bodyPr/>
           <a:p>
-            <a:fld id="{E8A77A7D-F99A-4C5B-A1DA-131AA4A6DFEA}" type="slidenum">
+            <a:fld id="{15D5CA4A-4FB0-4E87-947F-897A5B6D4136}" type="slidenum">
               <a:t>&lt;#&gt;</a:t>
             </a:fld>
           </a:p>
@@ -1167,7 +1168,7 @@
             <a:spLocks noGrp="1"/>
           </p:cNvSpPr>
           <p:nvPr>
-            <p:ph type="dt" idx="22"/>
+            <p:ph type="dt" idx="24"/>
           </p:nvPr>
         </p:nvSpPr>
         <p:spPr/>
@@ -1210,7 +1211,7 @@
             <a:spLocks noGrp="1"/>
           </p:cNvSpPr>
           <p:nvPr>
-            <p:ph type="ftr" idx="26"/>
+            <p:ph type="ftr" idx="25"/>
           </p:nvPr>
         </p:nvSpPr>
         <p:spPr/>
@@ -1230,14 +1231,14 @@
             <a:spLocks noGrp="1"/>
           </p:cNvSpPr>
           <p:nvPr>
-            <p:ph type="sldNum" idx="27"/>
+            <p:ph type="sldNum" idx="26"/>
           </p:nvPr>
         </p:nvSpPr>
         <p:spPr/>
         <p:txBody>
           <a:bodyPr/>
           <a:p>
-            <a:fld id="{71D5C658-942C-4B78-9D26-91C023429101}" type="slidenum">
+            <a:fld id="{7D17E13C-ACE5-4888-971C-ACA948E82743}" type="slidenum">
               <a:t>&lt;#&gt;</a:t>
             </a:fld>
           </a:p>
@@ -1250,7 +1251,7 @@
             <a:spLocks noGrp="1"/>
           </p:cNvSpPr>
           <p:nvPr>
-            <p:ph type="dt" idx="25"/>
+            <p:ph type="dt" idx="27"/>
           </p:nvPr>
         </p:nvSpPr>
         <p:spPr/>
@@ -1305,8 +1306,8 @@
         </p:nvSpPr>
         <p:spPr>
           <a:xfrm>
-            <a:off x="685800" y="2130480"/>
-            <a:ext cx="7772040" cy="1469520"/>
+            <a:off x="457200" y="274680"/>
+            <a:ext cx="8228880" cy="1142280"/>
           </a:xfrm>
           <a:prstGeom prst="rect">
             <a:avLst/>
@@ -1317,30 +1318,27 @@
           </a:ln>
         </p:spPr>
         <p:txBody>
-          <a:bodyPr lIns="91440" rIns="91440" tIns="45720" bIns="45720" anchor="ctr">
+          <a:bodyPr lIns="0" rIns="0" tIns="0" bIns="0" anchor="ctr">
             <a:noAutofit/>
           </a:bodyPr>
           <a:p>
-            <a:pPr indent="0" algn="ctr" defTabSz="457200">
-              <a:lnSpc>
-                <a:spcPct val="100000"/>
-              </a:lnSpc>
+            <a:pPr indent="0">
               <a:buNone/>
             </a:pPr>
             <a:r>
-              <a:rPr b="0" lang="en-US" sz="4400" spc="-1" strike="noStrike">
-                <a:solidFill>
-                  <a:schemeClr val="dk1"/>
-                </a:solidFill>
-                <a:latin typeface="Calibri"/>
-              </a:rPr>
-              <a:t>Click to edit Master title style</a:t>
-            </a:r>
-            <a:endParaRPr b="0" lang="en-US" sz="4400" spc="-1" strike="noStrike">
-              <a:solidFill>
-                <a:schemeClr val="dk1"/>
-              </a:solidFill>
-              <a:latin typeface="Calibri"/>
+              <a:rPr b="0" lang="pt-BR" sz="1800" spc="-1" strike="noStrike">
+                <a:solidFill>
+                  <a:srgbClr val="000000"/>
+                </a:solidFill>
+                <a:latin typeface="Arial"/>
+              </a:rPr>
+              <a:t>Clique para editar o formato do texto do título</a:t>
+            </a:r>
+            <a:endParaRPr b="0" lang="pt-BR" sz="1800" spc="-1" strike="noStrike">
+              <a:solidFill>
+                <a:srgbClr val="000000"/>
+              </a:solidFill>
+              <a:latin typeface="Arial"/>
             </a:endParaRPr>
           </a:p>
         </p:txBody>
@@ -1352,83 +1350,13 @@
             <a:spLocks noGrp="1"/>
           </p:cNvSpPr>
           <p:nvPr>
-            <p:ph type="dt" idx="1"/>
-          </p:nvPr>
-        </p:nvSpPr>
-        <p:spPr>
-          <a:xfrm>
-            <a:off x="457200" y="6356520"/>
-            <a:ext cx="2133360" cy="364680"/>
-          </a:xfrm>
-          <a:prstGeom prst="rect">
-            <a:avLst/>
-          </a:prstGeom>
-          <a:noFill/>
-          <a:ln w="0">
-            <a:noFill/>
-          </a:ln>
-        </p:spPr>
-        <p:txBody>
-          <a:bodyPr lIns="91440" rIns="91440" tIns="45720" bIns="45720" anchor="ctr">
-            <a:noAutofit/>
-          </a:bodyPr>
-          <a:lstStyle>
-            <a:lvl1pPr indent="0" defTabSz="457200">
-              <a:lnSpc>
-                <a:spcPct val="100000"/>
-              </a:lnSpc>
-              <a:buNone/>
-              <a:defRPr b="0" lang="en-US" sz="1200" spc="-1" strike="noStrike">
-                <a:solidFill>
-                  <a:schemeClr val="dk1">
-                    <a:tint val="75000"/>
-                  </a:schemeClr>
-                </a:solidFill>
-                <a:latin typeface="Calibri"/>
-              </a:defRPr>
-            </a:lvl1pPr>
-          </a:lstStyle>
-          <a:p>
-            <a:pPr indent="0" defTabSz="457200">
-              <a:lnSpc>
-                <a:spcPct val="100000"/>
-              </a:lnSpc>
-              <a:buNone/>
-            </a:pPr>
-            <a:r>
-              <a:rPr b="0" lang="en-US" sz="1200" spc="-1" strike="noStrike">
-                <a:solidFill>
-                  <a:schemeClr val="dk1">
-                    <a:tint val="75000"/>
-                  </a:schemeClr>
-                </a:solidFill>
-                <a:latin typeface="Calibri"/>
-              </a:rPr>
-              <a:t>&lt;data/hora&gt;</a:t>
-            </a:r>
-            <a:endParaRPr b="0" lang="pt-BR" sz="1200" spc="-1" strike="noStrike">
-              <a:solidFill>
-                <a:srgbClr val="000000"/>
-              </a:solidFill>
-              <a:latin typeface="Times New Roman"/>
-            </a:endParaRPr>
-          </a:p>
-        </p:txBody>
-      </p:sp>
-      <p:sp>
-        <p:nvSpPr>
-          <p:cNvPr id="2" name="PlaceHolder 3"/>
-          <p:cNvSpPr>
-            <a:spLocks noGrp="1"/>
-          </p:cNvSpPr>
-          <p:nvPr>
-            <p:ph type="ftr" idx="2"/>
+            <p:ph type="ftr" idx="1"/>
           </p:nvPr>
         </p:nvSpPr>
         <p:spPr>
           <a:xfrm>
             <a:off x="3124080" y="6356520"/>
-            <a:ext cx="2895120" cy="364680"/>
+            <a:ext cx="2894760" cy="364320"/>
           </a:xfrm>
           <a:prstGeom prst="rect">
             <a:avLst/>
@@ -1444,7 +1372,13 @@
           </a:bodyPr>
           <a:lstStyle>
             <a:lvl1pPr indent="0" algn="ctr">
+              <a:lnSpc>
+                <a:spcPct val="100000"/>
+              </a:lnSpc>
               <a:buNone/>
+              <a:tabLst>
+                <a:tab algn="l" pos="0"/>
+              </a:tabLst>
               <a:defRPr b="0" lang="pt-BR" sz="1400" spc="-1" strike="noStrike">
                 <a:solidFill>
                   <a:srgbClr val="000000"/>
@@ -1455,7 +1389,13 @@
           </a:lstStyle>
           <a:p>
             <a:pPr indent="0" algn="ctr">
+              <a:lnSpc>
+                <a:spcPct val="100000"/>
+              </a:lnSpc>
               <a:buNone/>
+              <a:tabLst>
+                <a:tab algn="l" pos="0"/>
+              </a:tabLst>
             </a:pPr>
             <a:r>
               <a:rPr b="0" lang="pt-BR" sz="1400" spc="-1" strike="noStrike">
@@ -1464,7 +1404,7 @@
                 </a:solidFill>
                 <a:latin typeface="Times New Roman"/>
               </a:rPr>
-              <a:t>&lt;rodapé&gt;</a:t>
+              <a:t> </a:t>
             </a:r>
             <a:endParaRPr b="0" lang="pt-BR" sz="1400" spc="-1" strike="noStrike">
               <a:solidFill>
@@ -1477,18 +1417,18 @@
       </p:sp>
       <p:sp>
         <p:nvSpPr>
-          <p:cNvPr id="3" name="PlaceHolder 4"/>
+          <p:cNvPr id="2" name="PlaceHolder 3"/>
           <p:cNvSpPr>
             <a:spLocks noGrp="1"/>
           </p:cNvSpPr>
           <p:nvPr>
-            <p:ph type="sldNum" idx="3"/>
+            <p:ph type="sldNum" idx="2"/>
           </p:nvPr>
         </p:nvSpPr>
         <p:spPr>
           <a:xfrm>
             <a:off x="6553080" y="6356520"/>
-            <a:ext cx="2133360" cy="364680"/>
+            <a:ext cx="2133000" cy="364320"/>
           </a:xfrm>
           <a:prstGeom prst="rect">
             <a:avLst/>
@@ -1508,6 +1448,9 @@
                 <a:spcPct val="100000"/>
               </a:lnSpc>
               <a:buNone/>
+              <a:tabLst>
+                <a:tab algn="l" pos="0"/>
+              </a:tabLst>
               <a:defRPr b="0" lang="en-US" sz="1200" spc="-1" strike="noStrike">
                 <a:solidFill>
                   <a:schemeClr val="dk1">
@@ -1524,8 +1467,11 @@
                 <a:spcPct val="100000"/>
               </a:lnSpc>
               <a:buNone/>
-            </a:pPr>
-            <a:fld id="{53D06BF4-4E0D-4B28-9694-5B5925B2BB5D}" type="slidenum">
+              <a:tabLst>
+                <a:tab algn="l" pos="0"/>
+              </a:tabLst>
+            </a:pPr>
+            <a:fld id="{E68D61B9-E7E6-434B-A4B7-C0E60FE940B2}" type="slidenum">
               <a:rPr b="0" lang="en-US" sz="1200" spc="-1" strike="noStrike">
                 <a:solidFill>
                   <a:schemeClr val="dk1">
@@ -1534,9 +1480,69 @@
                 </a:solidFill>
                 <a:latin typeface="Calibri"/>
               </a:rPr>
-              <a:t>&lt;número&gt;</a:t>
+              <a:t>7</a:t>
             </a:fld>
             <a:endParaRPr b="0" lang="pt-BR" sz="1200" spc="-1" strike="noStrike">
+              <a:solidFill>
+                <a:srgbClr val="000000"/>
+              </a:solidFill>
+              <a:latin typeface="Times New Roman"/>
+            </a:endParaRPr>
+          </a:p>
+        </p:txBody>
+      </p:sp>
+      <p:sp>
+        <p:nvSpPr>
+          <p:cNvPr id="3" name="PlaceHolder 4"/>
+          <p:cNvSpPr>
+            <a:spLocks noGrp="1"/>
+          </p:cNvSpPr>
+          <p:nvPr>
+            <p:ph type="dt" idx="3"/>
+          </p:nvPr>
+        </p:nvSpPr>
+        <p:spPr>
+          <a:xfrm>
+            <a:off x="457200" y="6356520"/>
+            <a:ext cx="2133000" cy="364320"/>
+          </a:xfrm>
+          <a:prstGeom prst="rect">
+            <a:avLst/>
+          </a:prstGeom>
+          <a:noFill/>
+          <a:ln w="0">
+            <a:noFill/>
+          </a:ln>
+        </p:spPr>
+        <p:txBody>
+          <a:bodyPr lIns="91440" rIns="91440" tIns="45720" bIns="45720" anchor="ctr">
+            <a:noAutofit/>
+          </a:bodyPr>
+          <a:lstStyle>
+            <a:lvl1pPr indent="0">
+              <a:buNone/>
+              <a:defRPr b="0" lang="pt-BR" sz="1400" spc="-1" strike="noStrike">
+                <a:solidFill>
+                  <a:srgbClr val="000000"/>
+                </a:solidFill>
+                <a:latin typeface="Times New Roman"/>
+              </a:defRPr>
+            </a:lvl1pPr>
+          </a:lstStyle>
+          <a:p>
+            <a:pPr indent="0">
+              <a:buNone/>
+            </a:pPr>
+            <a:r>
+              <a:rPr b="0" lang="pt-BR" sz="1400" spc="-1" strike="noStrike">
+                <a:solidFill>
+                  <a:srgbClr val="000000"/>
+                </a:solidFill>
+                <a:latin typeface="Times New Roman"/>
+              </a:rPr>
+              <a:t> </a:t>
+            </a:r>
+            <a:endParaRPr b="0" lang="pt-BR" sz="1400" spc="-1" strike="noStrike">
               <a:solidFill>
                 <a:srgbClr val="000000"/>
               </a:solidFill>
@@ -1585,19 +1591,19 @@
               <a:buChar char=""/>
             </a:pPr>
             <a:r>
-              <a:rPr b="0" lang="en-US" sz="3200" spc="-1" strike="noStrike">
-                <a:solidFill>
-                  <a:schemeClr val="dk1"/>
-                </a:solidFill>
-                <a:latin typeface="Calibri"/>
+              <a:rPr b="0" lang="pt-BR" sz="3200" spc="-1" strike="noStrike">
+                <a:solidFill>
+                  <a:srgbClr val="000000"/>
+                </a:solidFill>
+                <a:latin typeface="Arial"/>
               </a:rPr>
               <a:t>Clique para editar o formato de texto dos tópicos</a:t>
             </a:r>
-            <a:endParaRPr b="0" lang="en-US" sz="3200" spc="-1" strike="noStrike">
-              <a:solidFill>
-                <a:schemeClr val="dk1"/>
-              </a:solidFill>
-              <a:latin typeface="Calibri"/>
+            <a:endParaRPr b="0" lang="pt-BR" sz="3200" spc="-1" strike="noStrike">
+              <a:solidFill>
+                <a:srgbClr val="000000"/>
+              </a:solidFill>
+              <a:latin typeface="Arial"/>
             </a:endParaRPr>
           </a:p>
           <a:p>
@@ -1613,19 +1619,19 @@
               <a:buChar char=""/>
             </a:pPr>
             <a:r>
-              <a:rPr b="0" lang="en-US" sz="2400" spc="-1" strike="noStrike">
-                <a:solidFill>
-                  <a:schemeClr val="dk1"/>
-                </a:solidFill>
-                <a:latin typeface="Calibri"/>
+              <a:rPr b="0" lang="pt-BR" sz="2800" spc="-1" strike="noStrike">
+                <a:solidFill>
+                  <a:srgbClr val="000000"/>
+                </a:solidFill>
+                <a:latin typeface="Arial"/>
               </a:rPr>
               <a:t>2.º nível de tópicos</a:t>
             </a:r>
-            <a:endParaRPr b="0" lang="en-US" sz="2400" spc="-1" strike="noStrike">
-              <a:solidFill>
-                <a:schemeClr val="dk1"/>
-              </a:solidFill>
-              <a:latin typeface="Calibri"/>
+            <a:endParaRPr b="0" lang="pt-BR" sz="2800" spc="-1" strike="noStrike">
+              <a:solidFill>
+                <a:srgbClr val="000000"/>
+              </a:solidFill>
+              <a:latin typeface="Arial"/>
             </a:endParaRPr>
           </a:p>
           <a:p>
@@ -1641,19 +1647,19 @@
               <a:buChar char=""/>
             </a:pPr>
             <a:r>
-              <a:rPr b="0" lang="en-US" sz="2000" spc="-1" strike="noStrike">
-                <a:solidFill>
-                  <a:schemeClr val="dk1"/>
-                </a:solidFill>
-                <a:latin typeface="Calibri"/>
+              <a:rPr b="0" lang="pt-BR" sz="2400" spc="-1" strike="noStrike">
+                <a:solidFill>
+                  <a:srgbClr val="000000"/>
+                </a:solidFill>
+                <a:latin typeface="Arial"/>
               </a:rPr>
               <a:t>3.º nível de tópicos</a:t>
             </a:r>
-            <a:endParaRPr b="0" lang="en-US" sz="2000" spc="-1" strike="noStrike">
-              <a:solidFill>
-                <a:schemeClr val="dk1"/>
-              </a:solidFill>
-              <a:latin typeface="Calibri"/>
+            <a:endParaRPr b="0" lang="pt-BR" sz="2400" spc="-1" strike="noStrike">
+              <a:solidFill>
+                <a:srgbClr val="000000"/>
+              </a:solidFill>
+              <a:latin typeface="Arial"/>
             </a:endParaRPr>
           </a:p>
           <a:p>
@@ -1669,19 +1675,19 @@
               <a:buChar char=""/>
             </a:pPr>
             <a:r>
-              <a:rPr b="0" lang="en-US" sz="2000" spc="-1" strike="noStrike">
-                <a:solidFill>
-                  <a:schemeClr val="dk1"/>
-                </a:solidFill>
-                <a:latin typeface="Calibri"/>
+              <a:rPr b="0" lang="pt-BR" sz="2000" spc="-1" strike="noStrike">
+                <a:solidFill>
+                  <a:srgbClr val="000000"/>
+                </a:solidFill>
+                <a:latin typeface="Arial"/>
               </a:rPr>
               <a:t>4.º nível de tópicos</a:t>
             </a:r>
-            <a:endParaRPr b="0" lang="en-US" sz="2000" spc="-1" strike="noStrike">
-              <a:solidFill>
-                <a:schemeClr val="dk1"/>
-              </a:solidFill>
-              <a:latin typeface="Calibri"/>
+            <a:endParaRPr b="0" lang="pt-BR" sz="2000" spc="-1" strike="noStrike">
+              <a:solidFill>
+                <a:srgbClr val="000000"/>
+              </a:solidFill>
+              <a:latin typeface="Arial"/>
             </a:endParaRPr>
           </a:p>
           <a:p>
@@ -1697,19 +1703,19 @@
               <a:buChar char=""/>
             </a:pPr>
             <a:r>
-              <a:rPr b="0" lang="en-US" sz="2000" spc="-1" strike="noStrike">
-                <a:solidFill>
-                  <a:schemeClr val="dk1"/>
-                </a:solidFill>
-                <a:latin typeface="Calibri"/>
+              <a:rPr b="0" lang="pt-BR" sz="2000" spc="-1" strike="noStrike">
+                <a:solidFill>
+                  <a:srgbClr val="000000"/>
+                </a:solidFill>
+                <a:latin typeface="Arial"/>
               </a:rPr>
               <a:t>5.º nível de tópicos</a:t>
             </a:r>
-            <a:endParaRPr b="0" lang="en-US" sz="2000" spc="-1" strike="noStrike">
-              <a:solidFill>
-                <a:schemeClr val="dk1"/>
-              </a:solidFill>
-              <a:latin typeface="Calibri"/>
+            <a:endParaRPr b="0" lang="pt-BR" sz="2000" spc="-1" strike="noStrike">
+              <a:solidFill>
+                <a:srgbClr val="000000"/>
+              </a:solidFill>
+              <a:latin typeface="Arial"/>
             </a:endParaRPr>
           </a:p>
           <a:p>
@@ -1725,19 +1731,19 @@
               <a:buChar char=""/>
             </a:pPr>
             <a:r>
-              <a:rPr b="0" lang="en-US" sz="2000" spc="-1" strike="noStrike">
-                <a:solidFill>
-                  <a:schemeClr val="dk1"/>
-                </a:solidFill>
-                <a:latin typeface="Calibri"/>
+              <a:rPr b="0" lang="pt-BR" sz="2000" spc="-1" strike="noStrike">
+                <a:solidFill>
+                  <a:srgbClr val="000000"/>
+                </a:solidFill>
+                <a:latin typeface="Arial"/>
               </a:rPr>
               <a:t>6.º nível de tópicos</a:t>
             </a:r>
-            <a:endParaRPr b="0" lang="en-US" sz="2000" spc="-1" strike="noStrike">
-              <a:solidFill>
-                <a:schemeClr val="dk1"/>
-              </a:solidFill>
-              <a:latin typeface="Calibri"/>
+            <a:endParaRPr b="0" lang="pt-BR" sz="2000" spc="-1" strike="noStrike">
+              <a:solidFill>
+                <a:srgbClr val="000000"/>
+              </a:solidFill>
+              <a:latin typeface="Arial"/>
             </a:endParaRPr>
           </a:p>
           <a:p>
@@ -1753,19 +1759,19 @@
               <a:buChar char=""/>
             </a:pPr>
             <a:r>
-              <a:rPr b="0" lang="en-US" sz="2000" spc="-1" strike="noStrike">
-                <a:solidFill>
-                  <a:schemeClr val="dk1"/>
-                </a:solidFill>
-                <a:latin typeface="Calibri"/>
+              <a:rPr b="0" lang="pt-BR" sz="2000" spc="-1" strike="noStrike">
+                <a:solidFill>
+                  <a:srgbClr val="000000"/>
+                </a:solidFill>
+                <a:latin typeface="Arial"/>
               </a:rPr>
               <a:t>7.º nível de tópicos</a:t>
             </a:r>
-            <a:endParaRPr b="0" lang="en-US" sz="2000" spc="-1" strike="noStrike">
-              <a:solidFill>
-                <a:schemeClr val="dk1"/>
-              </a:solidFill>
-              <a:latin typeface="Calibri"/>
+            <a:endParaRPr b="0" lang="pt-BR" sz="2000" spc="-1" strike="noStrike">
+              <a:solidFill>
+                <a:srgbClr val="000000"/>
+              </a:solidFill>
+              <a:latin typeface="Arial"/>
             </a:endParaRPr>
           </a:p>
         </p:txBody>
@@ -1805,377 +1811,18 @@
       </p:grpSpPr>
       <p:sp>
         <p:nvSpPr>
-          <p:cNvPr id="54" name="PlaceHolder 1"/>
+          <p:cNvPr id="43" name="PlaceHolder 1"/>
           <p:cNvSpPr>
             <a:spLocks noGrp="1"/>
           </p:cNvSpPr>
           <p:nvPr>
-            <p:ph type="title"/>
-          </p:nvPr>
-        </p:nvSpPr>
-        <p:spPr>
-          <a:xfrm>
-            <a:off x="457200" y="272880"/>
-            <a:ext cx="3007800" cy="1161720"/>
-          </a:xfrm>
-          <a:prstGeom prst="rect">
-            <a:avLst/>
-          </a:prstGeom>
-          <a:noFill/>
-          <a:ln w="0">
-            <a:noFill/>
-          </a:ln>
-        </p:spPr>
-        <p:txBody>
-          <a:bodyPr lIns="91440" rIns="91440" tIns="45720" bIns="45720" anchor="b">
-            <a:noAutofit/>
-          </a:bodyPr>
-          <a:p>
-            <a:pPr indent="0" defTabSz="457200">
-              <a:lnSpc>
-                <a:spcPct val="100000"/>
-              </a:lnSpc>
-              <a:buNone/>
-            </a:pPr>
-            <a:r>
-              <a:rPr b="1" lang="en-US" sz="2000" spc="-1" strike="noStrike">
-                <a:solidFill>
-                  <a:schemeClr val="dk1"/>
-                </a:solidFill>
-                <a:latin typeface="Calibri"/>
-              </a:rPr>
-              <a:t>Click to edit Master title style</a:t>
-            </a:r>
-            <a:endParaRPr b="0" lang="en-US" sz="2000" spc="-1" strike="noStrike">
-              <a:solidFill>
-                <a:schemeClr val="dk1"/>
-              </a:solidFill>
-              <a:latin typeface="Calibri"/>
-            </a:endParaRPr>
-          </a:p>
-        </p:txBody>
-      </p:sp>
-      <p:sp>
-        <p:nvSpPr>
-          <p:cNvPr id="55" name="PlaceHolder 2"/>
-          <p:cNvSpPr>
-            <a:spLocks noGrp="1"/>
-          </p:cNvSpPr>
-          <p:nvPr>
-            <p:ph type="body"/>
-          </p:nvPr>
-        </p:nvSpPr>
-        <p:spPr>
-          <a:xfrm>
-            <a:off x="3575160" y="272880"/>
-            <a:ext cx="5111280" cy="5852880"/>
-          </a:xfrm>
-          <a:prstGeom prst="rect">
-            <a:avLst/>
-          </a:prstGeom>
-          <a:noFill/>
-          <a:ln w="0">
-            <a:noFill/>
-          </a:ln>
-        </p:spPr>
-        <p:txBody>
-          <a:bodyPr lIns="91440" rIns="91440" tIns="45720" bIns="45720" anchor="t">
-            <a:noAutofit/>
-          </a:bodyPr>
-          <a:p>
-            <a:pPr marL="343080" indent="-343080" defTabSz="457200">
-              <a:lnSpc>
-                <a:spcPct val="100000"/>
-              </a:lnSpc>
-              <a:spcBef>
-                <a:spcPts val="641"/>
-              </a:spcBef>
-              <a:buClr>
-                <a:srgbClr val="000000"/>
-              </a:buClr>
-              <a:buFont typeface="Arial"/>
-              <a:buChar char="•"/>
-            </a:pPr>
-            <a:r>
-              <a:rPr b="0" lang="en-US" sz="3200" spc="-1" strike="noStrike">
-                <a:solidFill>
-                  <a:schemeClr val="dk1"/>
-                </a:solidFill>
-                <a:latin typeface="Calibri"/>
-              </a:rPr>
-              <a:t>Click to edit Master text styles</a:t>
-            </a:r>
-            <a:endParaRPr b="0" lang="en-US" sz="3200" spc="-1" strike="noStrike">
-              <a:solidFill>
-                <a:schemeClr val="dk1"/>
-              </a:solidFill>
-              <a:latin typeface="Calibri"/>
-            </a:endParaRPr>
-          </a:p>
-          <a:p>
-            <a:pPr lvl="1" marL="743040" indent="-285840" defTabSz="457200">
-              <a:lnSpc>
-                <a:spcPct val="100000"/>
-              </a:lnSpc>
-              <a:spcBef>
-                <a:spcPts val="561"/>
-              </a:spcBef>
-              <a:buClr>
-                <a:srgbClr val="000000"/>
-              </a:buClr>
-              <a:buFont typeface="Arial"/>
-              <a:buChar char="–"/>
-            </a:pPr>
-            <a:r>
-              <a:rPr b="0" lang="en-US" sz="2800" spc="-1" strike="noStrike">
-                <a:solidFill>
-                  <a:schemeClr val="dk1"/>
-                </a:solidFill>
-                <a:latin typeface="Calibri"/>
-              </a:rPr>
-              <a:t>Second level</a:t>
-            </a:r>
-            <a:endParaRPr b="0" lang="en-US" sz="2800" spc="-1" strike="noStrike">
-              <a:solidFill>
-                <a:schemeClr val="dk1"/>
-              </a:solidFill>
-              <a:latin typeface="Calibri"/>
-            </a:endParaRPr>
-          </a:p>
-          <a:p>
-            <a:pPr lvl="2" marL="1143000" indent="-228600" defTabSz="457200">
-              <a:lnSpc>
-                <a:spcPct val="100000"/>
-              </a:lnSpc>
-              <a:spcBef>
-                <a:spcPts val="479"/>
-              </a:spcBef>
-              <a:buClr>
-                <a:srgbClr val="000000"/>
-              </a:buClr>
-              <a:buFont typeface="Arial"/>
-              <a:buChar char="•"/>
-            </a:pPr>
-            <a:r>
-              <a:rPr b="0" lang="en-US" sz="2400" spc="-1" strike="noStrike">
-                <a:solidFill>
-                  <a:schemeClr val="dk1"/>
-                </a:solidFill>
-                <a:latin typeface="Calibri"/>
-              </a:rPr>
-              <a:t>Third level</a:t>
-            </a:r>
-            <a:endParaRPr b="0" lang="en-US" sz="2400" spc="-1" strike="noStrike">
-              <a:solidFill>
-                <a:schemeClr val="dk1"/>
-              </a:solidFill>
-              <a:latin typeface="Calibri"/>
-            </a:endParaRPr>
-          </a:p>
-          <a:p>
-            <a:pPr lvl="3" marL="1600200" indent="-228600" defTabSz="457200">
-              <a:lnSpc>
-                <a:spcPct val="100000"/>
-              </a:lnSpc>
-              <a:spcBef>
-                <a:spcPts val="400"/>
-              </a:spcBef>
-              <a:buClr>
-                <a:srgbClr val="000000"/>
-              </a:buClr>
-              <a:buFont typeface="Arial"/>
-              <a:buChar char="–"/>
-            </a:pPr>
-            <a:r>
-              <a:rPr b="0" lang="en-US" sz="2000" spc="-1" strike="noStrike">
-                <a:solidFill>
-                  <a:schemeClr val="dk1"/>
-                </a:solidFill>
-                <a:latin typeface="Calibri"/>
-              </a:rPr>
-              <a:t>Fourth level</a:t>
-            </a:r>
-            <a:endParaRPr b="0" lang="en-US" sz="2000" spc="-1" strike="noStrike">
-              <a:solidFill>
-                <a:schemeClr val="dk1"/>
-              </a:solidFill>
-              <a:latin typeface="Calibri"/>
-            </a:endParaRPr>
-          </a:p>
-          <a:p>
-            <a:pPr lvl="4" marL="2057400" indent="-228600" defTabSz="457200">
-              <a:lnSpc>
-                <a:spcPct val="100000"/>
-              </a:lnSpc>
-              <a:spcBef>
-                <a:spcPts val="400"/>
-              </a:spcBef>
-              <a:buClr>
-                <a:srgbClr val="000000"/>
-              </a:buClr>
-              <a:buFont typeface="Arial"/>
-              <a:buChar char="»"/>
-            </a:pPr>
-            <a:r>
-              <a:rPr b="0" lang="en-US" sz="2000" spc="-1" strike="noStrike">
-                <a:solidFill>
-                  <a:schemeClr val="dk1"/>
-                </a:solidFill>
-                <a:latin typeface="Calibri"/>
-              </a:rPr>
-              <a:t>Fifth level</a:t>
-            </a:r>
-            <a:endParaRPr b="0" lang="en-US" sz="2000" spc="-1" strike="noStrike">
-              <a:solidFill>
-                <a:schemeClr val="dk1"/>
-              </a:solidFill>
-              <a:latin typeface="Calibri"/>
-            </a:endParaRPr>
-          </a:p>
-        </p:txBody>
-      </p:sp>
-      <p:sp>
-        <p:nvSpPr>
-          <p:cNvPr id="56" name="PlaceHolder 3"/>
-          <p:cNvSpPr>
-            <a:spLocks noGrp="1"/>
-          </p:cNvSpPr>
-          <p:nvPr>
-            <p:ph type="body"/>
-          </p:nvPr>
-        </p:nvSpPr>
-        <p:spPr>
-          <a:xfrm>
-            <a:off x="457200" y="1434960"/>
-            <a:ext cx="3007800" cy="4690800"/>
-          </a:xfrm>
-          <a:prstGeom prst="rect">
-            <a:avLst/>
-          </a:prstGeom>
-          <a:noFill/>
-          <a:ln w="0">
-            <a:noFill/>
-          </a:ln>
-        </p:spPr>
-        <p:txBody>
-          <a:bodyPr lIns="91440" rIns="91440" tIns="45720" bIns="45720" anchor="t">
-            <a:noAutofit/>
-          </a:bodyPr>
-          <a:p>
-            <a:pPr indent="0" defTabSz="457200">
-              <a:lnSpc>
-                <a:spcPct val="100000"/>
-              </a:lnSpc>
-              <a:spcBef>
-                <a:spcPts val="281"/>
-              </a:spcBef>
-              <a:buNone/>
-              <a:tabLst>
-                <a:tab algn="l" pos="0"/>
-              </a:tabLst>
-            </a:pPr>
-            <a:r>
-              <a:rPr b="0" lang="en-US" sz="1400" spc="-1" strike="noStrike">
-                <a:solidFill>
-                  <a:schemeClr val="dk1"/>
-                </a:solidFill>
-                <a:latin typeface="Calibri"/>
-              </a:rPr>
-              <a:t>Click to edit Master text styles</a:t>
-            </a:r>
-            <a:endParaRPr b="0" lang="en-US" sz="1400" spc="-1" strike="noStrike">
-              <a:solidFill>
-                <a:schemeClr val="dk1"/>
-              </a:solidFill>
-              <a:latin typeface="Calibri"/>
-            </a:endParaRPr>
-          </a:p>
-        </p:txBody>
-      </p:sp>
-      <p:sp>
-        <p:nvSpPr>
-          <p:cNvPr id="57" name="PlaceHolder 4"/>
-          <p:cNvSpPr>
-            <a:spLocks noGrp="1"/>
-          </p:cNvSpPr>
-          <p:nvPr>
-            <p:ph type="dt" idx="28"/>
-          </p:nvPr>
-        </p:nvSpPr>
-        <p:spPr>
-          <a:xfrm>
-            <a:off x="457200" y="6356520"/>
-            <a:ext cx="2133360" cy="364680"/>
-          </a:xfrm>
-          <a:prstGeom prst="rect">
-            <a:avLst/>
-          </a:prstGeom>
-          <a:noFill/>
-          <a:ln w="0">
-            <a:noFill/>
-          </a:ln>
-        </p:spPr>
-        <p:txBody>
-          <a:bodyPr lIns="91440" rIns="91440" tIns="45720" bIns="45720" anchor="ctr">
-            <a:noAutofit/>
-          </a:bodyPr>
-          <a:lstStyle>
-            <a:lvl1pPr indent="0" defTabSz="457200">
-              <a:lnSpc>
-                <a:spcPct val="100000"/>
-              </a:lnSpc>
-              <a:buNone/>
-              <a:defRPr b="0" lang="en-US" sz="1200" spc="-1" strike="noStrike">
-                <a:solidFill>
-                  <a:schemeClr val="dk1">
-                    <a:tint val="75000"/>
-                  </a:schemeClr>
-                </a:solidFill>
-                <a:latin typeface="Calibri"/>
-              </a:defRPr>
-            </a:lvl1pPr>
-          </a:lstStyle>
-          <a:p>
-            <a:pPr indent="0" defTabSz="457200">
-              <a:lnSpc>
-                <a:spcPct val="100000"/>
-              </a:lnSpc>
-              <a:buNone/>
-            </a:pPr>
-            <a:r>
-              <a:rPr b="0" lang="en-US" sz="1200" spc="-1" strike="noStrike">
-                <a:solidFill>
-                  <a:schemeClr val="dk1">
-                    <a:tint val="75000"/>
-                  </a:schemeClr>
-                </a:solidFill>
-                <a:latin typeface="Calibri"/>
-              </a:rPr>
-              <a:t>&lt;data/hora&gt;</a:t>
-            </a:r>
-            <a:endParaRPr b="0" lang="pt-BR" sz="1200" spc="-1" strike="noStrike">
-              <a:solidFill>
-                <a:srgbClr val="000000"/>
-              </a:solidFill>
-              <a:latin typeface="Times New Roman"/>
-            </a:endParaRPr>
-          </a:p>
-        </p:txBody>
-      </p:sp>
-      <p:sp>
-        <p:nvSpPr>
-          <p:cNvPr id="58" name="PlaceHolder 5"/>
-          <p:cNvSpPr>
-            <a:spLocks noGrp="1"/>
-          </p:cNvSpPr>
-          <p:nvPr>
-            <p:ph type="ftr" idx="29"/>
+            <p:ph type="ftr" idx="28"/>
           </p:nvPr>
         </p:nvSpPr>
         <p:spPr>
           <a:xfrm>
             <a:off x="3124080" y="6356520"/>
-            <a:ext cx="2895120" cy="364680"/>
+            <a:ext cx="2894760" cy="364320"/>
           </a:xfrm>
           <a:prstGeom prst="rect">
             <a:avLst/>
@@ -2191,7 +1838,13 @@
           </a:bodyPr>
           <a:lstStyle>
             <a:lvl1pPr indent="0" algn="ctr">
+              <a:lnSpc>
+                <a:spcPct val="100000"/>
+              </a:lnSpc>
               <a:buNone/>
+              <a:tabLst>
+                <a:tab algn="l" pos="0"/>
+              </a:tabLst>
               <a:defRPr b="0" lang="pt-BR" sz="1400" spc="-1" strike="noStrike">
                 <a:solidFill>
                   <a:srgbClr val="000000"/>
@@ -2202,7 +1855,13 @@
           </a:lstStyle>
           <a:p>
             <a:pPr indent="0" algn="ctr">
+              <a:lnSpc>
+                <a:spcPct val="100000"/>
+              </a:lnSpc>
               <a:buNone/>
+              <a:tabLst>
+                <a:tab algn="l" pos="0"/>
+              </a:tabLst>
             </a:pPr>
             <a:r>
               <a:rPr b="0" lang="pt-BR" sz="1400" spc="-1" strike="noStrike">
@@ -2224,18 +1883,18 @@
       </p:sp>
       <p:sp>
         <p:nvSpPr>
-          <p:cNvPr id="59" name="PlaceHolder 6"/>
+          <p:cNvPr id="44" name="PlaceHolder 2"/>
           <p:cNvSpPr>
             <a:spLocks noGrp="1"/>
           </p:cNvSpPr>
           <p:nvPr>
-            <p:ph type="sldNum" idx="30"/>
+            <p:ph type="sldNum" idx="29"/>
           </p:nvPr>
         </p:nvSpPr>
         <p:spPr>
           <a:xfrm>
             <a:off x="6553080" y="6356520"/>
-            <a:ext cx="2133360" cy="364680"/>
+            <a:ext cx="2133000" cy="364320"/>
           </a:xfrm>
           <a:prstGeom prst="rect">
             <a:avLst/>
@@ -2255,6 +1914,9 @@
                 <a:spcPct val="100000"/>
               </a:lnSpc>
               <a:buNone/>
+              <a:tabLst>
+                <a:tab algn="l" pos="0"/>
+              </a:tabLst>
               <a:defRPr b="0" lang="en-US" sz="1200" spc="-1" strike="noStrike">
                 <a:solidFill>
                   <a:schemeClr val="dk1">
@@ -2271,8 +1933,11 @@
                 <a:spcPct val="100000"/>
               </a:lnSpc>
               <a:buNone/>
-            </a:pPr>
-            <a:fld id="{DA72772D-7A1E-4121-AB4E-5E2E17A6CA64}" type="slidenum">
+              <a:tabLst>
+                <a:tab algn="l" pos="0"/>
+              </a:tabLst>
+            </a:pPr>
+            <a:fld id="{070DCCB5-6409-43C5-8DFC-9228CF1B30B5}" type="slidenum">
               <a:rPr b="0" lang="en-US" sz="1200" spc="-1" strike="noStrike">
                 <a:solidFill>
                   <a:schemeClr val="dk1">
@@ -2284,6 +1949,66 @@
               <a:t>&lt;número&gt;</a:t>
             </a:fld>
             <a:endParaRPr b="0" lang="pt-BR" sz="1200" spc="-1" strike="noStrike">
+              <a:solidFill>
+                <a:srgbClr val="000000"/>
+              </a:solidFill>
+              <a:latin typeface="Times New Roman"/>
+            </a:endParaRPr>
+          </a:p>
+        </p:txBody>
+      </p:sp>
+      <p:sp>
+        <p:nvSpPr>
+          <p:cNvPr id="45" name="PlaceHolder 3"/>
+          <p:cNvSpPr>
+            <a:spLocks noGrp="1"/>
+          </p:cNvSpPr>
+          <p:nvPr>
+            <p:ph type="dt" idx="30"/>
+          </p:nvPr>
+        </p:nvSpPr>
+        <p:spPr>
+          <a:xfrm>
+            <a:off x="457200" y="6356520"/>
+            <a:ext cx="2133000" cy="364320"/>
+          </a:xfrm>
+          <a:prstGeom prst="rect">
+            <a:avLst/>
+          </a:prstGeom>
+          <a:noFill/>
+          <a:ln w="0">
+            <a:noFill/>
+          </a:ln>
+        </p:spPr>
+        <p:txBody>
+          <a:bodyPr lIns="91440" rIns="91440" tIns="45720" bIns="45720" anchor="ctr">
+            <a:noAutofit/>
+          </a:bodyPr>
+          <a:lstStyle>
+            <a:lvl1pPr indent="0">
+              <a:buNone/>
+              <a:defRPr b="0" lang="pt-BR" sz="1400" spc="-1" strike="noStrike">
+                <a:solidFill>
+                  <a:srgbClr val="000000"/>
+                </a:solidFill>
+                <a:latin typeface="Times New Roman"/>
+              </a:defRPr>
+            </a:lvl1pPr>
+          </a:lstStyle>
+          <a:p>
+            <a:pPr indent="0">
+              <a:buNone/>
+            </a:pPr>
+            <a:r>
+              <a:rPr b="0" lang="pt-BR" sz="1400" spc="-1" strike="noStrike">
+                <a:solidFill>
+                  <a:srgbClr val="000000"/>
+                </a:solidFill>
+                <a:latin typeface="Times New Roman"/>
+              </a:rPr>
+              <a:t>&lt;data/hora&gt;</a:t>
+            </a:r>
+            <a:endParaRPr b="0" lang="pt-BR" sz="1400" spc="-1" strike="noStrike">
               <a:solidFill>
                 <a:srgbClr val="000000"/>
               </a:solidFill>
@@ -2327,423 +2052,18 @@
       </p:grpSpPr>
       <p:sp>
         <p:nvSpPr>
-          <p:cNvPr id="60" name="PlaceHolder 1"/>
+          <p:cNvPr id="46" name="PlaceHolder 1"/>
           <p:cNvSpPr>
             <a:spLocks noGrp="1"/>
           </p:cNvSpPr>
           <p:nvPr>
-            <p:ph type="title"/>
-          </p:nvPr>
-        </p:nvSpPr>
-        <p:spPr>
-          <a:xfrm>
-            <a:off x="1792440" y="4800600"/>
-            <a:ext cx="5486040" cy="566280"/>
-          </a:xfrm>
-          <a:prstGeom prst="rect">
-            <a:avLst/>
-          </a:prstGeom>
-          <a:noFill/>
-          <a:ln w="0">
-            <a:noFill/>
-          </a:ln>
-        </p:spPr>
-        <p:txBody>
-          <a:bodyPr lIns="91440" rIns="91440" tIns="45720" bIns="45720" anchor="b">
-            <a:noAutofit/>
-          </a:bodyPr>
-          <a:p>
-            <a:pPr indent="0" defTabSz="457200">
-              <a:lnSpc>
-                <a:spcPct val="100000"/>
-              </a:lnSpc>
-              <a:buNone/>
-            </a:pPr>
-            <a:r>
-              <a:rPr b="1" lang="en-US" sz="2000" spc="-1" strike="noStrike">
-                <a:solidFill>
-                  <a:schemeClr val="dk1"/>
-                </a:solidFill>
-                <a:latin typeface="Calibri"/>
-              </a:rPr>
-              <a:t>Click to edit Master title style</a:t>
-            </a:r>
-            <a:endParaRPr b="0" lang="en-US" sz="2000" spc="-1" strike="noStrike">
-              <a:solidFill>
-                <a:schemeClr val="dk1"/>
-              </a:solidFill>
-              <a:latin typeface="Calibri"/>
-            </a:endParaRPr>
-          </a:p>
-        </p:txBody>
-      </p:sp>
-      <p:sp>
-        <p:nvSpPr>
-          <p:cNvPr id="61" name="PlaceHolder 2"/>
-          <p:cNvSpPr>
-            <a:spLocks noGrp="1"/>
-          </p:cNvSpPr>
-          <p:nvPr>
-            <p:ph type="body"/>
-          </p:nvPr>
-        </p:nvSpPr>
-        <p:spPr>
-          <a:xfrm>
-            <a:off x="1792440" y="612720"/>
-            <a:ext cx="5486040" cy="4114440"/>
-          </a:xfrm>
-          <a:prstGeom prst="rect">
-            <a:avLst/>
-          </a:prstGeom>
-          <a:noFill/>
-          <a:ln w="0">
-            <a:noFill/>
-          </a:ln>
-        </p:spPr>
-        <p:txBody>
-          <a:bodyPr lIns="90000" rIns="90000" tIns="45000" bIns="45000" anchor="t">
-            <a:noAutofit/>
-          </a:bodyPr>
-          <a:p>
-            <a:pPr marL="432000" indent="-324000">
-              <a:spcBef>
-                <a:spcPts val="1417"/>
-              </a:spcBef>
-              <a:buClr>
-                <a:srgbClr val="000000"/>
-              </a:buClr>
-              <a:buSzPct val="45000"/>
-              <a:buFont typeface="Wingdings" charset="2"/>
-              <a:buChar char=""/>
-            </a:pPr>
-            <a:r>
-              <a:rPr b="0" lang="en-US" sz="3200" spc="-1" strike="noStrike">
-                <a:solidFill>
-                  <a:schemeClr val="dk1"/>
-                </a:solidFill>
-                <a:latin typeface="Calibri"/>
-              </a:rPr>
-              <a:t>Clique para editar o formato de texto dos tópicos</a:t>
-            </a:r>
-            <a:endParaRPr b="0" lang="en-US" sz="3200" spc="-1" strike="noStrike">
-              <a:solidFill>
-                <a:schemeClr val="dk1"/>
-              </a:solidFill>
-              <a:latin typeface="Calibri"/>
-            </a:endParaRPr>
-          </a:p>
-          <a:p>
-            <a:pPr lvl="1" marL="864000" indent="-324000">
-              <a:spcBef>
-                <a:spcPts val="1134"/>
-              </a:spcBef>
-              <a:buClr>
-                <a:srgbClr val="000000"/>
-              </a:buClr>
-              <a:buSzPct val="75000"/>
-              <a:buFont typeface="Symbol" charset="2"/>
-              <a:buChar char=""/>
-            </a:pPr>
-            <a:r>
-              <a:rPr b="0" lang="en-US" sz="3200" spc="-1" strike="noStrike">
-                <a:solidFill>
-                  <a:schemeClr val="dk1"/>
-                </a:solidFill>
-                <a:latin typeface="Calibri"/>
-              </a:rPr>
-              <a:t>2.º nível de tópicos</a:t>
-            </a:r>
-            <a:endParaRPr b="0" lang="en-US" sz="3200" spc="-1" strike="noStrike">
-              <a:solidFill>
-                <a:schemeClr val="dk1"/>
-              </a:solidFill>
-              <a:latin typeface="Calibri"/>
-            </a:endParaRPr>
-          </a:p>
-          <a:p>
-            <a:pPr lvl="2" marL="1296000" indent="-288000">
-              <a:spcBef>
-                <a:spcPts val="850"/>
-              </a:spcBef>
-              <a:buClr>
-                <a:srgbClr val="000000"/>
-              </a:buClr>
-              <a:buSzPct val="45000"/>
-              <a:buFont typeface="Wingdings" charset="2"/>
-              <a:buChar char=""/>
-            </a:pPr>
-            <a:r>
-              <a:rPr b="0" lang="en-US" sz="3200" spc="-1" strike="noStrike">
-                <a:solidFill>
-                  <a:schemeClr val="dk1"/>
-                </a:solidFill>
-                <a:latin typeface="Calibri"/>
-              </a:rPr>
-              <a:t>3.º nível de tópicos</a:t>
-            </a:r>
-            <a:endParaRPr b="0" lang="en-US" sz="3200" spc="-1" strike="noStrike">
-              <a:solidFill>
-                <a:schemeClr val="dk1"/>
-              </a:solidFill>
-              <a:latin typeface="Calibri"/>
-            </a:endParaRPr>
-          </a:p>
-          <a:p>
-            <a:pPr lvl="3" marL="1728000" indent="-216000">
-              <a:spcBef>
-                <a:spcPts val="567"/>
-              </a:spcBef>
-              <a:buClr>
-                <a:srgbClr val="000000"/>
-              </a:buClr>
-              <a:buSzPct val="75000"/>
-              <a:buFont typeface="Symbol" charset="2"/>
-              <a:buChar char=""/>
-            </a:pPr>
-            <a:r>
-              <a:rPr b="0" lang="en-US" sz="3200" spc="-1" strike="noStrike">
-                <a:solidFill>
-                  <a:schemeClr val="dk1"/>
-                </a:solidFill>
-                <a:latin typeface="Calibri"/>
-              </a:rPr>
-              <a:t>4.º nível de tópicos</a:t>
-            </a:r>
-            <a:endParaRPr b="0" lang="en-US" sz="3200" spc="-1" strike="noStrike">
-              <a:solidFill>
-                <a:schemeClr val="dk1"/>
-              </a:solidFill>
-              <a:latin typeface="Calibri"/>
-            </a:endParaRPr>
-          </a:p>
-          <a:p>
-            <a:pPr lvl="4" marL="2160000" indent="-216000">
-              <a:spcBef>
-                <a:spcPts val="283"/>
-              </a:spcBef>
-              <a:buClr>
-                <a:srgbClr val="000000"/>
-              </a:buClr>
-              <a:buSzPct val="45000"/>
-              <a:buFont typeface="Wingdings" charset="2"/>
-              <a:buChar char=""/>
-            </a:pPr>
-            <a:r>
-              <a:rPr b="0" lang="en-US" sz="3200" spc="-1" strike="noStrike">
-                <a:solidFill>
-                  <a:schemeClr val="dk1"/>
-                </a:solidFill>
-                <a:latin typeface="Calibri"/>
-              </a:rPr>
-              <a:t>5.º nível de tópicos</a:t>
-            </a:r>
-            <a:endParaRPr b="0" lang="en-US" sz="3200" spc="-1" strike="noStrike">
-              <a:solidFill>
-                <a:schemeClr val="dk1"/>
-              </a:solidFill>
-              <a:latin typeface="Calibri"/>
-            </a:endParaRPr>
-          </a:p>
-          <a:p>
-            <a:pPr lvl="5" marL="2592000" indent="-216000">
-              <a:spcBef>
-                <a:spcPts val="283"/>
-              </a:spcBef>
-              <a:buClr>
-                <a:srgbClr val="000000"/>
-              </a:buClr>
-              <a:buSzPct val="45000"/>
-              <a:buFont typeface="Wingdings" charset="2"/>
-              <a:buChar char=""/>
-            </a:pPr>
-            <a:r>
-              <a:rPr b="0" lang="en-US" sz="3200" spc="-1" strike="noStrike">
-                <a:solidFill>
-                  <a:schemeClr val="dk1"/>
-                </a:solidFill>
-                <a:latin typeface="Calibri"/>
-              </a:rPr>
-              <a:t>6.º nível de tópicos</a:t>
-            </a:r>
-            <a:endParaRPr b="0" lang="en-US" sz="3200" spc="-1" strike="noStrike">
-              <a:solidFill>
-                <a:schemeClr val="dk1"/>
-              </a:solidFill>
-              <a:latin typeface="Calibri"/>
-            </a:endParaRPr>
-          </a:p>
-          <a:p>
-            <a:pPr lvl="6" marL="3024000" indent="-216000">
-              <a:spcBef>
-                <a:spcPts val="283"/>
-              </a:spcBef>
-              <a:buClr>
-                <a:srgbClr val="000000"/>
-              </a:buClr>
-              <a:buSzPct val="45000"/>
-              <a:buFont typeface="Wingdings" charset="2"/>
-              <a:buChar char=""/>
-            </a:pPr>
-            <a:r>
-              <a:rPr b="0" lang="en-US" sz="3200" spc="-1" strike="noStrike">
-                <a:solidFill>
-                  <a:schemeClr val="dk1"/>
-                </a:solidFill>
-                <a:latin typeface="Calibri"/>
-              </a:rPr>
-              <a:t>7.º nível de tópicos</a:t>
-            </a:r>
-            <a:endParaRPr b="0" lang="en-US" sz="3200" spc="-1" strike="noStrike">
-              <a:solidFill>
-                <a:schemeClr val="dk1"/>
-              </a:solidFill>
-              <a:latin typeface="Calibri"/>
-            </a:endParaRPr>
-          </a:p>
-        </p:txBody>
-      </p:sp>
-      <p:sp>
-        <p:nvSpPr>
-          <p:cNvPr id="62" name="PlaceHolder 3"/>
-          <p:cNvSpPr>
-            <a:spLocks noGrp="1"/>
-          </p:cNvSpPr>
-          <p:nvPr>
-            <p:ph type="body"/>
-          </p:nvPr>
-        </p:nvSpPr>
-        <p:spPr>
-          <a:xfrm>
-            <a:off x="1792440" y="5367240"/>
-            <a:ext cx="5486040" cy="804600"/>
-          </a:xfrm>
-          <a:prstGeom prst="rect">
-            <a:avLst/>
-          </a:prstGeom>
-          <a:noFill/>
-          <a:ln w="0">
-            <a:noFill/>
-          </a:ln>
-        </p:spPr>
-        <p:txBody>
-          <a:bodyPr lIns="91440" rIns="91440" tIns="45720" bIns="45720" anchor="t">
-            <a:noAutofit/>
-          </a:bodyPr>
-          <a:p>
-            <a:pPr indent="0" defTabSz="457200">
-              <a:lnSpc>
-                <a:spcPct val="100000"/>
-              </a:lnSpc>
-              <a:spcBef>
-                <a:spcPts val="281"/>
-              </a:spcBef>
-              <a:buNone/>
-              <a:tabLst>
-                <a:tab algn="l" pos="0"/>
-              </a:tabLst>
-            </a:pPr>
-            <a:r>
-              <a:rPr b="0" lang="en-US" sz="1400" spc="-1" strike="noStrike">
-                <a:solidFill>
-                  <a:schemeClr val="dk1"/>
-                </a:solidFill>
-                <a:latin typeface="Calibri"/>
-              </a:rPr>
-              <a:t>Click to edit Master text styles</a:t>
-            </a:r>
-            <a:endParaRPr b="0" lang="en-US" sz="1400" spc="-1" strike="noStrike">
-              <a:solidFill>
-                <a:schemeClr val="dk1"/>
-              </a:solidFill>
-              <a:latin typeface="Calibri"/>
-            </a:endParaRPr>
-          </a:p>
-        </p:txBody>
-      </p:sp>
-      <p:sp>
-        <p:nvSpPr>
-          <p:cNvPr id="63" name="PlaceHolder 4"/>
-          <p:cNvSpPr>
-            <a:spLocks noGrp="1"/>
-          </p:cNvSpPr>
-          <p:nvPr>
-            <p:ph type="dt" idx="31"/>
-          </p:nvPr>
-        </p:nvSpPr>
-        <p:spPr>
-          <a:xfrm>
-            <a:off x="457200" y="6356520"/>
-            <a:ext cx="2133360" cy="364680"/>
-          </a:xfrm>
-          <a:prstGeom prst="rect">
-            <a:avLst/>
-          </a:prstGeom>
-          <a:noFill/>
-          <a:ln w="0">
-            <a:noFill/>
-          </a:ln>
-        </p:spPr>
-        <p:txBody>
-          <a:bodyPr lIns="91440" rIns="91440" tIns="45720" bIns="45720" anchor="ctr">
-            <a:noAutofit/>
-          </a:bodyPr>
-          <a:lstStyle>
-            <a:lvl1pPr indent="0" defTabSz="457200">
-              <a:lnSpc>
-                <a:spcPct val="100000"/>
-              </a:lnSpc>
-              <a:buNone/>
-              <a:defRPr b="0" lang="en-US" sz="1200" spc="-1" strike="noStrike">
-                <a:solidFill>
-                  <a:schemeClr val="dk1">
-                    <a:tint val="75000"/>
-                  </a:schemeClr>
-                </a:solidFill>
-                <a:latin typeface="Calibri"/>
-              </a:defRPr>
-            </a:lvl1pPr>
-          </a:lstStyle>
-          <a:p>
-            <a:pPr indent="0" defTabSz="457200">
-              <a:lnSpc>
-                <a:spcPct val="100000"/>
-              </a:lnSpc>
-              <a:buNone/>
-            </a:pPr>
-            <a:r>
-              <a:rPr b="0" lang="en-US" sz="1200" spc="-1" strike="noStrike">
-                <a:solidFill>
-                  <a:schemeClr val="dk1">
-                    <a:tint val="75000"/>
-                  </a:schemeClr>
-                </a:solidFill>
-                <a:latin typeface="Calibri"/>
-              </a:rPr>
-              <a:t>&lt;data/hora&gt;</a:t>
-            </a:r>
-            <a:endParaRPr b="0" lang="pt-BR" sz="1200" spc="-1" strike="noStrike">
-              <a:solidFill>
-                <a:srgbClr val="000000"/>
-              </a:solidFill>
-              <a:latin typeface="Times New Roman"/>
-            </a:endParaRPr>
-          </a:p>
-        </p:txBody>
-      </p:sp>
-      <p:sp>
-        <p:nvSpPr>
-          <p:cNvPr id="64" name="PlaceHolder 5"/>
-          <p:cNvSpPr>
-            <a:spLocks noGrp="1"/>
-          </p:cNvSpPr>
-          <p:nvPr>
-            <p:ph type="ftr" idx="32"/>
+            <p:ph type="ftr" idx="31"/>
           </p:nvPr>
         </p:nvSpPr>
         <p:spPr>
           <a:xfrm>
             <a:off x="3124080" y="6356520"/>
-            <a:ext cx="2895120" cy="364680"/>
+            <a:ext cx="2894760" cy="364320"/>
           </a:xfrm>
           <a:prstGeom prst="rect">
             <a:avLst/>
@@ -2759,7 +2079,13 @@
           </a:bodyPr>
           <a:lstStyle>
             <a:lvl1pPr indent="0" algn="ctr">
+              <a:lnSpc>
+                <a:spcPct val="100000"/>
+              </a:lnSpc>
               <a:buNone/>
+              <a:tabLst>
+                <a:tab algn="l" pos="0"/>
+              </a:tabLst>
               <a:defRPr b="0" lang="pt-BR" sz="1400" spc="-1" strike="noStrike">
                 <a:solidFill>
                   <a:srgbClr val="000000"/>
@@ -2770,7 +2096,13 @@
           </a:lstStyle>
           <a:p>
             <a:pPr indent="0" algn="ctr">
+              <a:lnSpc>
+                <a:spcPct val="100000"/>
+              </a:lnSpc>
               <a:buNone/>
+              <a:tabLst>
+                <a:tab algn="l" pos="0"/>
+              </a:tabLst>
             </a:pPr>
             <a:r>
               <a:rPr b="0" lang="pt-BR" sz="1400" spc="-1" strike="noStrike">
@@ -2792,18 +2124,18 @@
       </p:sp>
       <p:sp>
         <p:nvSpPr>
-          <p:cNvPr id="65" name="PlaceHolder 6"/>
+          <p:cNvPr id="47" name="PlaceHolder 2"/>
           <p:cNvSpPr>
             <a:spLocks noGrp="1"/>
           </p:cNvSpPr>
           <p:nvPr>
-            <p:ph type="sldNum" idx="33"/>
+            <p:ph type="sldNum" idx="32"/>
           </p:nvPr>
         </p:nvSpPr>
         <p:spPr>
           <a:xfrm>
             <a:off x="6553080" y="6356520"/>
-            <a:ext cx="2133360" cy="364680"/>
+            <a:ext cx="2133000" cy="364320"/>
           </a:xfrm>
           <a:prstGeom prst="rect">
             <a:avLst/>
@@ -2823,6 +2155,9 @@
                 <a:spcPct val="100000"/>
               </a:lnSpc>
               <a:buNone/>
+              <a:tabLst>
+                <a:tab algn="l" pos="0"/>
+              </a:tabLst>
               <a:defRPr b="0" lang="en-US" sz="1200" spc="-1" strike="noStrike">
                 <a:solidFill>
                   <a:schemeClr val="dk1">
@@ -2839,8 +2174,11 @@
                 <a:spcPct val="100000"/>
               </a:lnSpc>
               <a:buNone/>
-            </a:pPr>
-            <a:fld id="{8F555D8E-7722-476E-8545-ADE094218395}" type="slidenum">
+              <a:tabLst>
+                <a:tab algn="l" pos="0"/>
+              </a:tabLst>
+            </a:pPr>
+            <a:fld id="{45D3D0EC-9340-4298-946D-0CF11B6B9DE6}" type="slidenum">
               <a:rPr b="0" lang="en-US" sz="1200" spc="-1" strike="noStrike">
                 <a:solidFill>
                   <a:schemeClr val="dk1">
@@ -2852,6 +2190,66 @@
               <a:t>&lt;número&gt;</a:t>
             </a:fld>
             <a:endParaRPr b="0" lang="pt-BR" sz="1200" spc="-1" strike="noStrike">
+              <a:solidFill>
+                <a:srgbClr val="000000"/>
+              </a:solidFill>
+              <a:latin typeface="Times New Roman"/>
+            </a:endParaRPr>
+          </a:p>
+        </p:txBody>
+      </p:sp>
+      <p:sp>
+        <p:nvSpPr>
+          <p:cNvPr id="48" name="PlaceHolder 3"/>
+          <p:cNvSpPr>
+            <a:spLocks noGrp="1"/>
+          </p:cNvSpPr>
+          <p:nvPr>
+            <p:ph type="dt" idx="33"/>
+          </p:nvPr>
+        </p:nvSpPr>
+        <p:spPr>
+          <a:xfrm>
+            <a:off x="457200" y="6356520"/>
+            <a:ext cx="2133000" cy="364320"/>
+          </a:xfrm>
+          <a:prstGeom prst="rect">
+            <a:avLst/>
+          </a:prstGeom>
+          <a:noFill/>
+          <a:ln w="0">
+            <a:noFill/>
+          </a:ln>
+        </p:spPr>
+        <p:txBody>
+          <a:bodyPr lIns="91440" rIns="91440" tIns="45720" bIns="45720" anchor="ctr">
+            <a:noAutofit/>
+          </a:bodyPr>
+          <a:lstStyle>
+            <a:lvl1pPr indent="0">
+              <a:buNone/>
+              <a:defRPr b="0" lang="pt-BR" sz="1400" spc="-1" strike="noStrike">
+                <a:solidFill>
+                  <a:srgbClr val="000000"/>
+                </a:solidFill>
+                <a:latin typeface="Times New Roman"/>
+              </a:defRPr>
+            </a:lvl1pPr>
+          </a:lstStyle>
+          <a:p>
+            <a:pPr indent="0">
+              <a:buNone/>
+            </a:pPr>
+            <a:r>
+              <a:rPr b="0" lang="pt-BR" sz="1400" spc="-1" strike="noStrike">
+                <a:solidFill>
+                  <a:srgbClr val="000000"/>
+                </a:solidFill>
+                <a:latin typeface="Times New Roman"/>
+              </a:rPr>
+              <a:t>&lt;data/hora&gt;</a:t>
+            </a:r>
+            <a:endParaRPr b="0" lang="pt-BR" sz="1400" spc="-1" strike="noStrike">
               <a:solidFill>
                 <a:srgbClr val="000000"/>
               </a:solidFill>
@@ -2900,314 +2298,13 @@
             <a:spLocks noGrp="1"/>
           </p:cNvSpPr>
           <p:nvPr>
-            <p:ph type="title"/>
-          </p:nvPr>
-        </p:nvSpPr>
-        <p:spPr>
-          <a:xfrm>
-            <a:off x="457200" y="274680"/>
-            <a:ext cx="8229240" cy="1142640"/>
-          </a:xfrm>
-          <a:prstGeom prst="rect">
-            <a:avLst/>
-          </a:prstGeom>
-          <a:noFill/>
-          <a:ln w="0">
-            <a:noFill/>
-          </a:ln>
-        </p:spPr>
-        <p:txBody>
-          <a:bodyPr lIns="91440" rIns="91440" tIns="45720" bIns="45720" anchor="ctr">
-            <a:noAutofit/>
-          </a:bodyPr>
-          <a:p>
-            <a:pPr indent="0" algn="ctr" defTabSz="457200">
-              <a:lnSpc>
-                <a:spcPct val="100000"/>
-              </a:lnSpc>
-              <a:buNone/>
-            </a:pPr>
-            <a:r>
-              <a:rPr b="0" lang="en-US" sz="4400" spc="-1" strike="noStrike">
-                <a:solidFill>
-                  <a:schemeClr val="dk1"/>
-                </a:solidFill>
-                <a:latin typeface="Calibri"/>
-              </a:rPr>
-              <a:t>Click to edit Master title style</a:t>
-            </a:r>
-            <a:endParaRPr b="0" lang="en-US" sz="4400" spc="-1" strike="noStrike">
-              <a:solidFill>
-                <a:schemeClr val="dk1"/>
-              </a:solidFill>
-              <a:latin typeface="Calibri"/>
-            </a:endParaRPr>
-          </a:p>
-        </p:txBody>
-      </p:sp>
-      <p:sp>
-        <p:nvSpPr>
-          <p:cNvPr id="8" name="PlaceHolder 2"/>
-          <p:cNvSpPr>
-            <a:spLocks noGrp="1"/>
-          </p:cNvSpPr>
-          <p:nvPr>
-            <p:ph type="body"/>
-          </p:nvPr>
-        </p:nvSpPr>
-        <p:spPr>
-          <a:xfrm>
-            <a:off x="457200" y="1600200"/>
-            <a:ext cx="8229240" cy="4525560"/>
-          </a:xfrm>
-          <a:prstGeom prst="rect">
-            <a:avLst/>
-          </a:prstGeom>
-          <a:noFill/>
-          <a:ln w="0">
-            <a:noFill/>
-          </a:ln>
-        </p:spPr>
-        <p:txBody>
-          <a:bodyPr lIns="91440" rIns="91440" tIns="45720" bIns="45720" anchor="t" vert="eaVert">
-            <a:noAutofit/>
-          </a:bodyPr>
-          <a:p>
-            <a:pPr marL="343080" indent="-343080" defTabSz="457200">
-              <a:lnSpc>
-                <a:spcPct val="100000"/>
-              </a:lnSpc>
-              <a:spcBef>
-                <a:spcPts val="641"/>
-              </a:spcBef>
-              <a:buClr>
-                <a:srgbClr val="000000"/>
-              </a:buClr>
-              <a:buFont typeface="Arial"/>
-              <a:buChar char="•"/>
-            </a:pPr>
-            <a:r>
-              <a:rPr b="0" lang="en-US" sz="3200" spc="-1" strike="noStrike">
-                <a:solidFill>
-                  <a:schemeClr val="dk1"/>
-                </a:solidFill>
-                <a:latin typeface="Calibri"/>
-              </a:rPr>
-              <a:t>Click to edit Master text styles</a:t>
-            </a:r>
-            <a:endParaRPr b="0" lang="en-US" sz="3200" spc="-1" strike="noStrike">
-              <a:solidFill>
-                <a:schemeClr val="dk1"/>
-              </a:solidFill>
-              <a:latin typeface="Calibri"/>
-            </a:endParaRPr>
-          </a:p>
-          <a:p>
-            <a:pPr lvl="1" marL="743040" indent="-285840" defTabSz="457200">
-              <a:lnSpc>
-                <a:spcPct val="100000"/>
-              </a:lnSpc>
-              <a:spcBef>
-                <a:spcPts val="561"/>
-              </a:spcBef>
-              <a:buClr>
-                <a:srgbClr val="000000"/>
-              </a:buClr>
-              <a:buFont typeface="Arial"/>
-              <a:buChar char="–"/>
-            </a:pPr>
-            <a:r>
-              <a:rPr b="0" lang="en-US" sz="2800" spc="-1" strike="noStrike">
-                <a:solidFill>
-                  <a:schemeClr val="dk1"/>
-                </a:solidFill>
-                <a:latin typeface="Calibri"/>
-              </a:rPr>
-              <a:t>Second level</a:t>
-            </a:r>
-            <a:endParaRPr b="0" lang="en-US" sz="2800" spc="-1" strike="noStrike">
-              <a:solidFill>
-                <a:schemeClr val="dk1"/>
-              </a:solidFill>
-              <a:latin typeface="Calibri"/>
-            </a:endParaRPr>
-          </a:p>
-          <a:p>
-            <a:pPr lvl="2" marL="1143000" indent="-228600" defTabSz="457200">
-              <a:lnSpc>
-                <a:spcPct val="100000"/>
-              </a:lnSpc>
-              <a:spcBef>
-                <a:spcPts val="479"/>
-              </a:spcBef>
-              <a:buClr>
-                <a:srgbClr val="000000"/>
-              </a:buClr>
-              <a:buFont typeface="Arial"/>
-              <a:buChar char="•"/>
-            </a:pPr>
-            <a:r>
-              <a:rPr b="0" lang="en-US" sz="2400" spc="-1" strike="noStrike">
-                <a:solidFill>
-                  <a:schemeClr val="dk1"/>
-                </a:solidFill>
-                <a:latin typeface="Calibri"/>
-              </a:rPr>
-              <a:t>Third level</a:t>
-            </a:r>
-            <a:endParaRPr b="0" lang="en-US" sz="2400" spc="-1" strike="noStrike">
-              <a:solidFill>
-                <a:schemeClr val="dk1"/>
-              </a:solidFill>
-              <a:latin typeface="Calibri"/>
-            </a:endParaRPr>
-          </a:p>
-          <a:p>
-            <a:pPr lvl="3" marL="1600200" indent="-228600" defTabSz="457200">
-              <a:lnSpc>
-                <a:spcPct val="100000"/>
-              </a:lnSpc>
-              <a:spcBef>
-                <a:spcPts val="400"/>
-              </a:spcBef>
-              <a:buClr>
-                <a:srgbClr val="000000"/>
-              </a:buClr>
-              <a:buFont typeface="Arial"/>
-              <a:buChar char="–"/>
-            </a:pPr>
-            <a:r>
-              <a:rPr b="0" lang="en-US" sz="2000" spc="-1" strike="noStrike">
-                <a:solidFill>
-                  <a:schemeClr val="dk1"/>
-                </a:solidFill>
-                <a:latin typeface="Calibri"/>
-              </a:rPr>
-              <a:t>Fourth level</a:t>
-            </a:r>
-            <a:endParaRPr b="0" lang="en-US" sz="2000" spc="-1" strike="noStrike">
-              <a:solidFill>
-                <a:schemeClr val="dk1"/>
-              </a:solidFill>
-              <a:latin typeface="Calibri"/>
-            </a:endParaRPr>
-          </a:p>
-          <a:p>
-            <a:pPr lvl="4" marL="2057400" indent="-228600" defTabSz="457200">
-              <a:lnSpc>
-                <a:spcPct val="100000"/>
-              </a:lnSpc>
-              <a:spcBef>
-                <a:spcPts val="400"/>
-              </a:spcBef>
-              <a:buClr>
-                <a:srgbClr val="000000"/>
-              </a:buClr>
-              <a:buFont typeface="Arial"/>
-              <a:buChar char="»"/>
-            </a:pPr>
-            <a:r>
-              <a:rPr b="0" lang="en-US" sz="2000" spc="-1" strike="noStrike">
-                <a:solidFill>
-                  <a:schemeClr val="dk1"/>
-                </a:solidFill>
-                <a:latin typeface="Calibri"/>
-              </a:rPr>
-              <a:t>Fifth level</a:t>
-            </a:r>
-            <a:endParaRPr b="0" lang="en-US" sz="2000" spc="-1" strike="noStrike">
-              <a:solidFill>
-                <a:schemeClr val="dk1"/>
-              </a:solidFill>
-              <a:latin typeface="Calibri"/>
-            </a:endParaRPr>
-          </a:p>
-        </p:txBody>
-      </p:sp>
-      <p:sp>
-        <p:nvSpPr>
-          <p:cNvPr id="9" name="PlaceHolder 3"/>
-          <p:cNvSpPr>
-            <a:spLocks noGrp="1"/>
-          </p:cNvSpPr>
-          <p:nvPr>
-            <p:ph type="dt" idx="4"/>
-          </p:nvPr>
-        </p:nvSpPr>
-        <p:spPr>
-          <a:xfrm>
-            <a:off x="457200" y="6356520"/>
-            <a:ext cx="2133360" cy="364680"/>
-          </a:xfrm>
-          <a:prstGeom prst="rect">
-            <a:avLst/>
-          </a:prstGeom>
-          <a:noFill/>
-          <a:ln w="0">
-            <a:noFill/>
-          </a:ln>
-        </p:spPr>
-        <p:txBody>
-          <a:bodyPr lIns="91440" rIns="91440" tIns="45720" bIns="45720" anchor="ctr">
-            <a:noAutofit/>
-          </a:bodyPr>
-          <a:lstStyle>
-            <a:lvl1pPr indent="0" defTabSz="457200">
-              <a:lnSpc>
-                <a:spcPct val="100000"/>
-              </a:lnSpc>
-              <a:buNone/>
-              <a:defRPr b="0" lang="en-US" sz="1200" spc="-1" strike="noStrike">
-                <a:solidFill>
-                  <a:schemeClr val="dk1">
-                    <a:tint val="75000"/>
-                  </a:schemeClr>
-                </a:solidFill>
-                <a:latin typeface="Calibri"/>
-              </a:defRPr>
-            </a:lvl1pPr>
-          </a:lstStyle>
-          <a:p>
-            <a:pPr indent="0" defTabSz="457200">
-              <a:lnSpc>
-                <a:spcPct val="100000"/>
-              </a:lnSpc>
-              <a:buNone/>
-            </a:pPr>
-            <a:r>
-              <a:rPr b="0" lang="en-US" sz="1200" spc="-1" strike="noStrike">
-                <a:solidFill>
-                  <a:schemeClr val="dk1">
-                    <a:tint val="75000"/>
-                  </a:schemeClr>
-                </a:solidFill>
-                <a:latin typeface="Calibri"/>
-              </a:rPr>
-              <a:t>&lt;data/hora&gt;</a:t>
-            </a:r>
-            <a:endParaRPr b="0" lang="pt-BR" sz="1200" spc="-1" strike="noStrike">
-              <a:solidFill>
-                <a:srgbClr val="000000"/>
-              </a:solidFill>
-              <a:latin typeface="Times New Roman"/>
-            </a:endParaRPr>
-          </a:p>
-        </p:txBody>
-      </p:sp>
-      <p:sp>
-        <p:nvSpPr>
-          <p:cNvPr id="10" name="PlaceHolder 4"/>
-          <p:cNvSpPr>
-            <a:spLocks noGrp="1"/>
-          </p:cNvSpPr>
-          <p:nvPr>
-            <p:ph type="ftr" idx="5"/>
+            <p:ph type="ftr" idx="4"/>
           </p:nvPr>
         </p:nvSpPr>
         <p:spPr>
           <a:xfrm>
             <a:off x="3124080" y="6356520"/>
-            <a:ext cx="2895120" cy="364680"/>
+            <a:ext cx="2894760" cy="364320"/>
           </a:xfrm>
           <a:prstGeom prst="rect">
             <a:avLst/>
@@ -3223,7 +2320,13 @@
           </a:bodyPr>
           <a:lstStyle>
             <a:lvl1pPr indent="0" algn="ctr">
+              <a:lnSpc>
+                <a:spcPct val="100000"/>
+              </a:lnSpc>
               <a:buNone/>
+              <a:tabLst>
+                <a:tab algn="l" pos="0"/>
+              </a:tabLst>
               <a:defRPr b="0" lang="pt-BR" sz="1400" spc="-1" strike="noStrike">
                 <a:solidFill>
                   <a:srgbClr val="000000"/>
@@ -3234,7 +2337,13 @@
           </a:lstStyle>
           <a:p>
             <a:pPr indent="0" algn="ctr">
+              <a:lnSpc>
+                <a:spcPct val="100000"/>
+              </a:lnSpc>
               <a:buNone/>
+              <a:tabLst>
+                <a:tab algn="l" pos="0"/>
+              </a:tabLst>
             </a:pPr>
             <a:r>
               <a:rPr b="0" lang="pt-BR" sz="1400" spc="-1" strike="noStrike">
@@ -3256,18 +2365,18 @@
       </p:sp>
       <p:sp>
         <p:nvSpPr>
-          <p:cNvPr id="11" name="PlaceHolder 5"/>
+          <p:cNvPr id="8" name="PlaceHolder 2"/>
           <p:cNvSpPr>
             <a:spLocks noGrp="1"/>
           </p:cNvSpPr>
           <p:nvPr>
-            <p:ph type="sldNum" idx="6"/>
+            <p:ph type="sldNum" idx="5"/>
           </p:nvPr>
         </p:nvSpPr>
         <p:spPr>
           <a:xfrm>
             <a:off x="6553080" y="6356520"/>
-            <a:ext cx="2133360" cy="364680"/>
+            <a:ext cx="2133000" cy="364320"/>
           </a:xfrm>
           <a:prstGeom prst="rect">
             <a:avLst/>
@@ -3287,6 +2396,9 @@
                 <a:spcPct val="100000"/>
               </a:lnSpc>
               <a:buNone/>
+              <a:tabLst>
+                <a:tab algn="l" pos="0"/>
+              </a:tabLst>
               <a:defRPr b="0" lang="en-US" sz="1200" spc="-1" strike="noStrike">
                 <a:solidFill>
                   <a:schemeClr val="dk1">
@@ -3303,8 +2415,11 @@
                 <a:spcPct val="100000"/>
               </a:lnSpc>
               <a:buNone/>
-            </a:pPr>
-            <a:fld id="{23E68908-F083-4898-9061-7B9566E439EB}" type="slidenum">
+              <a:tabLst>
+                <a:tab algn="l" pos="0"/>
+              </a:tabLst>
+            </a:pPr>
+            <a:fld id="{899D236B-CF84-4376-B80D-95CE2524E833}" type="slidenum">
               <a:rPr b="0" lang="en-US" sz="1200" spc="-1" strike="noStrike">
                 <a:solidFill>
                   <a:schemeClr val="dk1">
@@ -3316,6 +2431,66 @@
               <a:t>&lt;número&gt;</a:t>
             </a:fld>
             <a:endParaRPr b="0" lang="pt-BR" sz="1200" spc="-1" strike="noStrike">
+              <a:solidFill>
+                <a:srgbClr val="000000"/>
+              </a:solidFill>
+              <a:latin typeface="Times New Roman"/>
+            </a:endParaRPr>
+          </a:p>
+        </p:txBody>
+      </p:sp>
+      <p:sp>
+        <p:nvSpPr>
+          <p:cNvPr id="9" name="PlaceHolder 3"/>
+          <p:cNvSpPr>
+            <a:spLocks noGrp="1"/>
+          </p:cNvSpPr>
+          <p:nvPr>
+            <p:ph type="dt" idx="6"/>
+          </p:nvPr>
+        </p:nvSpPr>
+        <p:spPr>
+          <a:xfrm>
+            <a:off x="457200" y="6356520"/>
+            <a:ext cx="2133000" cy="364320"/>
+          </a:xfrm>
+          <a:prstGeom prst="rect">
+            <a:avLst/>
+          </a:prstGeom>
+          <a:noFill/>
+          <a:ln w="0">
+            <a:noFill/>
+          </a:ln>
+        </p:spPr>
+        <p:txBody>
+          <a:bodyPr lIns="91440" rIns="91440" tIns="45720" bIns="45720" anchor="ctr">
+            <a:noAutofit/>
+          </a:bodyPr>
+          <a:lstStyle>
+            <a:lvl1pPr indent="0">
+              <a:buNone/>
+              <a:defRPr b="0" lang="pt-BR" sz="1400" spc="-1" strike="noStrike">
+                <a:solidFill>
+                  <a:srgbClr val="000000"/>
+                </a:solidFill>
+                <a:latin typeface="Times New Roman"/>
+              </a:defRPr>
+            </a:lvl1pPr>
+          </a:lstStyle>
+          <a:p>
+            <a:pPr indent="0">
+              <a:buNone/>
+            </a:pPr>
+            <a:r>
+              <a:rPr b="0" lang="pt-BR" sz="1400" spc="-1" strike="noStrike">
+                <a:solidFill>
+                  <a:srgbClr val="000000"/>
+                </a:solidFill>
+                <a:latin typeface="Times New Roman"/>
+              </a:rPr>
+              <a:t>&lt;data/hora&gt;</a:t>
+            </a:r>
+            <a:endParaRPr b="0" lang="pt-BR" sz="1400" spc="-1" strike="noStrike">
               <a:solidFill>
                 <a:srgbClr val="000000"/>
               </a:solidFill>
@@ -3359,319 +2534,18 @@
       </p:grpSpPr>
       <p:sp>
         <p:nvSpPr>
-          <p:cNvPr id="12" name="PlaceHolder 1"/>
+          <p:cNvPr id="10" name="PlaceHolder 1"/>
           <p:cNvSpPr>
             <a:spLocks noGrp="1"/>
           </p:cNvSpPr>
           <p:nvPr>
-            <p:ph type="title"/>
-          </p:nvPr>
-        </p:nvSpPr>
-        <p:spPr>
-          <a:xfrm>
-            <a:off x="6629400" y="274680"/>
-            <a:ext cx="2057040" cy="5851080"/>
-          </a:xfrm>
-          <a:prstGeom prst="rect">
-            <a:avLst/>
-          </a:prstGeom>
-          <a:noFill/>
-          <a:ln w="0">
-            <a:noFill/>
-          </a:ln>
-        </p:spPr>
-        <p:txBody>
-          <a:bodyPr lIns="91440" rIns="91440" tIns="45720" bIns="45720" anchor="ctr" vert="eaVert">
-            <a:noAutofit/>
-          </a:bodyPr>
-          <a:p>
-            <a:pPr indent="0" algn="ctr" defTabSz="457200">
-              <a:lnSpc>
-                <a:spcPct val="100000"/>
-              </a:lnSpc>
-              <a:buNone/>
-            </a:pPr>
-            <a:r>
-              <a:rPr b="0" lang="en-US" sz="4400" spc="-1" strike="noStrike">
-                <a:solidFill>
-                  <a:schemeClr val="dk1"/>
-                </a:solidFill>
-                <a:latin typeface="Calibri"/>
-              </a:rPr>
-              <a:t>Click to edit Master title style</a:t>
-            </a:r>
-            <a:endParaRPr b="0" lang="en-US" sz="4400" spc="-1" strike="noStrike">
-              <a:solidFill>
-                <a:schemeClr val="dk1"/>
-              </a:solidFill>
-              <a:latin typeface="Calibri"/>
-            </a:endParaRPr>
-          </a:p>
-        </p:txBody>
-      </p:sp>
-      <p:sp>
-        <p:nvSpPr>
-          <p:cNvPr id="13" name="PlaceHolder 2"/>
-          <p:cNvSpPr>
-            <a:spLocks noGrp="1"/>
-          </p:cNvSpPr>
-          <p:nvPr>
-            <p:ph type="body"/>
-          </p:nvPr>
-        </p:nvSpPr>
-        <p:spPr>
-          <a:xfrm>
-            <a:off x="457200" y="274680"/>
-            <a:ext cx="6019560" cy="5851080"/>
-          </a:xfrm>
-          <a:prstGeom prst="rect">
-            <a:avLst/>
-          </a:prstGeom>
-          <a:noFill/>
-          <a:ln w="0">
-            <a:noFill/>
-          </a:ln>
-        </p:spPr>
-        <p:txBody>
-          <a:bodyPr lIns="91440" rIns="91440" tIns="45720" bIns="45720" anchor="t" vert="eaVert">
-            <a:noAutofit/>
-          </a:bodyPr>
-          <a:p>
-            <a:pPr marL="343080" indent="-343080" defTabSz="457200">
-              <a:lnSpc>
-                <a:spcPct val="100000"/>
-              </a:lnSpc>
-              <a:spcBef>
-                <a:spcPts val="641"/>
-              </a:spcBef>
-              <a:buClr>
-                <a:srgbClr val="000000"/>
-              </a:buClr>
-              <a:buFont typeface="Arial"/>
-              <a:buChar char="•"/>
-            </a:pPr>
-            <a:r>
-              <a:rPr b="0" lang="en-US" sz="3200" spc="-1" strike="noStrike">
-                <a:solidFill>
-                  <a:schemeClr val="dk1"/>
-                </a:solidFill>
-                <a:latin typeface="Calibri"/>
-              </a:rPr>
-              <a:t>Click to edit Master text styles</a:t>
-            </a:r>
-            <a:endParaRPr b="0" lang="en-US" sz="3200" spc="-1" strike="noStrike">
-              <a:solidFill>
-                <a:schemeClr val="dk1"/>
-              </a:solidFill>
-              <a:latin typeface="Calibri"/>
-            </a:endParaRPr>
-          </a:p>
-          <a:p>
-            <a:pPr lvl="1" marL="743040" indent="-285840" defTabSz="457200">
-              <a:lnSpc>
-                <a:spcPct val="100000"/>
-              </a:lnSpc>
-              <a:spcBef>
-                <a:spcPts val="561"/>
-              </a:spcBef>
-              <a:buClr>
-                <a:srgbClr val="000000"/>
-              </a:buClr>
-              <a:buFont typeface="Arial"/>
-              <a:buChar char="–"/>
-            </a:pPr>
-            <a:r>
-              <a:rPr b="0" lang="en-US" sz="2800" spc="-1" strike="noStrike">
-                <a:solidFill>
-                  <a:schemeClr val="dk1"/>
-                </a:solidFill>
-                <a:latin typeface="Calibri"/>
-              </a:rPr>
-              <a:t>Second level</a:t>
-            </a:r>
-            <a:endParaRPr b="0" lang="en-US" sz="2800" spc="-1" strike="noStrike">
-              <a:solidFill>
-                <a:schemeClr val="dk1"/>
-              </a:solidFill>
-              <a:latin typeface="Calibri"/>
-            </a:endParaRPr>
-          </a:p>
-          <a:p>
-            <a:pPr lvl="2" marL="1143000" indent="-228600" defTabSz="457200">
-              <a:lnSpc>
-                <a:spcPct val="100000"/>
-              </a:lnSpc>
-              <a:spcBef>
-                <a:spcPts val="479"/>
-              </a:spcBef>
-              <a:buClr>
-                <a:srgbClr val="000000"/>
-              </a:buClr>
-              <a:buFont typeface="Arial"/>
-              <a:buChar char="•"/>
-            </a:pPr>
-            <a:r>
-              <a:rPr b="0" lang="en-US" sz="2400" spc="-1" strike="noStrike">
-                <a:solidFill>
-                  <a:schemeClr val="dk1"/>
-                </a:solidFill>
-                <a:latin typeface="Calibri"/>
-              </a:rPr>
-              <a:t>Third level</a:t>
-            </a:r>
-            <a:endParaRPr b="0" lang="en-US" sz="2400" spc="-1" strike="noStrike">
-              <a:solidFill>
-                <a:schemeClr val="dk1"/>
-              </a:solidFill>
-              <a:latin typeface="Calibri"/>
-            </a:endParaRPr>
-          </a:p>
-          <a:p>
-            <a:pPr lvl="3" marL="1600200" indent="-228600" defTabSz="457200">
-              <a:lnSpc>
-                <a:spcPct val="100000"/>
-              </a:lnSpc>
-              <a:spcBef>
-                <a:spcPts val="400"/>
-              </a:spcBef>
-              <a:buClr>
-                <a:srgbClr val="000000"/>
-              </a:buClr>
-              <a:buFont typeface="Arial"/>
-              <a:buChar char="–"/>
-            </a:pPr>
-            <a:r>
-              <a:rPr b="0" lang="en-US" sz="2000" spc="-1" strike="noStrike">
-                <a:solidFill>
-                  <a:schemeClr val="dk1"/>
-                </a:solidFill>
-                <a:latin typeface="Calibri"/>
-              </a:rPr>
-              <a:t>Fourth level</a:t>
-            </a:r>
-            <a:endParaRPr b="0" lang="en-US" sz="2000" spc="-1" strike="noStrike">
-              <a:solidFill>
-                <a:schemeClr val="dk1"/>
-              </a:solidFill>
-              <a:latin typeface="Calibri"/>
-            </a:endParaRPr>
-          </a:p>
-          <a:p>
-            <a:pPr lvl="4" marL="2057400" indent="-228600" defTabSz="457200">
-              <a:lnSpc>
-                <a:spcPct val="100000"/>
-              </a:lnSpc>
-              <a:spcBef>
-                <a:spcPts val="400"/>
-              </a:spcBef>
-              <a:buClr>
-                <a:srgbClr val="000000"/>
-              </a:buClr>
-              <a:buFont typeface="Arial"/>
-              <a:buChar char="»"/>
-            </a:pPr>
-            <a:r>
-              <a:rPr b="0" lang="en-US" sz="2000" spc="-1" strike="noStrike">
-                <a:solidFill>
-                  <a:schemeClr val="dk1"/>
-                </a:solidFill>
-                <a:latin typeface="Calibri"/>
-              </a:rPr>
-              <a:t>Fifth level</a:t>
-            </a:r>
-            <a:endParaRPr b="0" lang="en-US" sz="2000" spc="-1" strike="noStrike">
-              <a:solidFill>
-                <a:schemeClr val="dk1"/>
-              </a:solidFill>
-              <a:latin typeface="Calibri"/>
-            </a:endParaRPr>
-          </a:p>
-        </p:txBody>
-      </p:sp>
-      <p:sp>
-        <p:nvSpPr>
-          <p:cNvPr id="14" name="PlaceHolder 3"/>
-          <p:cNvSpPr>
-            <a:spLocks noGrp="1"/>
-          </p:cNvSpPr>
-          <p:nvPr>
-            <p:ph type="dt" idx="7"/>
-          </p:nvPr>
-        </p:nvSpPr>
-        <p:spPr>
-          <a:xfrm>
-            <a:off x="457200" y="6356520"/>
-            <a:ext cx="2133360" cy="364680"/>
-          </a:xfrm>
-          <a:prstGeom prst="rect">
-            <a:avLst/>
-          </a:prstGeom>
-          <a:noFill/>
-          <a:ln w="0">
-            <a:noFill/>
-          </a:ln>
-        </p:spPr>
-        <p:txBody>
-          <a:bodyPr lIns="91440" rIns="91440" tIns="45720" bIns="45720" anchor="ctr">
-            <a:noAutofit/>
-          </a:bodyPr>
-          <a:lstStyle>
-            <a:lvl1pPr indent="0" defTabSz="457200">
-              <a:lnSpc>
-                <a:spcPct val="100000"/>
-              </a:lnSpc>
-              <a:buNone/>
-              <a:defRPr b="0" lang="en-US" sz="1200" spc="-1" strike="noStrike">
-                <a:solidFill>
-                  <a:schemeClr val="dk1">
-                    <a:tint val="75000"/>
-                  </a:schemeClr>
-                </a:solidFill>
-                <a:latin typeface="Calibri"/>
-              </a:defRPr>
-            </a:lvl1pPr>
-          </a:lstStyle>
-          <a:p>
-            <a:pPr indent="0" defTabSz="457200">
-              <a:lnSpc>
-                <a:spcPct val="100000"/>
-              </a:lnSpc>
-              <a:buNone/>
-            </a:pPr>
-            <a:r>
-              <a:rPr b="0" lang="en-US" sz="1200" spc="-1" strike="noStrike">
-                <a:solidFill>
-                  <a:schemeClr val="dk1">
-                    <a:tint val="75000"/>
-                  </a:schemeClr>
-                </a:solidFill>
-                <a:latin typeface="Calibri"/>
-              </a:rPr>
-              <a:t>&lt;data/hora&gt;</a:t>
-            </a:r>
-            <a:endParaRPr b="0" lang="pt-BR" sz="1200" spc="-1" strike="noStrike">
-              <a:solidFill>
-                <a:srgbClr val="000000"/>
-              </a:solidFill>
-              <a:latin typeface="Times New Roman"/>
-            </a:endParaRPr>
-          </a:p>
-        </p:txBody>
-      </p:sp>
-      <p:sp>
-        <p:nvSpPr>
-          <p:cNvPr id="15" name="PlaceHolder 4"/>
-          <p:cNvSpPr>
-            <a:spLocks noGrp="1"/>
-          </p:cNvSpPr>
-          <p:nvPr>
-            <p:ph type="ftr" idx="8"/>
+            <p:ph type="ftr" idx="7"/>
           </p:nvPr>
         </p:nvSpPr>
         <p:spPr>
           <a:xfrm>
             <a:off x="3124080" y="6356520"/>
-            <a:ext cx="2895120" cy="364680"/>
+            <a:ext cx="2894760" cy="364320"/>
           </a:xfrm>
           <a:prstGeom prst="rect">
             <a:avLst/>
@@ -3687,7 +2561,13 @@
           </a:bodyPr>
           <a:lstStyle>
             <a:lvl1pPr indent="0" algn="ctr">
+              <a:lnSpc>
+                <a:spcPct val="100000"/>
+              </a:lnSpc>
               <a:buNone/>
+              <a:tabLst>
+                <a:tab algn="l" pos="0"/>
+              </a:tabLst>
               <a:defRPr b="0" lang="pt-BR" sz="1400" spc="-1" strike="noStrike">
                 <a:solidFill>
                   <a:srgbClr val="000000"/>
@@ -3698,7 +2578,13 @@
           </a:lstStyle>
           <a:p>
             <a:pPr indent="0" algn="ctr">
+              <a:lnSpc>
+                <a:spcPct val="100000"/>
+              </a:lnSpc>
               <a:buNone/>
+              <a:tabLst>
+                <a:tab algn="l" pos="0"/>
+              </a:tabLst>
             </a:pPr>
             <a:r>
               <a:rPr b="0" lang="pt-BR" sz="1400" spc="-1" strike="noStrike">
@@ -3720,18 +2606,18 @@
       </p:sp>
       <p:sp>
         <p:nvSpPr>
-          <p:cNvPr id="16" name="PlaceHolder 5"/>
+          <p:cNvPr id="11" name="PlaceHolder 2"/>
           <p:cNvSpPr>
             <a:spLocks noGrp="1"/>
           </p:cNvSpPr>
           <p:nvPr>
-            <p:ph type="sldNum" idx="9"/>
+            <p:ph type="sldNum" idx="8"/>
           </p:nvPr>
         </p:nvSpPr>
         <p:spPr>
           <a:xfrm>
             <a:off x="6553080" y="6356520"/>
-            <a:ext cx="2133360" cy="364680"/>
+            <a:ext cx="2133000" cy="364320"/>
           </a:xfrm>
           <a:prstGeom prst="rect">
             <a:avLst/>
@@ -3751,6 +2637,9 @@
                 <a:spcPct val="100000"/>
               </a:lnSpc>
               <a:buNone/>
+              <a:tabLst>
+                <a:tab algn="l" pos="0"/>
+              </a:tabLst>
               <a:defRPr b="0" lang="en-US" sz="1200" spc="-1" strike="noStrike">
                 <a:solidFill>
                   <a:schemeClr val="dk1">
@@ -3767,8 +2656,11 @@
                 <a:spcPct val="100000"/>
               </a:lnSpc>
               <a:buNone/>
-            </a:pPr>
-            <a:fld id="{BC01F3F3-6E2E-40FC-9761-E245EB22EB33}" type="slidenum">
+              <a:tabLst>
+                <a:tab algn="l" pos="0"/>
+              </a:tabLst>
+            </a:pPr>
+            <a:fld id="{DFBF240D-083C-425A-845C-40AF2E4AE165}" type="slidenum">
               <a:rPr b="0" lang="en-US" sz="1200" spc="-1" strike="noStrike">
                 <a:solidFill>
                   <a:schemeClr val="dk1">
@@ -3780,6 +2672,66 @@
               <a:t>&lt;número&gt;</a:t>
             </a:fld>
             <a:endParaRPr b="0" lang="pt-BR" sz="1200" spc="-1" strike="noStrike">
+              <a:solidFill>
+                <a:srgbClr val="000000"/>
+              </a:solidFill>
+              <a:latin typeface="Times New Roman"/>
+            </a:endParaRPr>
+          </a:p>
+        </p:txBody>
+      </p:sp>
+      <p:sp>
+        <p:nvSpPr>
+          <p:cNvPr id="12" name="PlaceHolder 3"/>
+          <p:cNvSpPr>
+            <a:spLocks noGrp="1"/>
+          </p:cNvSpPr>
+          <p:nvPr>
+            <p:ph type="dt" idx="9"/>
+          </p:nvPr>
+        </p:nvSpPr>
+        <p:spPr>
+          <a:xfrm>
+            <a:off x="457200" y="6356520"/>
+            <a:ext cx="2133000" cy="364320"/>
+          </a:xfrm>
+          <a:prstGeom prst="rect">
+            <a:avLst/>
+          </a:prstGeom>
+          <a:noFill/>
+          <a:ln w="0">
+            <a:noFill/>
+          </a:ln>
+        </p:spPr>
+        <p:txBody>
+          <a:bodyPr lIns="91440" rIns="91440" tIns="45720" bIns="45720" anchor="ctr">
+            <a:noAutofit/>
+          </a:bodyPr>
+          <a:lstStyle>
+            <a:lvl1pPr indent="0">
+              <a:buNone/>
+              <a:defRPr b="0" lang="pt-BR" sz="1400" spc="-1" strike="noStrike">
+                <a:solidFill>
+                  <a:srgbClr val="000000"/>
+                </a:solidFill>
+                <a:latin typeface="Times New Roman"/>
+              </a:defRPr>
+            </a:lvl1pPr>
+          </a:lstStyle>
+          <a:p>
+            <a:pPr indent="0">
+              <a:buNone/>
+            </a:pPr>
+            <a:r>
+              <a:rPr b="0" lang="pt-BR" sz="1400" spc="-1" strike="noStrike">
+                <a:solidFill>
+                  <a:srgbClr val="000000"/>
+                </a:solidFill>
+                <a:latin typeface="Times New Roman"/>
+              </a:rPr>
+              <a:t>&lt;data/hora&gt;</a:t>
+            </a:r>
+            <a:endParaRPr b="0" lang="pt-BR" sz="1400" spc="-1" strike="noStrike">
               <a:solidFill>
                 <a:srgbClr val="000000"/>
               </a:solidFill>
@@ -3823,7 +2775,7 @@
       </p:grpSpPr>
       <p:sp>
         <p:nvSpPr>
-          <p:cNvPr id="17" name="PlaceHolder 1"/>
+          <p:cNvPr id="13" name="PlaceHolder 1"/>
           <p:cNvSpPr>
             <a:spLocks noGrp="1"/>
           </p:cNvSpPr>
@@ -3834,7 +2786,7 @@
         <p:spPr>
           <a:xfrm>
             <a:off x="457200" y="274680"/>
-            <a:ext cx="8229240" cy="1142640"/>
+            <a:ext cx="8228880" cy="1142280"/>
           </a:xfrm>
           <a:prstGeom prst="rect">
             <a:avLst/>
@@ -3845,37 +2797,34 @@
           </a:ln>
         </p:spPr>
         <p:txBody>
-          <a:bodyPr lIns="91440" rIns="91440" tIns="45720" bIns="45720" anchor="ctr">
+          <a:bodyPr lIns="0" rIns="0" tIns="0" bIns="0" anchor="ctr">
             <a:noAutofit/>
           </a:bodyPr>
           <a:p>
-            <a:pPr indent="0" algn="ctr" defTabSz="457200">
-              <a:lnSpc>
-                <a:spcPct val="100000"/>
-              </a:lnSpc>
+            <a:pPr indent="0">
               <a:buNone/>
             </a:pPr>
             <a:r>
-              <a:rPr b="0" lang="en-US" sz="4400" spc="-1" strike="noStrike">
-                <a:solidFill>
-                  <a:schemeClr val="dk1"/>
-                </a:solidFill>
-                <a:latin typeface="Calibri"/>
-              </a:rPr>
-              <a:t>Click to edit Master title style</a:t>
-            </a:r>
-            <a:endParaRPr b="0" lang="en-US" sz="4400" spc="-1" strike="noStrike">
-              <a:solidFill>
-                <a:schemeClr val="dk1"/>
-              </a:solidFill>
-              <a:latin typeface="Calibri"/>
+              <a:rPr b="0" lang="pt-BR" sz="1800" spc="-1" strike="noStrike">
+                <a:solidFill>
+                  <a:srgbClr val="000000"/>
+                </a:solidFill>
+                <a:latin typeface="Arial"/>
+              </a:rPr>
+              <a:t>Clique para editar o formato do texto do título</a:t>
+            </a:r>
+            <a:endParaRPr b="0" lang="pt-BR" sz="1800" spc="-1" strike="noStrike">
+              <a:solidFill>
+                <a:srgbClr val="000000"/>
+              </a:solidFill>
+              <a:latin typeface="Arial"/>
             </a:endParaRPr>
           </a:p>
         </p:txBody>
       </p:sp>
       <p:sp>
         <p:nvSpPr>
-          <p:cNvPr id="18" name="PlaceHolder 2"/>
+          <p:cNvPr id="14" name="PlaceHolder 2"/>
           <p:cNvSpPr>
             <a:spLocks noGrp="1"/>
           </p:cNvSpPr>
@@ -3886,7 +2835,7 @@
         <p:spPr>
           <a:xfrm>
             <a:off x="457200" y="1600200"/>
-            <a:ext cx="8229240" cy="4525560"/>
+            <a:ext cx="8228880" cy="4525200"/>
           </a:xfrm>
           <a:prstGeom prst="rect">
             <a:avLst/>
@@ -3897,245 +2846,221 @@
           </a:ln>
         </p:spPr>
         <p:txBody>
-          <a:bodyPr lIns="91440" rIns="91440" tIns="45720" bIns="45720" anchor="t">
-            <a:noAutofit/>
+          <a:bodyPr lIns="0" rIns="0" tIns="0" bIns="0" anchor="t">
+            <a:normAutofit/>
           </a:bodyPr>
           <a:p>
-            <a:pPr marL="343080" indent="-343080" defTabSz="457200">
-              <a:lnSpc>
-                <a:spcPct val="100000"/>
-              </a:lnSpc>
+            <a:pPr marL="432000" indent="-324000">
               <a:spcBef>
-                <a:spcPts val="641"/>
+                <a:spcPts val="1417"/>
               </a:spcBef>
               <a:buClr>
                 <a:srgbClr val="000000"/>
               </a:buClr>
-              <a:buFont typeface="Arial"/>
-              <a:buChar char="•"/>
-            </a:pPr>
-            <a:r>
-              <a:rPr b="0" lang="en-US" sz="3200" spc="-1" strike="noStrike">
-                <a:solidFill>
-                  <a:schemeClr val="dk1"/>
-                </a:solidFill>
-                <a:latin typeface="Calibri"/>
-              </a:rPr>
-              <a:t>Click to edit Master text styles</a:t>
-            </a:r>
-            <a:endParaRPr b="0" lang="en-US" sz="3200" spc="-1" strike="noStrike">
-              <a:solidFill>
-                <a:schemeClr val="dk1"/>
-              </a:solidFill>
-              <a:latin typeface="Calibri"/>
-            </a:endParaRPr>
-          </a:p>
-          <a:p>
-            <a:pPr lvl="1" marL="743040" indent="-285840" defTabSz="457200">
-              <a:lnSpc>
-                <a:spcPct val="100000"/>
-              </a:lnSpc>
+              <a:buSzPct val="45000"/>
+              <a:buFont typeface="Wingdings" charset="2"/>
+              <a:buChar char=""/>
+            </a:pPr>
+            <a:r>
+              <a:rPr b="0" lang="pt-BR" sz="1800" spc="-1" strike="noStrike">
+                <a:solidFill>
+                  <a:srgbClr val="000000"/>
+                </a:solidFill>
+                <a:latin typeface="Arial"/>
+              </a:rPr>
+              <a:t>Clique para editar o formato de texto dos tópicos</a:t>
+            </a:r>
+            <a:endParaRPr b="0" lang="pt-BR" sz="1800" spc="-1" strike="noStrike">
+              <a:solidFill>
+                <a:srgbClr val="000000"/>
+              </a:solidFill>
+              <a:latin typeface="Arial"/>
+            </a:endParaRPr>
+          </a:p>
+          <a:p>
+            <a:pPr lvl="1" marL="864000" indent="-324000">
               <a:spcBef>
-                <a:spcPts val="561"/>
+                <a:spcPts val="1134"/>
               </a:spcBef>
               <a:buClr>
                 <a:srgbClr val="000000"/>
               </a:buClr>
-              <a:buFont typeface="Arial"/>
-              <a:buChar char="–"/>
-            </a:pPr>
-            <a:r>
-              <a:rPr b="0" lang="en-US" sz="2800" spc="-1" strike="noStrike">
-                <a:solidFill>
-                  <a:schemeClr val="dk1"/>
-                </a:solidFill>
-                <a:latin typeface="Calibri"/>
-              </a:rPr>
-              <a:t>Second level</a:t>
-            </a:r>
-            <a:endParaRPr b="0" lang="en-US" sz="2800" spc="-1" strike="noStrike">
-              <a:solidFill>
-                <a:schemeClr val="dk1"/>
-              </a:solidFill>
-              <a:latin typeface="Calibri"/>
-            </a:endParaRPr>
-          </a:p>
-          <a:p>
-            <a:pPr lvl="2" marL="1143000" indent="-228600" defTabSz="457200">
-              <a:lnSpc>
-                <a:spcPct val="100000"/>
-              </a:lnSpc>
+              <a:buSzPct val="75000"/>
+              <a:buFont typeface="Symbol" charset="2"/>
+              <a:buChar char=""/>
+            </a:pPr>
+            <a:r>
+              <a:rPr b="0" lang="pt-BR" sz="1800" spc="-1" strike="noStrike">
+                <a:solidFill>
+                  <a:srgbClr val="000000"/>
+                </a:solidFill>
+                <a:latin typeface="Arial"/>
+              </a:rPr>
+              <a:t>2.º nível de tópicos</a:t>
+            </a:r>
+            <a:endParaRPr b="0" lang="pt-BR" sz="1800" spc="-1" strike="noStrike">
+              <a:solidFill>
+                <a:srgbClr val="000000"/>
+              </a:solidFill>
+              <a:latin typeface="Arial"/>
+            </a:endParaRPr>
+          </a:p>
+          <a:p>
+            <a:pPr lvl="2" marL="1296000" indent="-288000">
               <a:spcBef>
-                <a:spcPts val="479"/>
+                <a:spcPts val="850"/>
               </a:spcBef>
               <a:buClr>
                 <a:srgbClr val="000000"/>
               </a:buClr>
-              <a:buFont typeface="Arial"/>
-              <a:buChar char="•"/>
-            </a:pPr>
-            <a:r>
-              <a:rPr b="0" lang="en-US" sz="2400" spc="-1" strike="noStrike">
-                <a:solidFill>
-                  <a:schemeClr val="dk1"/>
-                </a:solidFill>
-                <a:latin typeface="Calibri"/>
-              </a:rPr>
-              <a:t>Third level</a:t>
-            </a:r>
-            <a:endParaRPr b="0" lang="en-US" sz="2400" spc="-1" strike="noStrike">
-              <a:solidFill>
-                <a:schemeClr val="dk1"/>
-              </a:solidFill>
-              <a:latin typeface="Calibri"/>
-            </a:endParaRPr>
-          </a:p>
-          <a:p>
-            <a:pPr lvl="3" marL="1600200" indent="-228600" defTabSz="457200">
-              <a:lnSpc>
-                <a:spcPct val="100000"/>
-              </a:lnSpc>
+              <a:buSzPct val="45000"/>
+              <a:buFont typeface="Wingdings" charset="2"/>
+              <a:buChar char=""/>
+            </a:pPr>
+            <a:r>
+              <a:rPr b="0" lang="pt-BR" sz="1800" spc="-1" strike="noStrike">
+                <a:solidFill>
+                  <a:srgbClr val="000000"/>
+                </a:solidFill>
+                <a:latin typeface="Arial"/>
+              </a:rPr>
+              <a:t>3.º nível de tópicos</a:t>
+            </a:r>
+            <a:endParaRPr b="0" lang="pt-BR" sz="1800" spc="-1" strike="noStrike">
+              <a:solidFill>
+                <a:srgbClr val="000000"/>
+              </a:solidFill>
+              <a:latin typeface="Arial"/>
+            </a:endParaRPr>
+          </a:p>
+          <a:p>
+            <a:pPr lvl="3" marL="1728000" indent="-216000">
               <a:spcBef>
-                <a:spcPts val="400"/>
+                <a:spcPts val="567"/>
               </a:spcBef>
               <a:buClr>
                 <a:srgbClr val="000000"/>
               </a:buClr>
-              <a:buFont typeface="Arial"/>
-              <a:buChar char="–"/>
-            </a:pPr>
-            <a:r>
-              <a:rPr b="0" lang="en-US" sz="2000" spc="-1" strike="noStrike">
-                <a:solidFill>
-                  <a:schemeClr val="dk1"/>
-                </a:solidFill>
-                <a:latin typeface="Calibri"/>
-              </a:rPr>
-              <a:t>Fourth level</a:t>
-            </a:r>
-            <a:endParaRPr b="0" lang="en-US" sz="2000" spc="-1" strike="noStrike">
-              <a:solidFill>
-                <a:schemeClr val="dk1"/>
-              </a:solidFill>
-              <a:latin typeface="Calibri"/>
-            </a:endParaRPr>
-          </a:p>
-          <a:p>
-            <a:pPr lvl="4" marL="2057400" indent="-228600" defTabSz="457200">
-              <a:lnSpc>
-                <a:spcPct val="100000"/>
-              </a:lnSpc>
+              <a:buSzPct val="75000"/>
+              <a:buFont typeface="Symbol" charset="2"/>
+              <a:buChar char=""/>
+            </a:pPr>
+            <a:r>
+              <a:rPr b="0" lang="pt-BR" sz="1800" spc="-1" strike="noStrike">
+                <a:solidFill>
+                  <a:srgbClr val="000000"/>
+                </a:solidFill>
+                <a:latin typeface="Arial"/>
+              </a:rPr>
+              <a:t>4.º nível de tópicos</a:t>
+            </a:r>
+            <a:endParaRPr b="0" lang="pt-BR" sz="1800" spc="-1" strike="noStrike">
+              <a:solidFill>
+                <a:srgbClr val="000000"/>
+              </a:solidFill>
+              <a:latin typeface="Arial"/>
+            </a:endParaRPr>
+          </a:p>
+          <a:p>
+            <a:pPr lvl="4" marL="2160000" indent="-216000">
               <a:spcBef>
-                <a:spcPts val="400"/>
+                <a:spcPts val="283"/>
               </a:spcBef>
               <a:buClr>
                 <a:srgbClr val="000000"/>
               </a:buClr>
-              <a:buFont typeface="Arial"/>
-              <a:buChar char="»"/>
-            </a:pPr>
-            <a:r>
-              <a:rPr b="0" lang="en-US" sz="2000" spc="-1" strike="noStrike">
-                <a:solidFill>
-                  <a:schemeClr val="dk1"/>
-                </a:solidFill>
-                <a:latin typeface="Calibri"/>
-              </a:rPr>
-              <a:t>Fifth level</a:t>
-            </a:r>
-            <a:endParaRPr b="0" lang="en-US" sz="2000" spc="-1" strike="noStrike">
-              <a:solidFill>
-                <a:schemeClr val="dk1"/>
-              </a:solidFill>
-              <a:latin typeface="Calibri"/>
+              <a:buSzPct val="45000"/>
+              <a:buFont typeface="Wingdings" charset="2"/>
+              <a:buChar char=""/>
+            </a:pPr>
+            <a:r>
+              <a:rPr b="0" lang="pt-BR" sz="1800" spc="-1" strike="noStrike">
+                <a:solidFill>
+                  <a:srgbClr val="000000"/>
+                </a:solidFill>
+                <a:latin typeface="Arial"/>
+              </a:rPr>
+              <a:t>5.º nível de tópicos</a:t>
+            </a:r>
+            <a:endParaRPr b="0" lang="pt-BR" sz="1800" spc="-1" strike="noStrike">
+              <a:solidFill>
+                <a:srgbClr val="000000"/>
+              </a:solidFill>
+              <a:latin typeface="Arial"/>
+            </a:endParaRPr>
+          </a:p>
+          <a:p>
+            <a:pPr lvl="5" marL="2592000" indent="-216000">
+              <a:spcBef>
+                <a:spcPts val="283"/>
+              </a:spcBef>
+              <a:buClr>
+                <a:srgbClr val="000000"/>
+              </a:buClr>
+              <a:buSzPct val="45000"/>
+              <a:buFont typeface="Wingdings" charset="2"/>
+              <a:buChar char=""/>
+            </a:pPr>
+            <a:r>
+              <a:rPr b="0" lang="pt-BR" sz="1800" spc="-1" strike="noStrike">
+                <a:solidFill>
+                  <a:srgbClr val="000000"/>
+                </a:solidFill>
+                <a:latin typeface="Arial"/>
+              </a:rPr>
+              <a:t>6.º nível de tópicos</a:t>
+            </a:r>
+            <a:endParaRPr b="0" lang="pt-BR" sz="1800" spc="-1" strike="noStrike">
+              <a:solidFill>
+                <a:srgbClr val="000000"/>
+              </a:solidFill>
+              <a:latin typeface="Arial"/>
+            </a:endParaRPr>
+          </a:p>
+          <a:p>
+            <a:pPr lvl="6" marL="3024000" indent="-216000">
+              <a:spcBef>
+                <a:spcPts val="283"/>
+              </a:spcBef>
+              <a:buClr>
+                <a:srgbClr val="000000"/>
+              </a:buClr>
+              <a:buSzPct val="45000"/>
+              <a:buFont typeface="Wingdings" charset="2"/>
+              <a:buChar char=""/>
+            </a:pPr>
+            <a:r>
+              <a:rPr b="0" lang="pt-BR" sz="1800" spc="-1" strike="noStrike">
+                <a:solidFill>
+                  <a:srgbClr val="000000"/>
+                </a:solidFill>
+                <a:latin typeface="Arial"/>
+              </a:rPr>
+              <a:t>7.º nível de tópicos</a:t>
+            </a:r>
+            <a:endParaRPr b="0" lang="pt-BR" sz="1800" spc="-1" strike="noStrike">
+              <a:solidFill>
+                <a:srgbClr val="000000"/>
+              </a:solidFill>
+              <a:latin typeface="Arial"/>
             </a:endParaRPr>
           </a:p>
         </p:txBody>
       </p:sp>
       <p:sp>
         <p:nvSpPr>
-          <p:cNvPr id="19" name="PlaceHolder 3"/>
+          <p:cNvPr id="15" name="PlaceHolder 3"/>
           <p:cNvSpPr>
             <a:spLocks noGrp="1"/>
           </p:cNvSpPr>
           <p:nvPr>
-            <p:ph type="dt" idx="10"/>
-          </p:nvPr>
-        </p:nvSpPr>
-        <p:spPr>
-          <a:xfrm>
-            <a:off x="457200" y="6356520"/>
-            <a:ext cx="2133360" cy="364680"/>
-          </a:xfrm>
-          <a:prstGeom prst="rect">
-            <a:avLst/>
-          </a:prstGeom>
-          <a:noFill/>
-          <a:ln w="0">
-            <a:noFill/>
-          </a:ln>
-        </p:spPr>
-        <p:txBody>
-          <a:bodyPr lIns="91440" rIns="91440" tIns="45720" bIns="45720" anchor="ctr">
-            <a:noAutofit/>
-          </a:bodyPr>
-          <a:lstStyle>
-            <a:lvl1pPr indent="0" defTabSz="457200">
-              <a:lnSpc>
-                <a:spcPct val="100000"/>
-              </a:lnSpc>
-              <a:buNone/>
-              <a:defRPr b="0" lang="en-US" sz="1200" spc="-1" strike="noStrike">
-                <a:solidFill>
-                  <a:schemeClr val="dk1">
-                    <a:tint val="75000"/>
-                  </a:schemeClr>
-                </a:solidFill>
-                <a:latin typeface="Calibri"/>
-              </a:defRPr>
-            </a:lvl1pPr>
-          </a:lstStyle>
-          <a:p>
-            <a:pPr indent="0" defTabSz="457200">
-              <a:lnSpc>
-                <a:spcPct val="100000"/>
-              </a:lnSpc>
-              <a:buNone/>
-            </a:pPr>
-            <a:r>
-              <a:rPr b="0" lang="en-US" sz="1200" spc="-1" strike="noStrike">
-                <a:solidFill>
-                  <a:schemeClr val="dk1">
-                    <a:tint val="75000"/>
-                  </a:schemeClr>
-                </a:solidFill>
-                <a:latin typeface="Calibri"/>
-              </a:rPr>
-              <a:t>&lt;data/hora&gt;</a:t>
-            </a:r>
-            <a:endParaRPr b="0" lang="pt-BR" sz="1200" spc="-1" strike="noStrike">
-              <a:solidFill>
-                <a:srgbClr val="000000"/>
-              </a:solidFill>
-              <a:latin typeface="Times New Roman"/>
-            </a:endParaRPr>
-          </a:p>
-        </p:txBody>
-      </p:sp>
-      <p:sp>
-        <p:nvSpPr>
-          <p:cNvPr id="20" name="PlaceHolder 4"/>
-          <p:cNvSpPr>
-            <a:spLocks noGrp="1"/>
-          </p:cNvSpPr>
-          <p:nvPr>
-            <p:ph type="ftr" idx="11"/>
+            <p:ph type="ftr" idx="10"/>
           </p:nvPr>
         </p:nvSpPr>
         <p:spPr>
           <a:xfrm>
             <a:off x="3124080" y="6356520"/>
-            <a:ext cx="2895120" cy="364680"/>
+            <a:ext cx="2894760" cy="364320"/>
           </a:xfrm>
           <a:prstGeom prst="rect">
             <a:avLst/>
@@ -4151,7 +3076,13 @@
           </a:bodyPr>
           <a:lstStyle>
             <a:lvl1pPr indent="0" algn="ctr">
+              <a:lnSpc>
+                <a:spcPct val="100000"/>
+              </a:lnSpc>
               <a:buNone/>
+              <a:tabLst>
+                <a:tab algn="l" pos="0"/>
+              </a:tabLst>
               <a:defRPr b="0" lang="pt-BR" sz="1400" spc="-1" strike="noStrike">
                 <a:solidFill>
                   <a:srgbClr val="000000"/>
@@ -4162,7 +3093,13 @@
           </a:lstStyle>
           <a:p>
             <a:pPr indent="0" algn="ctr">
+              <a:lnSpc>
+                <a:spcPct val="100000"/>
+              </a:lnSpc>
               <a:buNone/>
+              <a:tabLst>
+                <a:tab algn="l" pos="0"/>
+              </a:tabLst>
             </a:pPr>
             <a:r>
               <a:rPr b="0" lang="pt-BR" sz="1400" spc="-1" strike="noStrike">
@@ -4184,18 +3121,18 @@
       </p:sp>
       <p:sp>
         <p:nvSpPr>
-          <p:cNvPr id="21" name="PlaceHolder 5"/>
+          <p:cNvPr id="16" name="PlaceHolder 4"/>
           <p:cNvSpPr>
             <a:spLocks noGrp="1"/>
           </p:cNvSpPr>
           <p:nvPr>
-            <p:ph type="sldNum" idx="12"/>
+            <p:ph type="sldNum" idx="11"/>
           </p:nvPr>
         </p:nvSpPr>
         <p:spPr>
           <a:xfrm>
             <a:off x="6553080" y="6356520"/>
-            <a:ext cx="2133360" cy="364680"/>
+            <a:ext cx="2133000" cy="364320"/>
           </a:xfrm>
           <a:prstGeom prst="rect">
             <a:avLst/>
@@ -4215,6 +3152,9 @@
                 <a:spcPct val="100000"/>
               </a:lnSpc>
               <a:buNone/>
+              <a:tabLst>
+                <a:tab algn="l" pos="0"/>
+              </a:tabLst>
               <a:defRPr b="0" lang="en-US" sz="1200" spc="-1" strike="noStrike">
                 <a:solidFill>
                   <a:schemeClr val="dk1">
@@ -4231,8 +3171,11 @@
                 <a:spcPct val="100000"/>
               </a:lnSpc>
               <a:buNone/>
-            </a:pPr>
-            <a:fld id="{F8AA7F5B-4A6B-4D2D-BD8F-3B8901F6DEC3}" type="slidenum">
+              <a:tabLst>
+                <a:tab algn="l" pos="0"/>
+              </a:tabLst>
+            </a:pPr>
+            <a:fld id="{93698971-C553-456E-8B8F-DAAA137267FB}" type="slidenum">
               <a:rPr b="0" lang="en-US" sz="1200" spc="-1" strike="noStrike">
                 <a:solidFill>
                   <a:schemeClr val="dk1">
@@ -4244,6 +3187,66 @@
               <a:t>&lt;número&gt;</a:t>
             </a:fld>
             <a:endParaRPr b="0" lang="pt-BR" sz="1200" spc="-1" strike="noStrike">
+              <a:solidFill>
+                <a:srgbClr val="000000"/>
+              </a:solidFill>
+              <a:latin typeface="Times New Roman"/>
+            </a:endParaRPr>
+          </a:p>
+        </p:txBody>
+      </p:sp>
+      <p:sp>
+        <p:nvSpPr>
+          <p:cNvPr id="17" name="PlaceHolder 5"/>
+          <p:cNvSpPr>
+            <a:spLocks noGrp="1"/>
+          </p:cNvSpPr>
+          <p:nvPr>
+            <p:ph type="dt" idx="12"/>
+          </p:nvPr>
+        </p:nvSpPr>
+        <p:spPr>
+          <a:xfrm>
+            <a:off x="457200" y="6356520"/>
+            <a:ext cx="2133000" cy="364320"/>
+          </a:xfrm>
+          <a:prstGeom prst="rect">
+            <a:avLst/>
+          </a:prstGeom>
+          <a:noFill/>
+          <a:ln w="0">
+            <a:noFill/>
+          </a:ln>
+        </p:spPr>
+        <p:txBody>
+          <a:bodyPr lIns="91440" rIns="91440" tIns="45720" bIns="45720" anchor="ctr">
+            <a:noAutofit/>
+          </a:bodyPr>
+          <a:lstStyle>
+            <a:lvl1pPr indent="0">
+              <a:buNone/>
+              <a:defRPr b="0" lang="pt-BR" sz="1400" spc="-1" strike="noStrike">
+                <a:solidFill>
+                  <a:srgbClr val="000000"/>
+                </a:solidFill>
+                <a:latin typeface="Times New Roman"/>
+              </a:defRPr>
+            </a:lvl1pPr>
+          </a:lstStyle>
+          <a:p>
+            <a:pPr indent="0">
+              <a:buNone/>
+            </a:pPr>
+            <a:r>
+              <a:rPr b="0" lang="pt-BR" sz="1400" spc="-1" strike="noStrike">
+                <a:solidFill>
+                  <a:srgbClr val="000000"/>
+                </a:solidFill>
+                <a:latin typeface="Times New Roman"/>
+              </a:rPr>
+              <a:t>&lt;data/hora&gt;</a:t>
+            </a:r>
+            <a:endParaRPr b="0" lang="pt-BR" sz="1400" spc="-1" strike="noStrike">
               <a:solidFill>
                 <a:srgbClr val="000000"/>
               </a:solidFill>
@@ -4287,200 +3290,18 @@
       </p:grpSpPr>
       <p:sp>
         <p:nvSpPr>
-          <p:cNvPr id="24" name="PlaceHolder 1"/>
+          <p:cNvPr id="20" name="PlaceHolder 1"/>
           <p:cNvSpPr>
             <a:spLocks noGrp="1"/>
           </p:cNvSpPr>
           <p:nvPr>
-            <p:ph type="title"/>
-          </p:nvPr>
-        </p:nvSpPr>
-        <p:spPr>
-          <a:xfrm>
-            <a:off x="722160" y="4406760"/>
-            <a:ext cx="7772040" cy="1361880"/>
-          </a:xfrm>
-          <a:prstGeom prst="rect">
-            <a:avLst/>
-          </a:prstGeom>
-          <a:noFill/>
-          <a:ln w="0">
-            <a:noFill/>
-          </a:ln>
-        </p:spPr>
-        <p:txBody>
-          <a:bodyPr lIns="91440" rIns="91440" tIns="45720" bIns="45720" anchor="t">
-            <a:noAutofit/>
-          </a:bodyPr>
-          <a:p>
-            <a:pPr indent="0" defTabSz="457200">
-              <a:lnSpc>
-                <a:spcPct val="100000"/>
-              </a:lnSpc>
-              <a:buNone/>
-            </a:pPr>
-            <a:r>
-              <a:rPr b="1" lang="en-US" sz="4000" spc="-1" strike="noStrike" cap="all">
-                <a:solidFill>
-                  <a:schemeClr val="dk1"/>
-                </a:solidFill>
-                <a:latin typeface="Calibri"/>
-              </a:rPr>
-              <a:t>Click to edit Master title style</a:t>
-            </a:r>
-            <a:endParaRPr b="0" lang="en-US" sz="4000" spc="-1" strike="noStrike">
-              <a:solidFill>
-                <a:schemeClr val="dk1"/>
-              </a:solidFill>
-              <a:latin typeface="Calibri"/>
-            </a:endParaRPr>
-          </a:p>
-        </p:txBody>
-      </p:sp>
-      <p:sp>
-        <p:nvSpPr>
-          <p:cNvPr id="25" name="PlaceHolder 2"/>
-          <p:cNvSpPr>
-            <a:spLocks noGrp="1"/>
-          </p:cNvSpPr>
-          <p:nvPr>
-            <p:ph type="body"/>
-          </p:nvPr>
-        </p:nvSpPr>
-        <p:spPr>
-          <a:xfrm>
-            <a:off x="722160" y="2906640"/>
-            <a:ext cx="7772040" cy="1499760"/>
-          </a:xfrm>
-          <a:prstGeom prst="rect">
-            <a:avLst/>
-          </a:prstGeom>
-          <a:noFill/>
-          <a:ln w="0">
-            <a:noFill/>
-          </a:ln>
-        </p:spPr>
-        <p:txBody>
-          <a:bodyPr lIns="91440" rIns="91440" tIns="45720" bIns="45720" anchor="b">
-            <a:noAutofit/>
-          </a:bodyPr>
-          <a:p>
-            <a:pPr indent="0" defTabSz="457200">
-              <a:lnSpc>
-                <a:spcPct val="100000"/>
-              </a:lnSpc>
-              <a:spcBef>
-                <a:spcPts val="400"/>
-              </a:spcBef>
-              <a:buNone/>
-              <a:tabLst>
-                <a:tab algn="l" pos="0"/>
-              </a:tabLst>
-            </a:pPr>
-            <a:r>
-              <a:rPr b="0" lang="en-US" sz="2000" spc="-1" strike="noStrike">
-                <a:solidFill>
-                  <a:schemeClr val="dk1">
-                    <a:tint val="75000"/>
-                  </a:schemeClr>
-                </a:solidFill>
-                <a:latin typeface="Calibri"/>
-              </a:rPr>
-              <a:t>Click to edit Master text styles</a:t>
-            </a:r>
-            <a:endParaRPr b="0" lang="en-US" sz="2000" spc="-1" strike="noStrike">
-              <a:solidFill>
-                <a:schemeClr val="dk1"/>
-              </a:solidFill>
-              <a:latin typeface="Calibri"/>
-            </a:endParaRPr>
-          </a:p>
-        </p:txBody>
-      </p:sp>
-      <p:sp>
-        <p:nvSpPr>
-          <p:cNvPr id="26" name="PlaceHolder 3"/>
-          <p:cNvSpPr>
-            <a:spLocks noGrp="1"/>
-          </p:cNvSpPr>
-          <p:nvPr>
-            <p:ph type="dt" idx="13"/>
-          </p:nvPr>
-        </p:nvSpPr>
-        <p:spPr>
-          <a:xfrm>
-            <a:off x="457200" y="6356520"/>
-            <a:ext cx="2133360" cy="364680"/>
-          </a:xfrm>
-          <a:prstGeom prst="rect">
-            <a:avLst/>
-          </a:prstGeom>
-          <a:noFill/>
-          <a:ln w="0">
-            <a:noFill/>
-          </a:ln>
-        </p:spPr>
-        <p:txBody>
-          <a:bodyPr lIns="91440" rIns="91440" tIns="45720" bIns="45720" anchor="ctr">
-            <a:noAutofit/>
-          </a:bodyPr>
-          <a:lstStyle>
-            <a:lvl1pPr indent="0" defTabSz="457200">
-              <a:lnSpc>
-                <a:spcPct val="100000"/>
-              </a:lnSpc>
-              <a:buNone/>
-              <a:defRPr b="0" lang="en-US" sz="1200" spc="-1" strike="noStrike">
-                <a:solidFill>
-                  <a:schemeClr val="dk1">
-                    <a:tint val="75000"/>
-                  </a:schemeClr>
-                </a:solidFill>
-                <a:latin typeface="Calibri"/>
-              </a:defRPr>
-            </a:lvl1pPr>
-          </a:lstStyle>
-          <a:p>
-            <a:pPr indent="0" defTabSz="457200">
-              <a:lnSpc>
-                <a:spcPct val="100000"/>
-              </a:lnSpc>
-              <a:buNone/>
-            </a:pPr>
-            <a:r>
-              <a:rPr b="0" lang="en-US" sz="1200" spc="-1" strike="noStrike">
-                <a:solidFill>
-                  <a:schemeClr val="dk1">
-                    <a:tint val="75000"/>
-                  </a:schemeClr>
-                </a:solidFill>
-                <a:latin typeface="Calibri"/>
-              </a:rPr>
-              <a:t>&lt;data/hora&gt;</a:t>
-            </a:r>
-            <a:endParaRPr b="0" lang="pt-BR" sz="1200" spc="-1" strike="noStrike">
-              <a:solidFill>
-                <a:srgbClr val="000000"/>
-              </a:solidFill>
-              <a:latin typeface="Times New Roman"/>
-            </a:endParaRPr>
-          </a:p>
-        </p:txBody>
-      </p:sp>
-      <p:sp>
-        <p:nvSpPr>
-          <p:cNvPr id="27" name="PlaceHolder 4"/>
-          <p:cNvSpPr>
-            <a:spLocks noGrp="1"/>
-          </p:cNvSpPr>
-          <p:nvPr>
-            <p:ph type="ftr" idx="14"/>
+            <p:ph type="ftr" idx="13"/>
           </p:nvPr>
         </p:nvSpPr>
         <p:spPr>
           <a:xfrm>
             <a:off x="3124080" y="6356520"/>
-            <a:ext cx="2895120" cy="364680"/>
+            <a:ext cx="2894760" cy="364320"/>
           </a:xfrm>
           <a:prstGeom prst="rect">
             <a:avLst/>
@@ -4496,7 +3317,13 @@
           </a:bodyPr>
           <a:lstStyle>
             <a:lvl1pPr indent="0" algn="ctr">
+              <a:lnSpc>
+                <a:spcPct val="100000"/>
+              </a:lnSpc>
               <a:buNone/>
+              <a:tabLst>
+                <a:tab algn="l" pos="0"/>
+              </a:tabLst>
               <a:defRPr b="0" lang="pt-BR" sz="1400" spc="-1" strike="noStrike">
                 <a:solidFill>
                   <a:srgbClr val="000000"/>
@@ -4507,7 +3334,13 @@
           </a:lstStyle>
           <a:p>
             <a:pPr indent="0" algn="ctr">
+              <a:lnSpc>
+                <a:spcPct val="100000"/>
+              </a:lnSpc>
               <a:buNone/>
+              <a:tabLst>
+                <a:tab algn="l" pos="0"/>
+              </a:tabLst>
             </a:pPr>
             <a:r>
               <a:rPr b="0" lang="pt-BR" sz="1400" spc="-1" strike="noStrike">
@@ -4529,18 +3362,18 @@
       </p:sp>
       <p:sp>
         <p:nvSpPr>
-          <p:cNvPr id="28" name="PlaceHolder 5"/>
+          <p:cNvPr id="21" name="PlaceHolder 2"/>
           <p:cNvSpPr>
             <a:spLocks noGrp="1"/>
           </p:cNvSpPr>
           <p:nvPr>
-            <p:ph type="sldNum" idx="15"/>
+            <p:ph type="sldNum" idx="14"/>
           </p:nvPr>
         </p:nvSpPr>
         <p:spPr>
           <a:xfrm>
             <a:off x="6553080" y="6356520"/>
-            <a:ext cx="2133360" cy="364680"/>
+            <a:ext cx="2133000" cy="364320"/>
           </a:xfrm>
           <a:prstGeom prst="rect">
             <a:avLst/>
@@ -4560,6 +3393,9 @@
                 <a:spcPct val="100000"/>
               </a:lnSpc>
               <a:buNone/>
+              <a:tabLst>
+                <a:tab algn="l" pos="0"/>
+              </a:tabLst>
               <a:defRPr b="0" lang="en-US" sz="1200" spc="-1" strike="noStrike">
                 <a:solidFill>
                   <a:schemeClr val="dk1">
@@ -4576,8 +3412,11 @@
                 <a:spcPct val="100000"/>
               </a:lnSpc>
               <a:buNone/>
-            </a:pPr>
-            <a:fld id="{C934CB94-8040-4794-89A4-2C89029870A3}" type="slidenum">
+              <a:tabLst>
+                <a:tab algn="l" pos="0"/>
+              </a:tabLst>
+            </a:pPr>
+            <a:fld id="{60362E0F-F978-4EA5-A2A9-55E52BFCF880}" type="slidenum">
               <a:rPr b="0" lang="en-US" sz="1200" spc="-1" strike="noStrike">
                 <a:solidFill>
                   <a:schemeClr val="dk1">
@@ -4589,6 +3428,66 @@
               <a:t>&lt;número&gt;</a:t>
             </a:fld>
             <a:endParaRPr b="0" lang="pt-BR" sz="1200" spc="-1" strike="noStrike">
+              <a:solidFill>
+                <a:srgbClr val="000000"/>
+              </a:solidFill>
+              <a:latin typeface="Times New Roman"/>
+            </a:endParaRPr>
+          </a:p>
+        </p:txBody>
+      </p:sp>
+      <p:sp>
+        <p:nvSpPr>
+          <p:cNvPr id="22" name="PlaceHolder 3"/>
+          <p:cNvSpPr>
+            <a:spLocks noGrp="1"/>
+          </p:cNvSpPr>
+          <p:nvPr>
+            <p:ph type="dt" idx="15"/>
+          </p:nvPr>
+        </p:nvSpPr>
+        <p:spPr>
+          <a:xfrm>
+            <a:off x="457200" y="6356520"/>
+            <a:ext cx="2133000" cy="364320"/>
+          </a:xfrm>
+          <a:prstGeom prst="rect">
+            <a:avLst/>
+          </a:prstGeom>
+          <a:noFill/>
+          <a:ln w="0">
+            <a:noFill/>
+          </a:ln>
+        </p:spPr>
+        <p:txBody>
+          <a:bodyPr lIns="91440" rIns="91440" tIns="45720" bIns="45720" anchor="ctr">
+            <a:noAutofit/>
+          </a:bodyPr>
+          <a:lstStyle>
+            <a:lvl1pPr indent="0">
+              <a:buNone/>
+              <a:defRPr b="0" lang="pt-BR" sz="1400" spc="-1" strike="noStrike">
+                <a:solidFill>
+                  <a:srgbClr val="000000"/>
+                </a:solidFill>
+                <a:latin typeface="Times New Roman"/>
+              </a:defRPr>
+            </a:lvl1pPr>
+          </a:lstStyle>
+          <a:p>
+            <a:pPr indent="0">
+              <a:buNone/>
+            </a:pPr>
+            <a:r>
+              <a:rPr b="0" lang="pt-BR" sz="1400" spc="-1" strike="noStrike">
+                <a:solidFill>
+                  <a:srgbClr val="000000"/>
+                </a:solidFill>
+                <a:latin typeface="Times New Roman"/>
+              </a:rPr>
+              <a:t>&lt;data/hora&gt;</a:t>
+            </a:r>
+            <a:endParaRPr b="0" lang="pt-BR" sz="1400" spc="-1" strike="noStrike">
               <a:solidFill>
                 <a:srgbClr val="000000"/>
               </a:solidFill>
@@ -4632,7 +3531,7 @@
       </p:grpSpPr>
       <p:sp>
         <p:nvSpPr>
-          <p:cNvPr id="29" name="PlaceHolder 1"/>
+          <p:cNvPr id="23" name="PlaceHolder 1"/>
           <p:cNvSpPr>
             <a:spLocks noGrp="1"/>
           </p:cNvSpPr>
@@ -4643,7 +3542,7 @@
         <p:spPr>
           <a:xfrm>
             <a:off x="457200" y="274680"/>
-            <a:ext cx="8229240" cy="1142640"/>
+            <a:ext cx="8228880" cy="1142280"/>
           </a:xfrm>
           <a:prstGeom prst="rect">
             <a:avLst/>
@@ -4654,37 +3553,34 @@
           </a:ln>
         </p:spPr>
         <p:txBody>
-          <a:bodyPr lIns="91440" rIns="91440" tIns="45720" bIns="45720" anchor="ctr">
+          <a:bodyPr lIns="0" rIns="0" tIns="0" bIns="0" anchor="ctr">
             <a:noAutofit/>
           </a:bodyPr>
           <a:p>
-            <a:pPr indent="0" algn="ctr" defTabSz="457200">
-              <a:lnSpc>
-                <a:spcPct val="100000"/>
-              </a:lnSpc>
+            <a:pPr indent="0">
               <a:buNone/>
             </a:pPr>
             <a:r>
-              <a:rPr b="0" lang="en-US" sz="4400" spc="-1" strike="noStrike">
-                <a:solidFill>
-                  <a:schemeClr val="dk1"/>
-                </a:solidFill>
-                <a:latin typeface="Calibri"/>
-              </a:rPr>
-              <a:t>Click to edit Master title style</a:t>
-            </a:r>
-            <a:endParaRPr b="0" lang="en-US" sz="4400" spc="-1" strike="noStrike">
-              <a:solidFill>
-                <a:schemeClr val="dk1"/>
-              </a:solidFill>
-              <a:latin typeface="Calibri"/>
+              <a:rPr b="0" lang="pt-BR" sz="1800" spc="-1" strike="noStrike">
+                <a:solidFill>
+                  <a:srgbClr val="000000"/>
+                </a:solidFill>
+                <a:latin typeface="Arial"/>
+              </a:rPr>
+              <a:t>Clique para editar o formato do texto do título</a:t>
+            </a:r>
+            <a:endParaRPr b="0" lang="pt-BR" sz="1800" spc="-1" strike="noStrike">
+              <a:solidFill>
+                <a:srgbClr val="000000"/>
+              </a:solidFill>
+              <a:latin typeface="Arial"/>
             </a:endParaRPr>
           </a:p>
         </p:txBody>
       </p:sp>
       <p:sp>
         <p:nvSpPr>
-          <p:cNvPr id="30" name="PlaceHolder 2"/>
+          <p:cNvPr id="24" name="PlaceHolder 2"/>
           <p:cNvSpPr>
             <a:spLocks noGrp="1"/>
           </p:cNvSpPr>
@@ -4695,7 +3591,7 @@
         <p:spPr>
           <a:xfrm>
             <a:off x="457200" y="1600200"/>
-            <a:ext cx="4038120" cy="4525560"/>
+            <a:ext cx="4015440" cy="4525200"/>
           </a:xfrm>
           <a:prstGeom prst="rect">
             <a:avLst/>
@@ -4706,164 +3602,210 @@
           </a:ln>
         </p:spPr>
         <p:txBody>
-          <a:bodyPr lIns="91440" rIns="91440" tIns="45720" bIns="45720" anchor="t">
-            <a:noAutofit/>
+          <a:bodyPr lIns="0" rIns="0" tIns="0" bIns="0" anchor="t">
+            <a:normAutofit/>
           </a:bodyPr>
           <a:p>
-            <a:pPr marL="343080" indent="-343080" defTabSz="457200">
-              <a:lnSpc>
-                <a:spcPct val="100000"/>
-              </a:lnSpc>
+            <a:pPr marL="432000" indent="-324000">
               <a:spcBef>
-                <a:spcPts val="561"/>
+                <a:spcPts val="1417"/>
               </a:spcBef>
               <a:buClr>
                 <a:srgbClr val="000000"/>
               </a:buClr>
-              <a:buFont typeface="Arial"/>
-              <a:buChar char="•"/>
-            </a:pPr>
-            <a:r>
-              <a:rPr b="0" lang="en-US" sz="2800" spc="-1" strike="noStrike">
-                <a:solidFill>
-                  <a:schemeClr val="dk1"/>
-                </a:solidFill>
-                <a:latin typeface="Calibri"/>
-              </a:rPr>
-              <a:t>Click to edit Master text styles</a:t>
-            </a:r>
-            <a:endParaRPr b="0" lang="en-US" sz="2800" spc="-1" strike="noStrike">
-              <a:solidFill>
-                <a:schemeClr val="dk1"/>
-              </a:solidFill>
-              <a:latin typeface="Calibri"/>
-            </a:endParaRPr>
-          </a:p>
-          <a:p>
-            <a:pPr lvl="1" marL="743040" indent="-285840" defTabSz="457200">
-              <a:lnSpc>
-                <a:spcPct val="100000"/>
-              </a:lnSpc>
+              <a:buSzPct val="45000"/>
+              <a:buFont typeface="Wingdings" charset="2"/>
+              <a:buChar char=""/>
+            </a:pPr>
+            <a:r>
+              <a:rPr b="0" lang="pt-BR" sz="1800" spc="-1" strike="noStrike">
+                <a:solidFill>
+                  <a:srgbClr val="000000"/>
+                </a:solidFill>
+                <a:latin typeface="Arial"/>
+              </a:rPr>
+              <a:t>Clique para editar o formato de texto dos tópicos</a:t>
+            </a:r>
+            <a:endParaRPr b="0" lang="pt-BR" sz="1800" spc="-1" strike="noStrike">
+              <a:solidFill>
+                <a:srgbClr val="000000"/>
+              </a:solidFill>
+              <a:latin typeface="Arial"/>
+            </a:endParaRPr>
+          </a:p>
+          <a:p>
+            <a:pPr lvl="1" marL="864000" indent="-324000">
               <a:spcBef>
-                <a:spcPts val="479"/>
+                <a:spcPts val="1134"/>
               </a:spcBef>
               <a:buClr>
                 <a:srgbClr val="000000"/>
               </a:buClr>
-              <a:buFont typeface="Arial"/>
-              <a:buChar char="–"/>
-            </a:pPr>
-            <a:r>
-              <a:rPr b="0" lang="en-US" sz="2400" spc="-1" strike="noStrike">
-                <a:solidFill>
-                  <a:schemeClr val="dk1"/>
-                </a:solidFill>
-                <a:latin typeface="Calibri"/>
-              </a:rPr>
-              <a:t>Second level</a:t>
-            </a:r>
-            <a:endParaRPr b="0" lang="en-US" sz="2400" spc="-1" strike="noStrike">
-              <a:solidFill>
-                <a:schemeClr val="dk1"/>
-              </a:solidFill>
-              <a:latin typeface="Calibri"/>
-            </a:endParaRPr>
-          </a:p>
-          <a:p>
-            <a:pPr lvl="2" marL="1143000" indent="-228600" defTabSz="457200">
-              <a:lnSpc>
-                <a:spcPct val="100000"/>
-              </a:lnSpc>
+              <a:buSzPct val="75000"/>
+              <a:buFont typeface="Symbol" charset="2"/>
+              <a:buChar char=""/>
+            </a:pPr>
+            <a:r>
+              <a:rPr b="0" lang="pt-BR" sz="1800" spc="-1" strike="noStrike">
+                <a:solidFill>
+                  <a:srgbClr val="000000"/>
+                </a:solidFill>
+                <a:latin typeface="Arial"/>
+              </a:rPr>
+              <a:t>2.º nível de tópicos</a:t>
+            </a:r>
+            <a:endParaRPr b="0" lang="pt-BR" sz="1800" spc="-1" strike="noStrike">
+              <a:solidFill>
+                <a:srgbClr val="000000"/>
+              </a:solidFill>
+              <a:latin typeface="Arial"/>
+            </a:endParaRPr>
+          </a:p>
+          <a:p>
+            <a:pPr lvl="2" marL="1296000" indent="-288000">
               <a:spcBef>
-                <a:spcPts val="400"/>
+                <a:spcPts val="850"/>
               </a:spcBef>
               <a:buClr>
                 <a:srgbClr val="000000"/>
               </a:buClr>
-              <a:buFont typeface="Arial"/>
-              <a:buChar char="•"/>
-            </a:pPr>
-            <a:r>
-              <a:rPr b="0" lang="en-US" sz="2000" spc="-1" strike="noStrike">
-                <a:solidFill>
-                  <a:schemeClr val="dk1"/>
-                </a:solidFill>
-                <a:latin typeface="Calibri"/>
-              </a:rPr>
-              <a:t>Third level</a:t>
-            </a:r>
-            <a:endParaRPr b="0" lang="en-US" sz="2000" spc="-1" strike="noStrike">
-              <a:solidFill>
-                <a:schemeClr val="dk1"/>
-              </a:solidFill>
-              <a:latin typeface="Calibri"/>
-            </a:endParaRPr>
-          </a:p>
-          <a:p>
-            <a:pPr lvl="3" marL="1600200" indent="-228600" defTabSz="457200">
-              <a:lnSpc>
-                <a:spcPct val="100000"/>
-              </a:lnSpc>
+              <a:buSzPct val="45000"/>
+              <a:buFont typeface="Wingdings" charset="2"/>
+              <a:buChar char=""/>
+            </a:pPr>
+            <a:r>
+              <a:rPr b="0" lang="pt-BR" sz="1800" spc="-1" strike="noStrike">
+                <a:solidFill>
+                  <a:srgbClr val="000000"/>
+                </a:solidFill>
+                <a:latin typeface="Arial"/>
+              </a:rPr>
+              <a:t>3.º nível de tópicos</a:t>
+            </a:r>
+            <a:endParaRPr b="0" lang="pt-BR" sz="1800" spc="-1" strike="noStrike">
+              <a:solidFill>
+                <a:srgbClr val="000000"/>
+              </a:solidFill>
+              <a:latin typeface="Arial"/>
+            </a:endParaRPr>
+          </a:p>
+          <a:p>
+            <a:pPr lvl="3" marL="1728000" indent="-216000">
               <a:spcBef>
-                <a:spcPts val="360"/>
+                <a:spcPts val="567"/>
               </a:spcBef>
               <a:buClr>
                 <a:srgbClr val="000000"/>
               </a:buClr>
-              <a:buFont typeface="Arial"/>
-              <a:buChar char="–"/>
-            </a:pPr>
-            <a:r>
-              <a:rPr b="0" lang="en-US" sz="1800" spc="-1" strike="noStrike">
-                <a:solidFill>
-                  <a:schemeClr val="dk1"/>
-                </a:solidFill>
-                <a:latin typeface="Calibri"/>
-              </a:rPr>
-              <a:t>Fourth level</a:t>
-            </a:r>
-            <a:endParaRPr b="0" lang="en-US" sz="1800" spc="-1" strike="noStrike">
-              <a:solidFill>
-                <a:schemeClr val="dk1"/>
-              </a:solidFill>
-              <a:latin typeface="Calibri"/>
-            </a:endParaRPr>
-          </a:p>
-          <a:p>
-            <a:pPr lvl="4" marL="2057400" indent="-228600" defTabSz="457200">
-              <a:lnSpc>
-                <a:spcPct val="100000"/>
-              </a:lnSpc>
+              <a:buSzPct val="75000"/>
+              <a:buFont typeface="Symbol" charset="2"/>
+              <a:buChar char=""/>
+            </a:pPr>
+            <a:r>
+              <a:rPr b="0" lang="pt-BR" sz="1800" spc="-1" strike="noStrike">
+                <a:solidFill>
+                  <a:srgbClr val="000000"/>
+                </a:solidFill>
+                <a:latin typeface="Arial"/>
+              </a:rPr>
+              <a:t>4.º nível de tópicos</a:t>
+            </a:r>
+            <a:endParaRPr b="0" lang="pt-BR" sz="1800" spc="-1" strike="noStrike">
+              <a:solidFill>
+                <a:srgbClr val="000000"/>
+              </a:solidFill>
+              <a:latin typeface="Arial"/>
+            </a:endParaRPr>
+          </a:p>
+          <a:p>
+            <a:pPr lvl="4" marL="2160000" indent="-216000">
               <a:spcBef>
-                <a:spcPts val="360"/>
+                <a:spcPts val="283"/>
               </a:spcBef>
               <a:buClr>
                 <a:srgbClr val="000000"/>
               </a:buClr>
-              <a:buFont typeface="Arial"/>
-              <a:buChar char="»"/>
-            </a:pPr>
-            <a:r>
-              <a:rPr b="0" lang="en-US" sz="1800" spc="-1" strike="noStrike">
-                <a:solidFill>
-                  <a:schemeClr val="dk1"/>
-                </a:solidFill>
-                <a:latin typeface="Calibri"/>
-              </a:rPr>
-              <a:t>Fifth level</a:t>
-            </a:r>
-            <a:endParaRPr b="0" lang="en-US" sz="1800" spc="-1" strike="noStrike">
-              <a:solidFill>
-                <a:schemeClr val="dk1"/>
-              </a:solidFill>
-              <a:latin typeface="Calibri"/>
+              <a:buSzPct val="45000"/>
+              <a:buFont typeface="Wingdings" charset="2"/>
+              <a:buChar char=""/>
+            </a:pPr>
+            <a:r>
+              <a:rPr b="0" lang="pt-BR" sz="1800" spc="-1" strike="noStrike">
+                <a:solidFill>
+                  <a:srgbClr val="000000"/>
+                </a:solidFill>
+                <a:latin typeface="Arial"/>
+              </a:rPr>
+              <a:t>5.º nível de tópicos</a:t>
+            </a:r>
+            <a:endParaRPr b="0" lang="pt-BR" sz="1800" spc="-1" strike="noStrike">
+              <a:solidFill>
+                <a:srgbClr val="000000"/>
+              </a:solidFill>
+              <a:latin typeface="Arial"/>
+            </a:endParaRPr>
+          </a:p>
+          <a:p>
+            <a:pPr lvl="5" marL="2592000" indent="-216000">
+              <a:spcBef>
+                <a:spcPts val="283"/>
+              </a:spcBef>
+              <a:buClr>
+                <a:srgbClr val="000000"/>
+              </a:buClr>
+              <a:buSzPct val="45000"/>
+              <a:buFont typeface="Wingdings" charset="2"/>
+              <a:buChar char=""/>
+            </a:pPr>
+            <a:r>
+              <a:rPr b="0" lang="pt-BR" sz="1800" spc="-1" strike="noStrike">
+                <a:solidFill>
+                  <a:srgbClr val="000000"/>
+                </a:solidFill>
+                <a:latin typeface="Arial"/>
+              </a:rPr>
+              <a:t>6.º nível de tópicos</a:t>
+            </a:r>
+            <a:endParaRPr b="0" lang="pt-BR" sz="1800" spc="-1" strike="noStrike">
+              <a:solidFill>
+                <a:srgbClr val="000000"/>
+              </a:solidFill>
+              <a:latin typeface="Arial"/>
+            </a:endParaRPr>
+          </a:p>
+          <a:p>
+            <a:pPr lvl="6" marL="3024000" indent="-216000">
+              <a:spcBef>
+                <a:spcPts val="283"/>
+              </a:spcBef>
+              <a:buClr>
+                <a:srgbClr val="000000"/>
+              </a:buClr>
+              <a:buSzPct val="45000"/>
+              <a:buFont typeface="Wingdings" charset="2"/>
+              <a:buChar char=""/>
+            </a:pPr>
+            <a:r>
+              <a:rPr b="0" lang="pt-BR" sz="1800" spc="-1" strike="noStrike">
+                <a:solidFill>
+                  <a:srgbClr val="000000"/>
+                </a:solidFill>
+                <a:latin typeface="Arial"/>
+              </a:rPr>
+              <a:t>7.º nível de tópicos</a:t>
+            </a:r>
+            <a:endParaRPr b="0" lang="pt-BR" sz="1800" spc="-1" strike="noStrike">
+              <a:solidFill>
+                <a:srgbClr val="000000"/>
+              </a:solidFill>
+              <a:latin typeface="Arial"/>
             </a:endParaRPr>
           </a:p>
         </p:txBody>
       </p:sp>
       <p:sp>
         <p:nvSpPr>
-          <p:cNvPr id="31" name="PlaceHolder 3"/>
+          <p:cNvPr id="25" name="PlaceHolder 3"/>
           <p:cNvSpPr>
             <a:spLocks noGrp="1"/>
           </p:cNvSpPr>
@@ -4873,8 +3815,8 @@
         </p:nvSpPr>
         <p:spPr>
           <a:xfrm>
-            <a:off x="4648320" y="1600200"/>
-            <a:ext cx="4038120" cy="4525560"/>
+            <a:off x="4674240" y="1600200"/>
+            <a:ext cx="4015440" cy="4525200"/>
           </a:xfrm>
           <a:prstGeom prst="rect">
             <a:avLst/>
@@ -4885,245 +3827,221 @@
           </a:ln>
         </p:spPr>
         <p:txBody>
-          <a:bodyPr lIns="91440" rIns="91440" tIns="45720" bIns="45720" anchor="t">
-            <a:noAutofit/>
+          <a:bodyPr lIns="0" rIns="0" tIns="0" bIns="0" anchor="t">
+            <a:normAutofit/>
           </a:bodyPr>
           <a:p>
-            <a:pPr marL="343080" indent="-343080" defTabSz="457200">
-              <a:lnSpc>
-                <a:spcPct val="100000"/>
-              </a:lnSpc>
+            <a:pPr marL="432000" indent="-324000">
               <a:spcBef>
-                <a:spcPts val="561"/>
+                <a:spcPts val="1417"/>
               </a:spcBef>
               <a:buClr>
                 <a:srgbClr val="000000"/>
               </a:buClr>
-              <a:buFont typeface="Arial"/>
-              <a:buChar char="•"/>
-            </a:pPr>
-            <a:r>
-              <a:rPr b="0" lang="en-US" sz="2800" spc="-1" strike="noStrike">
-                <a:solidFill>
-                  <a:schemeClr val="dk1"/>
-                </a:solidFill>
-                <a:latin typeface="Calibri"/>
-              </a:rPr>
-              <a:t>Click to edit Master text styles</a:t>
-            </a:r>
-            <a:endParaRPr b="0" lang="en-US" sz="2800" spc="-1" strike="noStrike">
-              <a:solidFill>
-                <a:schemeClr val="dk1"/>
-              </a:solidFill>
-              <a:latin typeface="Calibri"/>
-            </a:endParaRPr>
-          </a:p>
-          <a:p>
-            <a:pPr lvl="1" marL="743040" indent="-285840" defTabSz="457200">
-              <a:lnSpc>
-                <a:spcPct val="100000"/>
-              </a:lnSpc>
+              <a:buSzPct val="45000"/>
+              <a:buFont typeface="Wingdings" charset="2"/>
+              <a:buChar char=""/>
+            </a:pPr>
+            <a:r>
+              <a:rPr b="0" lang="pt-BR" sz="1800" spc="-1" strike="noStrike">
+                <a:solidFill>
+                  <a:srgbClr val="000000"/>
+                </a:solidFill>
+                <a:latin typeface="Arial"/>
+              </a:rPr>
+              <a:t>Clique para editar o formato de texto dos tópicos</a:t>
+            </a:r>
+            <a:endParaRPr b="0" lang="pt-BR" sz="1800" spc="-1" strike="noStrike">
+              <a:solidFill>
+                <a:srgbClr val="000000"/>
+              </a:solidFill>
+              <a:latin typeface="Arial"/>
+            </a:endParaRPr>
+          </a:p>
+          <a:p>
+            <a:pPr lvl="1" marL="864000" indent="-324000">
               <a:spcBef>
-                <a:spcPts val="479"/>
+                <a:spcPts val="1134"/>
               </a:spcBef>
               <a:buClr>
                 <a:srgbClr val="000000"/>
               </a:buClr>
-              <a:buFont typeface="Arial"/>
-              <a:buChar char="–"/>
-            </a:pPr>
-            <a:r>
-              <a:rPr b="0" lang="en-US" sz="2400" spc="-1" strike="noStrike">
-                <a:solidFill>
-                  <a:schemeClr val="dk1"/>
-                </a:solidFill>
-                <a:latin typeface="Calibri"/>
-              </a:rPr>
-              <a:t>Second level</a:t>
-            </a:r>
-            <a:endParaRPr b="0" lang="en-US" sz="2400" spc="-1" strike="noStrike">
-              <a:solidFill>
-                <a:schemeClr val="dk1"/>
-              </a:solidFill>
-              <a:latin typeface="Calibri"/>
-            </a:endParaRPr>
-          </a:p>
-          <a:p>
-            <a:pPr lvl="2" marL="1143000" indent="-228600" defTabSz="457200">
-              <a:lnSpc>
-                <a:spcPct val="100000"/>
-              </a:lnSpc>
+              <a:buSzPct val="75000"/>
+              <a:buFont typeface="Symbol" charset="2"/>
+              <a:buChar char=""/>
+            </a:pPr>
+            <a:r>
+              <a:rPr b="0" lang="pt-BR" sz="1800" spc="-1" strike="noStrike">
+                <a:solidFill>
+                  <a:srgbClr val="000000"/>
+                </a:solidFill>
+                <a:latin typeface="Arial"/>
+              </a:rPr>
+              <a:t>2.º nível de tópicos</a:t>
+            </a:r>
+            <a:endParaRPr b="0" lang="pt-BR" sz="1800" spc="-1" strike="noStrike">
+              <a:solidFill>
+                <a:srgbClr val="000000"/>
+              </a:solidFill>
+              <a:latin typeface="Arial"/>
+            </a:endParaRPr>
+          </a:p>
+          <a:p>
+            <a:pPr lvl="2" marL="1296000" indent="-288000">
               <a:spcBef>
-                <a:spcPts val="400"/>
+                <a:spcPts val="850"/>
               </a:spcBef>
               <a:buClr>
                 <a:srgbClr val="000000"/>
               </a:buClr>
-              <a:buFont typeface="Arial"/>
-              <a:buChar char="•"/>
-            </a:pPr>
-            <a:r>
-              <a:rPr b="0" lang="en-US" sz="2000" spc="-1" strike="noStrike">
-                <a:solidFill>
-                  <a:schemeClr val="dk1"/>
-                </a:solidFill>
-                <a:latin typeface="Calibri"/>
-              </a:rPr>
-              <a:t>Third level</a:t>
-            </a:r>
-            <a:endParaRPr b="0" lang="en-US" sz="2000" spc="-1" strike="noStrike">
-              <a:solidFill>
-                <a:schemeClr val="dk1"/>
-              </a:solidFill>
-              <a:latin typeface="Calibri"/>
-            </a:endParaRPr>
-          </a:p>
-          <a:p>
-            <a:pPr lvl="3" marL="1600200" indent="-228600" defTabSz="457200">
-              <a:lnSpc>
-                <a:spcPct val="100000"/>
-              </a:lnSpc>
+              <a:buSzPct val="45000"/>
+              <a:buFont typeface="Wingdings" charset="2"/>
+              <a:buChar char=""/>
+            </a:pPr>
+            <a:r>
+              <a:rPr b="0" lang="pt-BR" sz="1800" spc="-1" strike="noStrike">
+                <a:solidFill>
+                  <a:srgbClr val="000000"/>
+                </a:solidFill>
+                <a:latin typeface="Arial"/>
+              </a:rPr>
+              <a:t>3.º nível de tópicos</a:t>
+            </a:r>
+            <a:endParaRPr b="0" lang="pt-BR" sz="1800" spc="-1" strike="noStrike">
+              <a:solidFill>
+                <a:srgbClr val="000000"/>
+              </a:solidFill>
+              <a:latin typeface="Arial"/>
+            </a:endParaRPr>
+          </a:p>
+          <a:p>
+            <a:pPr lvl="3" marL="1728000" indent="-216000">
               <a:spcBef>
-                <a:spcPts val="360"/>
+                <a:spcPts val="567"/>
               </a:spcBef>
               <a:buClr>
                 <a:srgbClr val="000000"/>
               </a:buClr>
-              <a:buFont typeface="Arial"/>
-              <a:buChar char="–"/>
-            </a:pPr>
-            <a:r>
-              <a:rPr b="0" lang="en-US" sz="1800" spc="-1" strike="noStrike">
-                <a:solidFill>
-                  <a:schemeClr val="dk1"/>
-                </a:solidFill>
-                <a:latin typeface="Calibri"/>
-              </a:rPr>
-              <a:t>Fourth level</a:t>
-            </a:r>
-            <a:endParaRPr b="0" lang="en-US" sz="1800" spc="-1" strike="noStrike">
-              <a:solidFill>
-                <a:schemeClr val="dk1"/>
-              </a:solidFill>
-              <a:latin typeface="Calibri"/>
-            </a:endParaRPr>
-          </a:p>
-          <a:p>
-            <a:pPr lvl="4" marL="2057400" indent="-228600" defTabSz="457200">
-              <a:lnSpc>
-                <a:spcPct val="100000"/>
-              </a:lnSpc>
+              <a:buSzPct val="75000"/>
+              <a:buFont typeface="Symbol" charset="2"/>
+              <a:buChar char=""/>
+            </a:pPr>
+            <a:r>
+              <a:rPr b="0" lang="pt-BR" sz="1800" spc="-1" strike="noStrike">
+                <a:solidFill>
+                  <a:srgbClr val="000000"/>
+                </a:solidFill>
+                <a:latin typeface="Arial"/>
+              </a:rPr>
+              <a:t>4.º nível de tópicos</a:t>
+            </a:r>
+            <a:endParaRPr b="0" lang="pt-BR" sz="1800" spc="-1" strike="noStrike">
+              <a:solidFill>
+                <a:srgbClr val="000000"/>
+              </a:solidFill>
+              <a:latin typeface="Arial"/>
+            </a:endParaRPr>
+          </a:p>
+          <a:p>
+            <a:pPr lvl="4" marL="2160000" indent="-216000">
               <a:spcBef>
-                <a:spcPts val="360"/>
+                <a:spcPts val="283"/>
               </a:spcBef>
               <a:buClr>
                 <a:srgbClr val="000000"/>
               </a:buClr>
-              <a:buFont typeface="Arial"/>
-              <a:buChar char="»"/>
-            </a:pPr>
-            <a:r>
-              <a:rPr b="0" lang="en-US" sz="1800" spc="-1" strike="noStrike">
-                <a:solidFill>
-                  <a:schemeClr val="dk1"/>
-                </a:solidFill>
-                <a:latin typeface="Calibri"/>
-              </a:rPr>
-              <a:t>Fifth level</a:t>
-            </a:r>
-            <a:endParaRPr b="0" lang="en-US" sz="1800" spc="-1" strike="noStrike">
-              <a:solidFill>
-                <a:schemeClr val="dk1"/>
-              </a:solidFill>
-              <a:latin typeface="Calibri"/>
+              <a:buSzPct val="45000"/>
+              <a:buFont typeface="Wingdings" charset="2"/>
+              <a:buChar char=""/>
+            </a:pPr>
+            <a:r>
+              <a:rPr b="0" lang="pt-BR" sz="1800" spc="-1" strike="noStrike">
+                <a:solidFill>
+                  <a:srgbClr val="000000"/>
+                </a:solidFill>
+                <a:latin typeface="Arial"/>
+              </a:rPr>
+              <a:t>5.º nível de tópicos</a:t>
+            </a:r>
+            <a:endParaRPr b="0" lang="pt-BR" sz="1800" spc="-1" strike="noStrike">
+              <a:solidFill>
+                <a:srgbClr val="000000"/>
+              </a:solidFill>
+              <a:latin typeface="Arial"/>
+            </a:endParaRPr>
+          </a:p>
+          <a:p>
+            <a:pPr lvl="5" marL="2592000" indent="-216000">
+              <a:spcBef>
+                <a:spcPts val="283"/>
+              </a:spcBef>
+              <a:buClr>
+                <a:srgbClr val="000000"/>
+              </a:buClr>
+              <a:buSzPct val="45000"/>
+              <a:buFont typeface="Wingdings" charset="2"/>
+              <a:buChar char=""/>
+            </a:pPr>
+            <a:r>
+              <a:rPr b="0" lang="pt-BR" sz="1800" spc="-1" strike="noStrike">
+                <a:solidFill>
+                  <a:srgbClr val="000000"/>
+                </a:solidFill>
+                <a:latin typeface="Arial"/>
+              </a:rPr>
+              <a:t>6.º nível de tópicos</a:t>
+            </a:r>
+            <a:endParaRPr b="0" lang="pt-BR" sz="1800" spc="-1" strike="noStrike">
+              <a:solidFill>
+                <a:srgbClr val="000000"/>
+              </a:solidFill>
+              <a:latin typeface="Arial"/>
+            </a:endParaRPr>
+          </a:p>
+          <a:p>
+            <a:pPr lvl="6" marL="3024000" indent="-216000">
+              <a:spcBef>
+                <a:spcPts val="283"/>
+              </a:spcBef>
+              <a:buClr>
+                <a:srgbClr val="000000"/>
+              </a:buClr>
+              <a:buSzPct val="45000"/>
+              <a:buFont typeface="Wingdings" charset="2"/>
+              <a:buChar char=""/>
+            </a:pPr>
+            <a:r>
+              <a:rPr b="0" lang="pt-BR" sz="1800" spc="-1" strike="noStrike">
+                <a:solidFill>
+                  <a:srgbClr val="000000"/>
+                </a:solidFill>
+                <a:latin typeface="Arial"/>
+              </a:rPr>
+              <a:t>7.º nível de tópicos</a:t>
+            </a:r>
+            <a:endParaRPr b="0" lang="pt-BR" sz="1800" spc="-1" strike="noStrike">
+              <a:solidFill>
+                <a:srgbClr val="000000"/>
+              </a:solidFill>
+              <a:latin typeface="Arial"/>
             </a:endParaRPr>
           </a:p>
         </p:txBody>
       </p:sp>
       <p:sp>
         <p:nvSpPr>
-          <p:cNvPr id="32" name="PlaceHolder 4"/>
+          <p:cNvPr id="26" name="PlaceHolder 4"/>
           <p:cNvSpPr>
             <a:spLocks noGrp="1"/>
           </p:cNvSpPr>
           <p:nvPr>
-            <p:ph type="dt" idx="16"/>
-          </p:nvPr>
-        </p:nvSpPr>
-        <p:spPr>
-          <a:xfrm>
-            <a:off x="457200" y="6356520"/>
-            <a:ext cx="2133360" cy="364680"/>
-          </a:xfrm>
-          <a:prstGeom prst="rect">
-            <a:avLst/>
-          </a:prstGeom>
-          <a:noFill/>
-          <a:ln w="0">
-            <a:noFill/>
-          </a:ln>
-        </p:spPr>
-        <p:txBody>
-          <a:bodyPr lIns="91440" rIns="91440" tIns="45720" bIns="45720" anchor="ctr">
-            <a:noAutofit/>
-          </a:bodyPr>
-          <a:lstStyle>
-            <a:lvl1pPr indent="0" defTabSz="457200">
-              <a:lnSpc>
-                <a:spcPct val="100000"/>
-              </a:lnSpc>
-              <a:buNone/>
-              <a:defRPr b="0" lang="en-US" sz="1200" spc="-1" strike="noStrike">
-                <a:solidFill>
-                  <a:schemeClr val="dk1">
-                    <a:tint val="75000"/>
-                  </a:schemeClr>
-                </a:solidFill>
-                <a:latin typeface="Calibri"/>
-              </a:defRPr>
-            </a:lvl1pPr>
-          </a:lstStyle>
-          <a:p>
-            <a:pPr indent="0" defTabSz="457200">
-              <a:lnSpc>
-                <a:spcPct val="100000"/>
-              </a:lnSpc>
-              <a:buNone/>
-            </a:pPr>
-            <a:r>
-              <a:rPr b="0" lang="en-US" sz="1200" spc="-1" strike="noStrike">
-                <a:solidFill>
-                  <a:schemeClr val="dk1">
-                    <a:tint val="75000"/>
-                  </a:schemeClr>
-                </a:solidFill>
-                <a:latin typeface="Calibri"/>
-              </a:rPr>
-              <a:t>&lt;data/hora&gt;</a:t>
-            </a:r>
-            <a:endParaRPr b="0" lang="pt-BR" sz="1200" spc="-1" strike="noStrike">
-              <a:solidFill>
-                <a:srgbClr val="000000"/>
-              </a:solidFill>
-              <a:latin typeface="Times New Roman"/>
-            </a:endParaRPr>
-          </a:p>
-        </p:txBody>
-      </p:sp>
-      <p:sp>
-        <p:nvSpPr>
-          <p:cNvPr id="33" name="PlaceHolder 5"/>
-          <p:cNvSpPr>
-            <a:spLocks noGrp="1"/>
-          </p:cNvSpPr>
-          <p:nvPr>
-            <p:ph type="ftr" idx="17"/>
+            <p:ph type="ftr" idx="16"/>
           </p:nvPr>
         </p:nvSpPr>
         <p:spPr>
           <a:xfrm>
             <a:off x="3124080" y="6356520"/>
-            <a:ext cx="2895120" cy="364680"/>
+            <a:ext cx="2894760" cy="364320"/>
           </a:xfrm>
           <a:prstGeom prst="rect">
             <a:avLst/>
@@ -5139,7 +4057,13 @@
           </a:bodyPr>
           <a:lstStyle>
             <a:lvl1pPr indent="0" algn="ctr">
+              <a:lnSpc>
+                <a:spcPct val="100000"/>
+              </a:lnSpc>
               <a:buNone/>
+              <a:tabLst>
+                <a:tab algn="l" pos="0"/>
+              </a:tabLst>
               <a:defRPr b="0" lang="pt-BR" sz="1400" spc="-1" strike="noStrike">
                 <a:solidFill>
                   <a:srgbClr val="000000"/>
@@ -5150,7 +4074,13 @@
           </a:lstStyle>
           <a:p>
             <a:pPr indent="0" algn="ctr">
+              <a:lnSpc>
+                <a:spcPct val="100000"/>
+              </a:lnSpc>
               <a:buNone/>
+              <a:tabLst>
+                <a:tab algn="l" pos="0"/>
+              </a:tabLst>
             </a:pPr>
             <a:r>
               <a:rPr b="0" lang="pt-BR" sz="1400" spc="-1" strike="noStrike">
@@ -5172,18 +4102,18 @@
       </p:sp>
       <p:sp>
         <p:nvSpPr>
-          <p:cNvPr id="34" name="PlaceHolder 6"/>
+          <p:cNvPr id="27" name="PlaceHolder 5"/>
           <p:cNvSpPr>
             <a:spLocks noGrp="1"/>
           </p:cNvSpPr>
           <p:nvPr>
-            <p:ph type="sldNum" idx="18"/>
+            <p:ph type="sldNum" idx="17"/>
           </p:nvPr>
         </p:nvSpPr>
         <p:spPr>
           <a:xfrm>
             <a:off x="6553080" y="6356520"/>
-            <a:ext cx="2133360" cy="364680"/>
+            <a:ext cx="2133000" cy="364320"/>
           </a:xfrm>
           <a:prstGeom prst="rect">
             <a:avLst/>
@@ -5203,6 +4133,9 @@
                 <a:spcPct val="100000"/>
               </a:lnSpc>
               <a:buNone/>
+              <a:tabLst>
+                <a:tab algn="l" pos="0"/>
+              </a:tabLst>
               <a:defRPr b="0" lang="en-US" sz="1200" spc="-1" strike="noStrike">
                 <a:solidFill>
                   <a:schemeClr val="dk1">
@@ -5219,8 +4152,11 @@
                 <a:spcPct val="100000"/>
               </a:lnSpc>
               <a:buNone/>
-            </a:pPr>
-            <a:fld id="{C54A5262-7583-458B-9704-A27810900936}" type="slidenum">
+              <a:tabLst>
+                <a:tab algn="l" pos="0"/>
+              </a:tabLst>
+            </a:pPr>
+            <a:fld id="{1E51ED0C-4097-4C88-9526-7432CAF55D8D}" type="slidenum">
               <a:rPr b="0" lang="en-US" sz="1200" spc="-1" strike="noStrike">
                 <a:solidFill>
                   <a:schemeClr val="dk1">
@@ -5232,6 +4168,66 @@
               <a:t>&lt;número&gt;</a:t>
             </a:fld>
             <a:endParaRPr b="0" lang="pt-BR" sz="1200" spc="-1" strike="noStrike">
+              <a:solidFill>
+                <a:srgbClr val="000000"/>
+              </a:solidFill>
+              <a:latin typeface="Times New Roman"/>
+            </a:endParaRPr>
+          </a:p>
+        </p:txBody>
+      </p:sp>
+      <p:sp>
+        <p:nvSpPr>
+          <p:cNvPr id="28" name="PlaceHolder 6"/>
+          <p:cNvSpPr>
+            <a:spLocks noGrp="1"/>
+          </p:cNvSpPr>
+          <p:nvPr>
+            <p:ph type="dt" idx="18"/>
+          </p:nvPr>
+        </p:nvSpPr>
+        <p:spPr>
+          <a:xfrm>
+            <a:off x="457200" y="6356520"/>
+            <a:ext cx="2133000" cy="364320"/>
+          </a:xfrm>
+          <a:prstGeom prst="rect">
+            <a:avLst/>
+          </a:prstGeom>
+          <a:noFill/>
+          <a:ln w="0">
+            <a:noFill/>
+          </a:ln>
+        </p:spPr>
+        <p:txBody>
+          <a:bodyPr lIns="91440" rIns="91440" tIns="45720" bIns="45720" anchor="ctr">
+            <a:noAutofit/>
+          </a:bodyPr>
+          <a:lstStyle>
+            <a:lvl1pPr indent="0">
+              <a:buNone/>
+              <a:defRPr b="0" lang="pt-BR" sz="1400" spc="-1" strike="noStrike">
+                <a:solidFill>
+                  <a:srgbClr val="000000"/>
+                </a:solidFill>
+                <a:latin typeface="Times New Roman"/>
+              </a:defRPr>
+            </a:lvl1pPr>
+          </a:lstStyle>
+          <a:p>
+            <a:pPr indent="0">
+              <a:buNone/>
+            </a:pPr>
+            <a:r>
+              <a:rPr b="0" lang="pt-BR" sz="1400" spc="-1" strike="noStrike">
+                <a:solidFill>
+                  <a:srgbClr val="000000"/>
+                </a:solidFill>
+                <a:latin typeface="Times New Roman"/>
+              </a:rPr>
+              <a:t>&lt;data/hora&gt;</a:t>
+            </a:r>
+            <a:endParaRPr b="0" lang="pt-BR" sz="1400" spc="-1" strike="noStrike">
               <a:solidFill>
                 <a:srgbClr val="000000"/>
               </a:solidFill>
@@ -5275,614 +4271,18 @@
       </p:grpSpPr>
       <p:sp>
         <p:nvSpPr>
-          <p:cNvPr id="38" name="PlaceHolder 1"/>
+          <p:cNvPr id="32" name="PlaceHolder 1"/>
           <p:cNvSpPr>
             <a:spLocks noGrp="1"/>
           </p:cNvSpPr>
           <p:nvPr>
-            <p:ph type="title"/>
-          </p:nvPr>
-        </p:nvSpPr>
-        <p:spPr>
-          <a:xfrm>
-            <a:off x="457200" y="274680"/>
-            <a:ext cx="8229240" cy="1142640"/>
-          </a:xfrm>
-          <a:prstGeom prst="rect">
-            <a:avLst/>
-          </a:prstGeom>
-          <a:noFill/>
-          <a:ln w="0">
-            <a:noFill/>
-          </a:ln>
-        </p:spPr>
-        <p:txBody>
-          <a:bodyPr lIns="91440" rIns="91440" tIns="45720" bIns="45720" anchor="ctr">
-            <a:noAutofit/>
-          </a:bodyPr>
-          <a:p>
-            <a:pPr indent="0" algn="ctr" defTabSz="457200">
-              <a:lnSpc>
-                <a:spcPct val="100000"/>
-              </a:lnSpc>
-              <a:buNone/>
-            </a:pPr>
-            <a:r>
-              <a:rPr b="0" lang="en-US" sz="4400" spc="-1" strike="noStrike">
-                <a:solidFill>
-                  <a:schemeClr val="dk1"/>
-                </a:solidFill>
-                <a:latin typeface="Calibri"/>
-              </a:rPr>
-              <a:t>Click to edit Master title style</a:t>
-            </a:r>
-            <a:endParaRPr b="0" lang="en-US" sz="4400" spc="-1" strike="noStrike">
-              <a:solidFill>
-                <a:schemeClr val="dk1"/>
-              </a:solidFill>
-              <a:latin typeface="Calibri"/>
-            </a:endParaRPr>
-          </a:p>
-        </p:txBody>
-      </p:sp>
-      <p:sp>
-        <p:nvSpPr>
-          <p:cNvPr id="39" name="PlaceHolder 2"/>
-          <p:cNvSpPr>
-            <a:spLocks noGrp="1"/>
-          </p:cNvSpPr>
-          <p:nvPr>
-            <p:ph type="body"/>
-          </p:nvPr>
-        </p:nvSpPr>
-        <p:spPr>
-          <a:xfrm>
-            <a:off x="457200" y="1535040"/>
-            <a:ext cx="4039920" cy="639360"/>
-          </a:xfrm>
-          <a:prstGeom prst="rect">
-            <a:avLst/>
-          </a:prstGeom>
-          <a:noFill/>
-          <a:ln w="0">
-            <a:noFill/>
-          </a:ln>
-        </p:spPr>
-        <p:txBody>
-          <a:bodyPr lIns="91440" rIns="91440" tIns="45720" bIns="45720" anchor="b">
-            <a:noAutofit/>
-          </a:bodyPr>
-          <a:p>
-            <a:pPr indent="0" defTabSz="457200">
-              <a:lnSpc>
-                <a:spcPct val="100000"/>
-              </a:lnSpc>
-              <a:spcBef>
-                <a:spcPts val="479"/>
-              </a:spcBef>
-              <a:buNone/>
-              <a:tabLst>
-                <a:tab algn="l" pos="0"/>
-              </a:tabLst>
-            </a:pPr>
-            <a:r>
-              <a:rPr b="1" lang="en-US" sz="2400" spc="-1" strike="noStrike">
-                <a:solidFill>
-                  <a:schemeClr val="dk1"/>
-                </a:solidFill>
-                <a:latin typeface="Calibri"/>
-              </a:rPr>
-              <a:t>Click to edit Master text styles</a:t>
-            </a:r>
-            <a:endParaRPr b="0" lang="en-US" sz="2400" spc="-1" strike="noStrike">
-              <a:solidFill>
-                <a:schemeClr val="dk1"/>
-              </a:solidFill>
-              <a:latin typeface="Calibri"/>
-            </a:endParaRPr>
-          </a:p>
-        </p:txBody>
-      </p:sp>
-      <p:sp>
-        <p:nvSpPr>
-          <p:cNvPr id="40" name="PlaceHolder 3"/>
-          <p:cNvSpPr>
-            <a:spLocks noGrp="1"/>
-          </p:cNvSpPr>
-          <p:nvPr>
-            <p:ph type="body"/>
-          </p:nvPr>
-        </p:nvSpPr>
-        <p:spPr>
-          <a:xfrm>
-            <a:off x="457200" y="2174760"/>
-            <a:ext cx="4039920" cy="3951000"/>
-          </a:xfrm>
-          <a:prstGeom prst="rect">
-            <a:avLst/>
-          </a:prstGeom>
-          <a:noFill/>
-          <a:ln w="0">
-            <a:noFill/>
-          </a:ln>
-        </p:spPr>
-        <p:txBody>
-          <a:bodyPr lIns="91440" rIns="91440" tIns="45720" bIns="45720" anchor="t">
-            <a:noAutofit/>
-          </a:bodyPr>
-          <a:p>
-            <a:pPr marL="343080" indent="-343080" defTabSz="457200">
-              <a:lnSpc>
-                <a:spcPct val="100000"/>
-              </a:lnSpc>
-              <a:spcBef>
-                <a:spcPts val="479"/>
-              </a:spcBef>
-              <a:buClr>
-                <a:srgbClr val="000000"/>
-              </a:buClr>
-              <a:buFont typeface="Arial"/>
-              <a:buChar char="•"/>
-            </a:pPr>
-            <a:r>
-              <a:rPr b="0" lang="en-US" sz="2400" spc="-1" strike="noStrike">
-                <a:solidFill>
-                  <a:schemeClr val="dk1"/>
-                </a:solidFill>
-                <a:latin typeface="Calibri"/>
-              </a:rPr>
-              <a:t>Click to edit Master text styles</a:t>
-            </a:r>
-            <a:endParaRPr b="0" lang="en-US" sz="2400" spc="-1" strike="noStrike">
-              <a:solidFill>
-                <a:schemeClr val="dk1"/>
-              </a:solidFill>
-              <a:latin typeface="Calibri"/>
-            </a:endParaRPr>
-          </a:p>
-          <a:p>
-            <a:pPr lvl="1" marL="743040" indent="-285840" defTabSz="457200">
-              <a:lnSpc>
-                <a:spcPct val="100000"/>
-              </a:lnSpc>
-              <a:spcBef>
-                <a:spcPts val="400"/>
-              </a:spcBef>
-              <a:buClr>
-                <a:srgbClr val="000000"/>
-              </a:buClr>
-              <a:buFont typeface="Arial"/>
-              <a:buChar char="–"/>
-            </a:pPr>
-            <a:r>
-              <a:rPr b="0" lang="en-US" sz="2000" spc="-1" strike="noStrike">
-                <a:solidFill>
-                  <a:schemeClr val="dk1"/>
-                </a:solidFill>
-                <a:latin typeface="Calibri"/>
-              </a:rPr>
-              <a:t>Second level</a:t>
-            </a:r>
-            <a:endParaRPr b="0" lang="en-US" sz="2000" spc="-1" strike="noStrike">
-              <a:solidFill>
-                <a:schemeClr val="dk1"/>
-              </a:solidFill>
-              <a:latin typeface="Calibri"/>
-            </a:endParaRPr>
-          </a:p>
-          <a:p>
-            <a:pPr lvl="2" marL="1143000" indent="-228600" defTabSz="457200">
-              <a:lnSpc>
-                <a:spcPct val="100000"/>
-              </a:lnSpc>
-              <a:spcBef>
-                <a:spcPts val="360"/>
-              </a:spcBef>
-              <a:buClr>
-                <a:srgbClr val="000000"/>
-              </a:buClr>
-              <a:buFont typeface="Arial"/>
-              <a:buChar char="•"/>
-            </a:pPr>
-            <a:r>
-              <a:rPr b="0" lang="en-US" sz="1800" spc="-1" strike="noStrike">
-                <a:solidFill>
-                  <a:schemeClr val="dk1"/>
-                </a:solidFill>
-                <a:latin typeface="Calibri"/>
-              </a:rPr>
-              <a:t>Third level</a:t>
-            </a:r>
-            <a:endParaRPr b="0" lang="en-US" sz="1800" spc="-1" strike="noStrike">
-              <a:solidFill>
-                <a:schemeClr val="dk1"/>
-              </a:solidFill>
-              <a:latin typeface="Calibri"/>
-            </a:endParaRPr>
-          </a:p>
-          <a:p>
-            <a:pPr lvl="3" marL="1600200" indent="-228600" defTabSz="457200">
-              <a:lnSpc>
-                <a:spcPct val="100000"/>
-              </a:lnSpc>
-              <a:spcBef>
-                <a:spcPts val="320"/>
-              </a:spcBef>
-              <a:buClr>
-                <a:srgbClr val="000000"/>
-              </a:buClr>
-              <a:buFont typeface="Arial"/>
-              <a:buChar char="–"/>
-            </a:pPr>
-            <a:r>
-              <a:rPr b="0" lang="en-US" sz="1600" spc="-1" strike="noStrike">
-                <a:solidFill>
-                  <a:schemeClr val="dk1"/>
-                </a:solidFill>
-                <a:latin typeface="Calibri"/>
-              </a:rPr>
-              <a:t>Fourth level</a:t>
-            </a:r>
-            <a:endParaRPr b="0" lang="en-US" sz="1600" spc="-1" strike="noStrike">
-              <a:solidFill>
-                <a:schemeClr val="dk1"/>
-              </a:solidFill>
-              <a:latin typeface="Calibri"/>
-            </a:endParaRPr>
-          </a:p>
-          <a:p>
-            <a:pPr lvl="4" marL="2057400" indent="-228600" defTabSz="457200">
-              <a:lnSpc>
-                <a:spcPct val="100000"/>
-              </a:lnSpc>
-              <a:spcBef>
-                <a:spcPts val="320"/>
-              </a:spcBef>
-              <a:buClr>
-                <a:srgbClr val="000000"/>
-              </a:buClr>
-              <a:buFont typeface="Arial"/>
-              <a:buChar char="»"/>
-            </a:pPr>
-            <a:r>
-              <a:rPr b="0" lang="en-US" sz="1600" spc="-1" strike="noStrike">
-                <a:solidFill>
-                  <a:schemeClr val="dk1"/>
-                </a:solidFill>
-                <a:latin typeface="Calibri"/>
-              </a:rPr>
-              <a:t>Fifth level</a:t>
-            </a:r>
-            <a:endParaRPr b="0" lang="en-US" sz="1600" spc="-1" strike="noStrike">
-              <a:solidFill>
-                <a:schemeClr val="dk1"/>
-              </a:solidFill>
-              <a:latin typeface="Calibri"/>
-            </a:endParaRPr>
-          </a:p>
-        </p:txBody>
-      </p:sp>
-      <p:sp>
-        <p:nvSpPr>
-          <p:cNvPr id="41" name="PlaceHolder 4"/>
-          <p:cNvSpPr>
-            <a:spLocks noGrp="1"/>
-          </p:cNvSpPr>
-          <p:nvPr>
-            <p:ph type="body"/>
-          </p:nvPr>
-        </p:nvSpPr>
-        <p:spPr>
-          <a:xfrm>
-            <a:off x="4645080" y="1535040"/>
-            <a:ext cx="4041360" cy="639360"/>
-          </a:xfrm>
-          <a:prstGeom prst="rect">
-            <a:avLst/>
-          </a:prstGeom>
-          <a:noFill/>
-          <a:ln w="0">
-            <a:noFill/>
-          </a:ln>
-        </p:spPr>
-        <p:txBody>
-          <a:bodyPr lIns="91440" rIns="91440" tIns="45720" bIns="45720" anchor="b">
-            <a:noAutofit/>
-          </a:bodyPr>
-          <a:p>
-            <a:pPr indent="0" defTabSz="457200">
-              <a:lnSpc>
-                <a:spcPct val="100000"/>
-              </a:lnSpc>
-              <a:spcBef>
-                <a:spcPts val="479"/>
-              </a:spcBef>
-              <a:buNone/>
-              <a:tabLst>
-                <a:tab algn="l" pos="0"/>
-              </a:tabLst>
-            </a:pPr>
-            <a:r>
-              <a:rPr b="1" lang="en-US" sz="2400" spc="-1" strike="noStrike">
-                <a:solidFill>
-                  <a:schemeClr val="dk1"/>
-                </a:solidFill>
-                <a:latin typeface="Calibri"/>
-              </a:rPr>
-              <a:t>Click to edit Master text styles</a:t>
-            </a:r>
-            <a:endParaRPr b="0" lang="en-US" sz="2400" spc="-1" strike="noStrike">
-              <a:solidFill>
-                <a:schemeClr val="dk1"/>
-              </a:solidFill>
-              <a:latin typeface="Calibri"/>
-            </a:endParaRPr>
-          </a:p>
-        </p:txBody>
-      </p:sp>
-      <p:sp>
-        <p:nvSpPr>
-          <p:cNvPr id="42" name="PlaceHolder 5"/>
-          <p:cNvSpPr>
-            <a:spLocks noGrp="1"/>
-          </p:cNvSpPr>
-          <p:nvPr>
-            <p:ph type="body"/>
-          </p:nvPr>
-        </p:nvSpPr>
-        <p:spPr>
-          <a:xfrm>
-            <a:off x="4645080" y="2174760"/>
-            <a:ext cx="4041360" cy="3951000"/>
-          </a:xfrm>
-          <a:prstGeom prst="rect">
-            <a:avLst/>
-          </a:prstGeom>
-          <a:noFill/>
-          <a:ln w="0">
-            <a:noFill/>
-          </a:ln>
-        </p:spPr>
-        <p:txBody>
-          <a:bodyPr lIns="91440" rIns="91440" tIns="45720" bIns="45720" anchor="t">
-            <a:noAutofit/>
-          </a:bodyPr>
-          <a:p>
-            <a:pPr marL="343080" indent="-343080" defTabSz="457200">
-              <a:lnSpc>
-                <a:spcPct val="100000"/>
-              </a:lnSpc>
-              <a:spcBef>
-                <a:spcPts val="479"/>
-              </a:spcBef>
-              <a:buClr>
-                <a:srgbClr val="000000"/>
-              </a:buClr>
-              <a:buFont typeface="Arial"/>
-              <a:buChar char="•"/>
-            </a:pPr>
-            <a:r>
-              <a:rPr b="0" lang="en-US" sz="2400" spc="-1" strike="noStrike">
-                <a:solidFill>
-                  <a:schemeClr val="dk1"/>
-                </a:solidFill>
-                <a:latin typeface="Calibri"/>
-              </a:rPr>
-              <a:t>Click to edit Master text styles</a:t>
-            </a:r>
-            <a:endParaRPr b="0" lang="en-US" sz="2400" spc="-1" strike="noStrike">
-              <a:solidFill>
-                <a:schemeClr val="dk1"/>
-              </a:solidFill>
-              <a:latin typeface="Calibri"/>
-            </a:endParaRPr>
-          </a:p>
-          <a:p>
-            <a:pPr lvl="1" marL="743040" indent="-285840" defTabSz="457200">
-              <a:lnSpc>
-                <a:spcPct val="100000"/>
-              </a:lnSpc>
-              <a:spcBef>
-                <a:spcPts val="400"/>
-              </a:spcBef>
-              <a:buClr>
-                <a:srgbClr val="000000"/>
-              </a:buClr>
-              <a:buFont typeface="Arial"/>
-              <a:buChar char="–"/>
-            </a:pPr>
-            <a:r>
-              <a:rPr b="0" lang="en-US" sz="2000" spc="-1" strike="noStrike">
-                <a:solidFill>
-                  <a:schemeClr val="dk1"/>
-                </a:solidFill>
-                <a:latin typeface="Calibri"/>
-              </a:rPr>
-              <a:t>Second level</a:t>
-            </a:r>
-            <a:endParaRPr b="0" lang="en-US" sz="2000" spc="-1" strike="noStrike">
-              <a:solidFill>
-                <a:schemeClr val="dk1"/>
-              </a:solidFill>
-              <a:latin typeface="Calibri"/>
-            </a:endParaRPr>
-          </a:p>
-          <a:p>
-            <a:pPr lvl="2" marL="1143000" indent="-228600" defTabSz="457200">
-              <a:lnSpc>
-                <a:spcPct val="100000"/>
-              </a:lnSpc>
-              <a:spcBef>
-                <a:spcPts val="360"/>
-              </a:spcBef>
-              <a:buClr>
-                <a:srgbClr val="000000"/>
-              </a:buClr>
-              <a:buFont typeface="Arial"/>
-              <a:buChar char="•"/>
-            </a:pPr>
-            <a:r>
-              <a:rPr b="0" lang="en-US" sz="1800" spc="-1" strike="noStrike">
-                <a:solidFill>
-                  <a:schemeClr val="dk1"/>
-                </a:solidFill>
-                <a:latin typeface="Calibri"/>
-              </a:rPr>
-              <a:t>Third level</a:t>
-            </a:r>
-            <a:endParaRPr b="0" lang="en-US" sz="1800" spc="-1" strike="noStrike">
-              <a:solidFill>
-                <a:schemeClr val="dk1"/>
-              </a:solidFill>
-              <a:latin typeface="Calibri"/>
-            </a:endParaRPr>
-          </a:p>
-          <a:p>
-            <a:pPr lvl="3" marL="1600200" indent="-228600" defTabSz="457200">
-              <a:lnSpc>
-                <a:spcPct val="100000"/>
-              </a:lnSpc>
-              <a:spcBef>
-                <a:spcPts val="320"/>
-              </a:spcBef>
-              <a:buClr>
-                <a:srgbClr val="000000"/>
-              </a:buClr>
-              <a:buFont typeface="Arial"/>
-              <a:buChar char="–"/>
-            </a:pPr>
-            <a:r>
-              <a:rPr b="0" lang="en-US" sz="1600" spc="-1" strike="noStrike">
-                <a:solidFill>
-                  <a:schemeClr val="dk1"/>
-                </a:solidFill>
-                <a:latin typeface="Calibri"/>
-              </a:rPr>
-              <a:t>Fourth level</a:t>
-            </a:r>
-            <a:endParaRPr b="0" lang="en-US" sz="1600" spc="-1" strike="noStrike">
-              <a:solidFill>
-                <a:schemeClr val="dk1"/>
-              </a:solidFill>
-              <a:latin typeface="Calibri"/>
-            </a:endParaRPr>
-          </a:p>
-          <a:p>
-            <a:pPr lvl="4" marL="2057400" indent="-228600" defTabSz="457200">
-              <a:lnSpc>
-                <a:spcPct val="100000"/>
-              </a:lnSpc>
-              <a:spcBef>
-                <a:spcPts val="320"/>
-              </a:spcBef>
-              <a:buClr>
-                <a:srgbClr val="000000"/>
-              </a:buClr>
-              <a:buFont typeface="Arial"/>
-              <a:buChar char="»"/>
-            </a:pPr>
-            <a:r>
-              <a:rPr b="0" lang="en-US" sz="1600" spc="-1" strike="noStrike">
-                <a:solidFill>
-                  <a:schemeClr val="dk1"/>
-                </a:solidFill>
-                <a:latin typeface="Calibri"/>
-              </a:rPr>
-              <a:t>Fifth level</a:t>
-            </a:r>
-            <a:endParaRPr b="0" lang="en-US" sz="1600" spc="-1" strike="noStrike">
-              <a:solidFill>
-                <a:schemeClr val="dk1"/>
-              </a:solidFill>
-              <a:latin typeface="Calibri"/>
-            </a:endParaRPr>
-          </a:p>
-        </p:txBody>
-      </p:sp>
-      <p:sp>
-        <p:nvSpPr>
-          <p:cNvPr id="43" name="PlaceHolder 6"/>
-          <p:cNvSpPr>
-            <a:spLocks noGrp="1"/>
-          </p:cNvSpPr>
-          <p:nvPr>
-            <p:ph type="dt" idx="19"/>
-          </p:nvPr>
-        </p:nvSpPr>
-        <p:spPr>
-          <a:xfrm>
-            <a:off x="457200" y="6356520"/>
-            <a:ext cx="2133360" cy="364680"/>
-          </a:xfrm>
-          <a:prstGeom prst="rect">
-            <a:avLst/>
-          </a:prstGeom>
-          <a:noFill/>
-          <a:ln w="0">
-            <a:noFill/>
-          </a:ln>
-        </p:spPr>
-        <p:txBody>
-          <a:bodyPr lIns="91440" rIns="91440" tIns="45720" bIns="45720" anchor="ctr">
-            <a:noAutofit/>
-          </a:bodyPr>
-          <a:lstStyle>
-            <a:lvl1pPr indent="0" defTabSz="457200">
-              <a:lnSpc>
-                <a:spcPct val="100000"/>
-              </a:lnSpc>
-              <a:buNone/>
-              <a:defRPr b="0" lang="en-US" sz="1200" spc="-1" strike="noStrike">
-                <a:solidFill>
-                  <a:schemeClr val="dk1">
-                    <a:tint val="75000"/>
-                  </a:schemeClr>
-                </a:solidFill>
-                <a:latin typeface="Calibri"/>
-              </a:defRPr>
-            </a:lvl1pPr>
-          </a:lstStyle>
-          <a:p>
-            <a:pPr indent="0" defTabSz="457200">
-              <a:lnSpc>
-                <a:spcPct val="100000"/>
-              </a:lnSpc>
-              <a:buNone/>
-            </a:pPr>
-            <a:r>
-              <a:rPr b="0" lang="en-US" sz="1200" spc="-1" strike="noStrike">
-                <a:solidFill>
-                  <a:schemeClr val="dk1">
-                    <a:tint val="75000"/>
-                  </a:schemeClr>
-                </a:solidFill>
-                <a:latin typeface="Calibri"/>
-              </a:rPr>
-              <a:t>&lt;data/hora&gt;</a:t>
-            </a:r>
-            <a:endParaRPr b="0" lang="pt-BR" sz="1200" spc="-1" strike="noStrike">
-              <a:solidFill>
-                <a:srgbClr val="000000"/>
-              </a:solidFill>
-              <a:latin typeface="Times New Roman"/>
-            </a:endParaRPr>
-          </a:p>
-        </p:txBody>
-      </p:sp>
-      <p:sp>
-        <p:nvSpPr>
-          <p:cNvPr id="44" name="PlaceHolder 7"/>
-          <p:cNvSpPr>
-            <a:spLocks noGrp="1"/>
-          </p:cNvSpPr>
-          <p:nvPr>
-            <p:ph type="ftr" idx="20"/>
+            <p:ph type="ftr" idx="19"/>
           </p:nvPr>
         </p:nvSpPr>
         <p:spPr>
           <a:xfrm>
             <a:off x="3124080" y="6356520"/>
-            <a:ext cx="2895120" cy="364680"/>
+            <a:ext cx="2894760" cy="364320"/>
           </a:xfrm>
           <a:prstGeom prst="rect">
             <a:avLst/>
@@ -5898,7 +4298,13 @@
           </a:bodyPr>
           <a:lstStyle>
             <a:lvl1pPr indent="0" algn="ctr">
+              <a:lnSpc>
+                <a:spcPct val="100000"/>
+              </a:lnSpc>
               <a:buNone/>
+              <a:tabLst>
+                <a:tab algn="l" pos="0"/>
+              </a:tabLst>
               <a:defRPr b="0" lang="pt-BR" sz="1400" spc="-1" strike="noStrike">
                 <a:solidFill>
                   <a:srgbClr val="000000"/>
@@ -5909,7 +4315,13 @@
           </a:lstStyle>
           <a:p>
             <a:pPr indent="0" algn="ctr">
+              <a:lnSpc>
+                <a:spcPct val="100000"/>
+              </a:lnSpc>
               <a:buNone/>
+              <a:tabLst>
+                <a:tab algn="l" pos="0"/>
+              </a:tabLst>
             </a:pPr>
             <a:r>
               <a:rPr b="0" lang="pt-BR" sz="1400" spc="-1" strike="noStrike">
@@ -5931,18 +4343,18 @@
       </p:sp>
       <p:sp>
         <p:nvSpPr>
-          <p:cNvPr id="45" name="PlaceHolder 8"/>
+          <p:cNvPr id="33" name="PlaceHolder 2"/>
           <p:cNvSpPr>
             <a:spLocks noGrp="1"/>
           </p:cNvSpPr>
           <p:nvPr>
-            <p:ph type="sldNum" idx="21"/>
+            <p:ph type="sldNum" idx="20"/>
           </p:nvPr>
         </p:nvSpPr>
         <p:spPr>
           <a:xfrm>
             <a:off x="6553080" y="6356520"/>
-            <a:ext cx="2133360" cy="364680"/>
+            <a:ext cx="2133000" cy="364320"/>
           </a:xfrm>
           <a:prstGeom prst="rect">
             <a:avLst/>
@@ -5962,6 +4374,9 @@
                 <a:spcPct val="100000"/>
               </a:lnSpc>
               <a:buNone/>
+              <a:tabLst>
+                <a:tab algn="l" pos="0"/>
+              </a:tabLst>
               <a:defRPr b="0" lang="en-US" sz="1200" spc="-1" strike="noStrike">
                 <a:solidFill>
                   <a:schemeClr val="dk1">
@@ -5978,8 +4393,11 @@
                 <a:spcPct val="100000"/>
               </a:lnSpc>
               <a:buNone/>
-            </a:pPr>
-            <a:fld id="{ED78523D-B419-4EF7-BA72-2756FCEDA315}" type="slidenum">
+              <a:tabLst>
+                <a:tab algn="l" pos="0"/>
+              </a:tabLst>
+            </a:pPr>
+            <a:fld id="{68AC420D-045A-49B9-850F-6DFF724580B0}" type="slidenum">
               <a:rPr b="0" lang="en-US" sz="1200" spc="-1" strike="noStrike">
                 <a:solidFill>
                   <a:schemeClr val="dk1">
@@ -5991,6 +4409,66 @@
               <a:t>&lt;número&gt;</a:t>
             </a:fld>
             <a:endParaRPr b="0" lang="pt-BR" sz="1200" spc="-1" strike="noStrike">
+              <a:solidFill>
+                <a:srgbClr val="000000"/>
+              </a:solidFill>
+              <a:latin typeface="Times New Roman"/>
+            </a:endParaRPr>
+          </a:p>
+        </p:txBody>
+      </p:sp>
+      <p:sp>
+        <p:nvSpPr>
+          <p:cNvPr id="34" name="PlaceHolder 3"/>
+          <p:cNvSpPr>
+            <a:spLocks noGrp="1"/>
+          </p:cNvSpPr>
+          <p:nvPr>
+            <p:ph type="dt" idx="21"/>
+          </p:nvPr>
+        </p:nvSpPr>
+        <p:spPr>
+          <a:xfrm>
+            <a:off x="457200" y="6356520"/>
+            <a:ext cx="2133000" cy="364320"/>
+          </a:xfrm>
+          <a:prstGeom prst="rect">
+            <a:avLst/>
+          </a:prstGeom>
+          <a:noFill/>
+          <a:ln w="0">
+            <a:noFill/>
+          </a:ln>
+        </p:spPr>
+        <p:txBody>
+          <a:bodyPr lIns="91440" rIns="91440" tIns="45720" bIns="45720" anchor="ctr">
+            <a:noAutofit/>
+          </a:bodyPr>
+          <a:lstStyle>
+            <a:lvl1pPr indent="0">
+              <a:buNone/>
+              <a:defRPr b="0" lang="pt-BR" sz="1400" spc="-1" strike="noStrike">
+                <a:solidFill>
+                  <a:srgbClr val="000000"/>
+                </a:solidFill>
+                <a:latin typeface="Times New Roman"/>
+              </a:defRPr>
+            </a:lvl1pPr>
+          </a:lstStyle>
+          <a:p>
+            <a:pPr indent="0">
+              <a:buNone/>
+            </a:pPr>
+            <a:r>
+              <a:rPr b="0" lang="pt-BR" sz="1400" spc="-1" strike="noStrike">
+                <a:solidFill>
+                  <a:srgbClr val="000000"/>
+                </a:solidFill>
+                <a:latin typeface="Times New Roman"/>
+              </a:rPr>
+              <a:t>&lt;data/hora&gt;</a:t>
+            </a:r>
+            <a:endParaRPr b="0" lang="pt-BR" sz="1400" spc="-1" strike="noStrike">
               <a:solidFill>
                 <a:srgbClr val="000000"/>
               </a:solidFill>
@@ -6034,7 +4512,7 @@
       </p:grpSpPr>
       <p:sp>
         <p:nvSpPr>
-          <p:cNvPr id="46" name="PlaceHolder 1"/>
+          <p:cNvPr id="35" name="PlaceHolder 1"/>
           <p:cNvSpPr>
             <a:spLocks noGrp="1"/>
           </p:cNvSpPr>
@@ -6045,7 +4523,7 @@
         <p:spPr>
           <a:xfrm>
             <a:off x="457200" y="274680"/>
-            <a:ext cx="8229240" cy="1142640"/>
+            <a:ext cx="8228880" cy="1142280"/>
           </a:xfrm>
           <a:prstGeom prst="rect">
             <a:avLst/>
@@ -6056,118 +4534,45 @@
           </a:ln>
         </p:spPr>
         <p:txBody>
-          <a:bodyPr lIns="91440" rIns="91440" tIns="45720" bIns="45720" anchor="ctr">
+          <a:bodyPr lIns="0" rIns="0" tIns="0" bIns="0" anchor="ctr">
             <a:noAutofit/>
           </a:bodyPr>
           <a:p>
-            <a:pPr indent="0" algn="ctr" defTabSz="457200">
-              <a:lnSpc>
-                <a:spcPct val="100000"/>
-              </a:lnSpc>
+            <a:pPr indent="0">
               <a:buNone/>
             </a:pPr>
             <a:r>
-              <a:rPr b="0" lang="en-US" sz="4400" spc="-1" strike="noStrike">
-                <a:solidFill>
-                  <a:schemeClr val="dk1"/>
-                </a:solidFill>
-                <a:latin typeface="Calibri"/>
-              </a:rPr>
-              <a:t>Click to edit Master title style</a:t>
-            </a:r>
-            <a:endParaRPr b="0" lang="en-US" sz="4400" spc="-1" strike="noStrike">
-              <a:solidFill>
-                <a:schemeClr val="dk1"/>
-              </a:solidFill>
-              <a:latin typeface="Calibri"/>
+              <a:rPr b="0" lang="pt-BR" sz="1800" spc="-1" strike="noStrike">
+                <a:solidFill>
+                  <a:srgbClr val="000000"/>
+                </a:solidFill>
+                <a:latin typeface="Arial"/>
+              </a:rPr>
+              <a:t>Clique para editar o formato do texto do título</a:t>
+            </a:r>
+            <a:endParaRPr b="0" lang="pt-BR" sz="1800" spc="-1" strike="noStrike">
+              <a:solidFill>
+                <a:srgbClr val="000000"/>
+              </a:solidFill>
+              <a:latin typeface="Arial"/>
             </a:endParaRPr>
           </a:p>
         </p:txBody>
       </p:sp>
       <p:sp>
         <p:nvSpPr>
-          <p:cNvPr id="47" name="PlaceHolder 2"/>
+          <p:cNvPr id="36" name="PlaceHolder 2"/>
           <p:cNvSpPr>
             <a:spLocks noGrp="1"/>
           </p:cNvSpPr>
           <p:nvPr>
-            <p:ph type="dt" idx="22"/>
-          </p:nvPr>
-        </p:nvSpPr>
-        <p:spPr>
-          <a:xfrm>
-            <a:off x="457200" y="6356520"/>
-            <a:ext cx="2133360" cy="364680"/>
-          </a:xfrm>
-          <a:prstGeom prst="rect">
-            <a:avLst/>
-          </a:prstGeom>
-          <a:noFill/>
-          <a:ln w="0">
-            <a:noFill/>
-          </a:ln>
-        </p:spPr>
-        <p:txBody>
-          <a:bodyPr lIns="91440" rIns="91440" tIns="45720" bIns="45720" anchor="ctr">
-            <a:noAutofit/>
-          </a:bodyPr>
-          <a:lstStyle>
-            <a:lvl1pPr indent="0" defTabSz="457200">
-              <a:lnSpc>
-                <a:spcPct val="100000"/>
-              </a:lnSpc>
-              <a:buNone/>
-              <a:defRPr b="0" lang="en-US" sz="1200" spc="-1" strike="noStrike">
-                <a:solidFill>
-                  <a:schemeClr val="dk1">
-                    <a:tint val="75000"/>
-                  </a:schemeClr>
-                </a:solidFill>
-                <a:latin typeface="Calibri"/>
-              </a:defRPr>
-            </a:lvl1pPr>
-          </a:lstStyle>
-          <a:p>
-            <a:pPr indent="0" defTabSz="457200">
-              <a:lnSpc>
-                <a:spcPct val="100000"/>
-              </a:lnSpc>
-              <a:buNone/>
-            </a:pPr>
-            <a:r>
-              <a:rPr b="0" lang="en-US" sz="1200" spc="-1" strike="noStrike">
-                <a:solidFill>
-                  <a:schemeClr val="dk1">
-                    <a:tint val="75000"/>
-                  </a:schemeClr>
-                </a:solidFill>
-                <a:latin typeface="Calibri"/>
-              </a:rPr>
-              <a:t>&lt;data/hora&gt;</a:t>
-            </a:r>
-            <a:endParaRPr b="0" lang="pt-BR" sz="1200" spc="-1" strike="noStrike">
-              <a:solidFill>
-                <a:srgbClr val="000000"/>
-              </a:solidFill>
-              <a:latin typeface="Times New Roman"/>
-            </a:endParaRPr>
-          </a:p>
-        </p:txBody>
-      </p:sp>
-      <p:sp>
-        <p:nvSpPr>
-          <p:cNvPr id="48" name="PlaceHolder 3"/>
-          <p:cNvSpPr>
-            <a:spLocks noGrp="1"/>
-          </p:cNvSpPr>
-          <p:nvPr>
-            <p:ph type="ftr" idx="23"/>
+            <p:ph type="ftr" idx="22"/>
           </p:nvPr>
         </p:nvSpPr>
         <p:spPr>
           <a:xfrm>
             <a:off x="3124080" y="6356520"/>
-            <a:ext cx="2895120" cy="364680"/>
+            <a:ext cx="2894760" cy="364320"/>
           </a:xfrm>
           <a:prstGeom prst="rect">
             <a:avLst/>
@@ -6183,7 +4588,13 @@
           </a:bodyPr>
           <a:lstStyle>
             <a:lvl1pPr indent="0" algn="ctr">
+              <a:lnSpc>
+                <a:spcPct val="100000"/>
+              </a:lnSpc>
               <a:buNone/>
+              <a:tabLst>
+                <a:tab algn="l" pos="0"/>
+              </a:tabLst>
               <a:defRPr b="0" lang="pt-BR" sz="1400" spc="-1" strike="noStrike">
                 <a:solidFill>
                   <a:srgbClr val="000000"/>
@@ -6194,7 +4605,13 @@
           </a:lstStyle>
           <a:p>
             <a:pPr indent="0" algn="ctr">
+              <a:lnSpc>
+                <a:spcPct val="100000"/>
+              </a:lnSpc>
               <a:buNone/>
+              <a:tabLst>
+                <a:tab algn="l" pos="0"/>
+              </a:tabLst>
             </a:pPr>
             <a:r>
               <a:rPr b="0" lang="pt-BR" sz="1400" spc="-1" strike="noStrike">
@@ -6216,18 +4633,18 @@
       </p:sp>
       <p:sp>
         <p:nvSpPr>
-          <p:cNvPr id="49" name="PlaceHolder 4"/>
+          <p:cNvPr id="37" name="PlaceHolder 3"/>
           <p:cNvSpPr>
             <a:spLocks noGrp="1"/>
           </p:cNvSpPr>
           <p:nvPr>
-            <p:ph type="sldNum" idx="24"/>
+            <p:ph type="sldNum" idx="23"/>
           </p:nvPr>
         </p:nvSpPr>
         <p:spPr>
           <a:xfrm>
             <a:off x="6553080" y="6356520"/>
-            <a:ext cx="2133360" cy="364680"/>
+            <a:ext cx="2133000" cy="364320"/>
           </a:xfrm>
           <a:prstGeom prst="rect">
             <a:avLst/>
@@ -6247,6 +4664,9 @@
                 <a:spcPct val="100000"/>
               </a:lnSpc>
               <a:buNone/>
+              <a:tabLst>
+                <a:tab algn="l" pos="0"/>
+              </a:tabLst>
               <a:defRPr b="0" lang="en-US" sz="1200" spc="-1" strike="noStrike">
                 <a:solidFill>
                   <a:schemeClr val="dk1">
@@ -6263,8 +4683,11 @@
                 <a:spcPct val="100000"/>
               </a:lnSpc>
               <a:buNone/>
-            </a:pPr>
-            <a:fld id="{6EF32801-AFEE-48AD-B64C-CD0AE42B77A4}" type="slidenum">
+              <a:tabLst>
+                <a:tab algn="l" pos="0"/>
+              </a:tabLst>
+            </a:pPr>
+            <a:fld id="{5BD66468-72CF-4FEC-9384-884D7C9D3C54}" type="slidenum">
               <a:rPr b="0" lang="en-US" sz="1200" spc="-1" strike="noStrike">
                 <a:solidFill>
                   <a:schemeClr val="dk1">
@@ -6276,6 +4699,66 @@
               <a:t>&lt;número&gt;</a:t>
             </a:fld>
             <a:endParaRPr b="0" lang="pt-BR" sz="1200" spc="-1" strike="noStrike">
+              <a:solidFill>
+                <a:srgbClr val="000000"/>
+              </a:solidFill>
+              <a:latin typeface="Times New Roman"/>
+            </a:endParaRPr>
+          </a:p>
+        </p:txBody>
+      </p:sp>
+      <p:sp>
+        <p:nvSpPr>
+          <p:cNvPr id="38" name="PlaceHolder 4"/>
+          <p:cNvSpPr>
+            <a:spLocks noGrp="1"/>
+          </p:cNvSpPr>
+          <p:nvPr>
+            <p:ph type="dt" idx="24"/>
+          </p:nvPr>
+        </p:nvSpPr>
+        <p:spPr>
+          <a:xfrm>
+            <a:off x="457200" y="6356520"/>
+            <a:ext cx="2133000" cy="364320"/>
+          </a:xfrm>
+          <a:prstGeom prst="rect">
+            <a:avLst/>
+          </a:prstGeom>
+          <a:noFill/>
+          <a:ln w="0">
+            <a:noFill/>
+          </a:ln>
+        </p:spPr>
+        <p:txBody>
+          <a:bodyPr lIns="91440" rIns="91440" tIns="45720" bIns="45720" anchor="ctr">
+            <a:noAutofit/>
+          </a:bodyPr>
+          <a:lstStyle>
+            <a:lvl1pPr indent="0">
+              <a:buNone/>
+              <a:defRPr b="0" lang="pt-BR" sz="1400" spc="-1" strike="noStrike">
+                <a:solidFill>
+                  <a:srgbClr val="000000"/>
+                </a:solidFill>
+                <a:latin typeface="Times New Roman"/>
+              </a:defRPr>
+            </a:lvl1pPr>
+          </a:lstStyle>
+          <a:p>
+            <a:pPr indent="0">
+              <a:buNone/>
+            </a:pPr>
+            <a:r>
+              <a:rPr b="0" lang="pt-BR" sz="1400" spc="-1" strike="noStrike">
+                <a:solidFill>
+                  <a:srgbClr val="000000"/>
+                </a:solidFill>
+                <a:latin typeface="Times New Roman"/>
+              </a:rPr>
+              <a:t>&lt;data/hora&gt;</a:t>
+            </a:r>
+            <a:endParaRPr b="0" lang="pt-BR" sz="1400" spc="-1" strike="noStrike">
               <a:solidFill>
                 <a:srgbClr val="000000"/>
               </a:solidFill>
@@ -6319,88 +4802,18 @@
       </p:grpSpPr>
       <p:sp>
         <p:nvSpPr>
-          <p:cNvPr id="51" name="PlaceHolder 1"/>
+          <p:cNvPr id="40" name="PlaceHolder 1"/>
           <p:cNvSpPr>
             <a:spLocks noGrp="1"/>
           </p:cNvSpPr>
           <p:nvPr>
-            <p:ph type="dt" idx="25"/>
-          </p:nvPr>
-        </p:nvSpPr>
-        <p:spPr>
-          <a:xfrm>
-            <a:off x="457200" y="6356520"/>
-            <a:ext cx="2133360" cy="364680"/>
-          </a:xfrm>
-          <a:prstGeom prst="rect">
-            <a:avLst/>
-          </a:prstGeom>
-          <a:noFill/>
-          <a:ln w="0">
-            <a:noFill/>
-          </a:ln>
-        </p:spPr>
-        <p:txBody>
-          <a:bodyPr lIns="91440" rIns="91440" tIns="45720" bIns="45720" anchor="ctr">
-            <a:noAutofit/>
-          </a:bodyPr>
-          <a:lstStyle>
-            <a:lvl1pPr indent="0" defTabSz="457200">
-              <a:lnSpc>
-                <a:spcPct val="100000"/>
-              </a:lnSpc>
-              <a:buNone/>
-              <a:defRPr b="0" lang="en-US" sz="1200" spc="-1" strike="noStrike">
-                <a:solidFill>
-                  <a:schemeClr val="dk1">
-                    <a:tint val="75000"/>
-                  </a:schemeClr>
-                </a:solidFill>
-                <a:latin typeface="Calibri"/>
-              </a:defRPr>
-            </a:lvl1pPr>
-          </a:lstStyle>
-          <a:p>
-            <a:pPr indent="0" defTabSz="457200">
-              <a:lnSpc>
-                <a:spcPct val="100000"/>
-              </a:lnSpc>
-              <a:buNone/>
-            </a:pPr>
-            <a:r>
-              <a:rPr b="0" lang="en-US" sz="1200" spc="-1" strike="noStrike">
-                <a:solidFill>
-                  <a:schemeClr val="dk1">
-                    <a:tint val="75000"/>
-                  </a:schemeClr>
-                </a:solidFill>
-                <a:latin typeface="Calibri"/>
-              </a:rPr>
-              <a:t>&lt;data/hora&gt;</a:t>
-            </a:r>
-            <a:endParaRPr b="0" lang="pt-BR" sz="1200" spc="-1" strike="noStrike">
-              <a:solidFill>
-                <a:srgbClr val="000000"/>
-              </a:solidFill>
-              <a:latin typeface="Times New Roman"/>
-            </a:endParaRPr>
-          </a:p>
-        </p:txBody>
-      </p:sp>
-      <p:sp>
-        <p:nvSpPr>
-          <p:cNvPr id="52" name="PlaceHolder 2"/>
-          <p:cNvSpPr>
-            <a:spLocks noGrp="1"/>
-          </p:cNvSpPr>
-          <p:nvPr>
-            <p:ph type="ftr" idx="26"/>
+            <p:ph type="ftr" idx="25"/>
           </p:nvPr>
         </p:nvSpPr>
         <p:spPr>
           <a:xfrm>
             <a:off x="3124080" y="6356520"/>
-            <a:ext cx="2895120" cy="364680"/>
+            <a:ext cx="2894760" cy="364320"/>
           </a:xfrm>
           <a:prstGeom prst="rect">
             <a:avLst/>
@@ -6416,7 +4829,13 @@
           </a:bodyPr>
           <a:lstStyle>
             <a:lvl1pPr indent="0" algn="ctr">
+              <a:lnSpc>
+                <a:spcPct val="100000"/>
+              </a:lnSpc>
               <a:buNone/>
+              <a:tabLst>
+                <a:tab algn="l" pos="0"/>
+              </a:tabLst>
               <a:defRPr b="0" lang="pt-BR" sz="1400" spc="-1" strike="noStrike">
                 <a:solidFill>
                   <a:srgbClr val="000000"/>
@@ -6427,7 +4846,13 @@
           </a:lstStyle>
           <a:p>
             <a:pPr indent="0" algn="ctr">
+              <a:lnSpc>
+                <a:spcPct val="100000"/>
+              </a:lnSpc>
               <a:buNone/>
+              <a:tabLst>
+                <a:tab algn="l" pos="0"/>
+              </a:tabLst>
             </a:pPr>
             <a:r>
               <a:rPr b="0" lang="pt-BR" sz="1400" spc="-1" strike="noStrike">
@@ -6449,18 +4874,18 @@
       </p:sp>
       <p:sp>
         <p:nvSpPr>
-          <p:cNvPr id="53" name="PlaceHolder 3"/>
+          <p:cNvPr id="41" name="PlaceHolder 2"/>
           <p:cNvSpPr>
             <a:spLocks noGrp="1"/>
           </p:cNvSpPr>
           <p:nvPr>
-            <p:ph type="sldNum" idx="27"/>
+            <p:ph type="sldNum" idx="26"/>
           </p:nvPr>
         </p:nvSpPr>
         <p:spPr>
           <a:xfrm>
             <a:off x="6553080" y="6356520"/>
-            <a:ext cx="2133360" cy="364680"/>
+            <a:ext cx="2133000" cy="364320"/>
           </a:xfrm>
           <a:prstGeom prst="rect">
             <a:avLst/>
@@ -6480,6 +4905,9 @@
                 <a:spcPct val="100000"/>
               </a:lnSpc>
               <a:buNone/>
+              <a:tabLst>
+                <a:tab algn="l" pos="0"/>
+              </a:tabLst>
               <a:defRPr b="0" lang="en-US" sz="1200" spc="-1" strike="noStrike">
                 <a:solidFill>
                   <a:schemeClr val="dk1">
@@ -6496,8 +4924,11 @@
                 <a:spcPct val="100000"/>
               </a:lnSpc>
               <a:buNone/>
-            </a:pPr>
-            <a:fld id="{7E80A543-C33F-435A-A433-E27CAFFBBA52}" type="slidenum">
+              <a:tabLst>
+                <a:tab algn="l" pos="0"/>
+              </a:tabLst>
+            </a:pPr>
+            <a:fld id="{09E20F18-E7B2-4740-AB44-71A0A3A4AD0F}" type="slidenum">
               <a:rPr b="0" lang="en-US" sz="1200" spc="-1" strike="noStrike">
                 <a:solidFill>
                   <a:schemeClr val="dk1">
@@ -6509,6 +4940,66 @@
               <a:t>&lt;número&gt;</a:t>
             </a:fld>
             <a:endParaRPr b="0" lang="pt-BR" sz="1200" spc="-1" strike="noStrike">
+              <a:solidFill>
+                <a:srgbClr val="000000"/>
+              </a:solidFill>
+              <a:latin typeface="Times New Roman"/>
+            </a:endParaRPr>
+          </a:p>
+        </p:txBody>
+      </p:sp>
+      <p:sp>
+        <p:nvSpPr>
+          <p:cNvPr id="42" name="PlaceHolder 3"/>
+          <p:cNvSpPr>
+            <a:spLocks noGrp="1"/>
+          </p:cNvSpPr>
+          <p:nvPr>
+            <p:ph type="dt" idx="27"/>
+          </p:nvPr>
+        </p:nvSpPr>
+        <p:spPr>
+          <a:xfrm>
+            <a:off x="457200" y="6356520"/>
+            <a:ext cx="2133000" cy="364320"/>
+          </a:xfrm>
+          <a:prstGeom prst="rect">
+            <a:avLst/>
+          </a:prstGeom>
+          <a:noFill/>
+          <a:ln w="0">
+            <a:noFill/>
+          </a:ln>
+        </p:spPr>
+        <p:txBody>
+          <a:bodyPr lIns="91440" rIns="91440" tIns="45720" bIns="45720" anchor="ctr">
+            <a:noAutofit/>
+          </a:bodyPr>
+          <a:lstStyle>
+            <a:lvl1pPr indent="0">
+              <a:buNone/>
+              <a:defRPr b="0" lang="pt-BR" sz="1400" spc="-1" strike="noStrike">
+                <a:solidFill>
+                  <a:srgbClr val="000000"/>
+                </a:solidFill>
+                <a:latin typeface="Times New Roman"/>
+              </a:defRPr>
+            </a:lvl1pPr>
+          </a:lstStyle>
+          <a:p>
+            <a:pPr indent="0">
+              <a:buNone/>
+            </a:pPr>
+            <a:r>
+              <a:rPr b="0" lang="pt-BR" sz="1400" spc="-1" strike="noStrike">
+                <a:solidFill>
+                  <a:srgbClr val="000000"/>
+                </a:solidFill>
+                <a:latin typeface="Times New Roman"/>
+              </a:rPr>
+              <a:t>&lt;data/hora&gt;</a:t>
+            </a:r>
+            <a:endParaRPr b="0" lang="pt-BR" sz="1400" spc="-1" strike="noStrike">
               <a:solidFill>
                 <a:srgbClr val="000000"/>
               </a:solidFill>
@@ -6545,7 +5036,7 @@
       </p:grpSpPr>
       <p:sp>
         <p:nvSpPr>
-          <p:cNvPr id="66" name="PlaceHolder 1"/>
+          <p:cNvPr id="49" name="PlaceHolder 1"/>
           <p:cNvSpPr>
             <a:spLocks noGrp="1"/>
           </p:cNvSpPr>
@@ -6556,7 +5047,7 @@
         <p:spPr>
           <a:xfrm>
             <a:off x="685800" y="2130480"/>
-            <a:ext cx="7772040" cy="1469520"/>
+            <a:ext cx="7771680" cy="1469160"/>
           </a:xfrm>
           <a:prstGeom prst="rect">
             <a:avLst/>
@@ -6576,6 +5067,9 @@
                 <a:spcPct val="100000"/>
               </a:lnSpc>
               <a:buNone/>
+              <a:tabLst>
+                <a:tab algn="l" pos="0"/>
+              </a:tabLst>
             </a:pPr>
             <a:r>
               <a:rPr b="0" lang="en-US" sz="4400" spc="-1" strike="noStrike">
@@ -6586,18 +5080,18 @@
               </a:rPr>
               <a:t>Documentação de Testes Automatizados</a:t>
             </a:r>
-            <a:endParaRPr b="0" lang="en-US" sz="4400" spc="-1" strike="noStrike">
-              <a:solidFill>
-                <a:schemeClr val="dk1"/>
-              </a:solidFill>
-              <a:latin typeface="Calibri"/>
+            <a:endParaRPr b="0" lang="pt-BR" sz="4400" spc="-1" strike="noStrike">
+              <a:solidFill>
+                <a:srgbClr val="000000"/>
+              </a:solidFill>
+              <a:latin typeface="Arial"/>
             </a:endParaRPr>
           </a:p>
         </p:txBody>
       </p:sp>
       <p:sp>
         <p:nvSpPr>
-          <p:cNvPr id="67" name="PlaceHolder 2"/>
+          <p:cNvPr id="50" name="PlaceHolder 2"/>
           <p:cNvSpPr>
             <a:spLocks noGrp="1"/>
           </p:cNvSpPr>
@@ -6608,7 +5102,7 @@
         <p:spPr>
           <a:xfrm>
             <a:off x="1371600" y="3886200"/>
-            <a:ext cx="6400440" cy="1752120"/>
+            <a:ext cx="6400080" cy="1751760"/>
           </a:xfrm>
           <a:prstGeom prst="rect">
             <a:avLst/>
@@ -6738,7 +5232,7 @@
       </p:grpSpPr>
       <p:sp>
         <p:nvSpPr>
-          <p:cNvPr id="68" name="PlaceHolder 1"/>
+          <p:cNvPr id="51" name="PlaceHolder 1"/>
           <p:cNvSpPr>
             <a:spLocks noGrp="1"/>
           </p:cNvSpPr>
@@ -6749,7 +5243,7 @@
         <p:spPr>
           <a:xfrm>
             <a:off x="457200" y="274680"/>
-            <a:ext cx="8229240" cy="1142640"/>
+            <a:ext cx="8228880" cy="1142280"/>
           </a:xfrm>
           <a:prstGeom prst="rect">
             <a:avLst/>
@@ -6769,6 +5263,9 @@
                 <a:spcPct val="100000"/>
               </a:lnSpc>
               <a:buNone/>
+              <a:tabLst>
+                <a:tab algn="l" pos="0"/>
+              </a:tabLst>
             </a:pPr>
             <a:r>
               <a:rPr b="0" lang="en-US" sz="4400" spc="-1" strike="noStrike">
@@ -6779,18 +5276,18 @@
               </a:rPr>
               <a:t>Cenários BDD</a:t>
             </a:r>
-            <a:endParaRPr b="0" lang="en-US" sz="4400" spc="-1" strike="noStrike">
-              <a:solidFill>
-                <a:schemeClr val="dk1"/>
-              </a:solidFill>
-              <a:latin typeface="Calibri"/>
+            <a:endParaRPr b="0" lang="pt-BR" sz="4400" spc="-1" strike="noStrike">
+              <a:solidFill>
+                <a:srgbClr val="000000"/>
+              </a:solidFill>
+              <a:latin typeface="Arial"/>
             </a:endParaRPr>
           </a:p>
         </p:txBody>
       </p:sp>
       <p:sp>
         <p:nvSpPr>
-          <p:cNvPr id="69" name="PlaceHolder 2"/>
+          <p:cNvPr id="52" name="PlaceHolder 2"/>
           <p:cNvSpPr>
             <a:spLocks noGrp="1"/>
           </p:cNvSpPr>
@@ -6801,7 +5298,7 @@
         <p:spPr>
           <a:xfrm>
             <a:off x="457200" y="1600200"/>
-            <a:ext cx="8229240" cy="4525560"/>
+            <a:ext cx="8228880" cy="4525200"/>
           </a:xfrm>
           <a:prstGeom prst="rect">
             <a:avLst/>
@@ -6838,11 +5335,11 @@
               </a:rPr>
               <a:t>1. Health Check retorna 200</a:t>
             </a:r>
-            <a:endParaRPr b="0" lang="en-US" sz="1800" spc="-1" strike="noStrike">
-              <a:solidFill>
-                <a:schemeClr val="dk1"/>
-              </a:solidFill>
-              <a:latin typeface="Calibri"/>
+            <a:endParaRPr b="0" lang="pt-BR" sz="1800" spc="-1" strike="noStrike">
+              <a:solidFill>
+                <a:srgbClr val="000000"/>
+              </a:solidFill>
+              <a:latin typeface="Arial"/>
             </a:endParaRPr>
           </a:p>
           <a:p>
@@ -6868,11 +5365,11 @@
               </a:rPr>
               <a:t>2. Listar todas as cidades (positiva)</a:t>
             </a:r>
-            <a:endParaRPr b="0" lang="en-US" sz="1800" spc="-1" strike="noStrike">
-              <a:solidFill>
-                <a:schemeClr val="dk1"/>
-              </a:solidFill>
-              <a:latin typeface="Calibri"/>
+            <a:endParaRPr b="0" lang="pt-BR" sz="1800" spc="-1" strike="noStrike">
+              <a:solidFill>
+                <a:srgbClr val="000000"/>
+              </a:solidFill>
+              <a:latin typeface="Arial"/>
             </a:endParaRPr>
           </a:p>
           <a:p>
@@ -6898,11 +5395,11 @@
               </a:rPr>
               <a:t>3. Buscar cidade inexistente (negativa)</a:t>
             </a:r>
-            <a:endParaRPr b="0" lang="en-US" sz="1800" spc="-1" strike="noStrike">
-              <a:solidFill>
-                <a:schemeClr val="dk1"/>
-              </a:solidFill>
-              <a:latin typeface="Calibri"/>
+            <a:endParaRPr b="0" lang="pt-BR" sz="1800" spc="-1" strike="noStrike">
+              <a:solidFill>
+                <a:srgbClr val="000000"/>
+              </a:solidFill>
+              <a:latin typeface="Arial"/>
             </a:endParaRPr>
           </a:p>
           <a:p>
@@ -6928,11 +5425,11 @@
               </a:rPr>
               <a:t>4. Listar todos os acientes (positiva)</a:t>
             </a:r>
-            <a:endParaRPr b="0" lang="en-US" sz="1800" spc="-1" strike="noStrike">
-              <a:solidFill>
-                <a:schemeClr val="dk1"/>
-              </a:solidFill>
-              <a:latin typeface="Calibri"/>
+            <a:endParaRPr b="0" lang="pt-BR" sz="1800" spc="-1" strike="noStrike">
+              <a:solidFill>
+                <a:srgbClr val="000000"/>
+              </a:solidFill>
+              <a:latin typeface="Arial"/>
             </a:endParaRPr>
           </a:p>
           <a:p>
@@ -6958,11 +5455,11 @@
               </a:rPr>
               <a:t>5. Buscar acidente inexistente (negativa)</a:t>
             </a:r>
-            <a:endParaRPr b="0" lang="en-US" sz="1800" spc="-1" strike="noStrike">
-              <a:solidFill>
-                <a:schemeClr val="dk1"/>
-              </a:solidFill>
-              <a:latin typeface="Calibri"/>
+            <a:endParaRPr b="0" lang="pt-BR" sz="1800" spc="-1" strike="noStrike">
+              <a:solidFill>
+                <a:srgbClr val="000000"/>
+              </a:solidFill>
+              <a:latin typeface="Arial"/>
             </a:endParaRPr>
           </a:p>
         </p:txBody>
@@ -6999,7 +5496,7 @@
       </p:grpSpPr>
       <p:sp>
         <p:nvSpPr>
-          <p:cNvPr id="70" name="PlaceHolder 1"/>
+          <p:cNvPr id="53" name="PlaceHolder 1"/>
           <p:cNvSpPr>
             <a:spLocks noGrp="1"/>
           </p:cNvSpPr>
@@ -7010,7 +5507,7 @@
         <p:spPr>
           <a:xfrm>
             <a:off x="457200" y="274680"/>
-            <a:ext cx="8229240" cy="1142640"/>
+            <a:ext cx="8228880" cy="1142280"/>
           </a:xfrm>
           <a:prstGeom prst="rect">
             <a:avLst/>
@@ -7030,6 +5527,9 @@
                 <a:spcPct val="100000"/>
               </a:lnSpc>
               <a:buNone/>
+              <a:tabLst>
+                <a:tab algn="l" pos="0"/>
+              </a:tabLst>
             </a:pPr>
             <a:r>
               <a:rPr b="0" lang="en-US" sz="4400" spc="-1" strike="noStrike">
@@ -7040,18 +5540,18 @@
               </a:rPr>
               <a:t>HealthCheck.feature</a:t>
             </a:r>
-            <a:endParaRPr b="0" lang="en-US" sz="4400" spc="-1" strike="noStrike">
-              <a:solidFill>
-                <a:schemeClr val="dk1"/>
-              </a:solidFill>
-              <a:latin typeface="Calibri"/>
+            <a:endParaRPr b="0" lang="pt-BR" sz="4400" spc="-1" strike="noStrike">
+              <a:solidFill>
+                <a:srgbClr val="000000"/>
+              </a:solidFill>
+              <a:latin typeface="Arial"/>
             </a:endParaRPr>
           </a:p>
         </p:txBody>
       </p:sp>
       <p:sp>
         <p:nvSpPr>
-          <p:cNvPr id="71" name="PlaceHolder 2"/>
+          <p:cNvPr id="54" name="PlaceHolder 2"/>
           <p:cNvSpPr>
             <a:spLocks noGrp="1"/>
           </p:cNvSpPr>
@@ -7062,7 +5562,7 @@
         <p:spPr>
           <a:xfrm>
             <a:off x="457200" y="1600200"/>
-            <a:ext cx="8229240" cy="4525560"/>
+            <a:ext cx="8228880" cy="4525200"/>
           </a:xfrm>
           <a:prstGeom prst="rect">
             <a:avLst/>
@@ -7099,11 +5599,11 @@
               </a:rPr>
               <a:t># language: pt-BR</a:t>
             </a:r>
-            <a:endParaRPr b="0" lang="en-US" sz="2400" spc="-1" strike="noStrike">
-              <a:solidFill>
-                <a:schemeClr val="dk1"/>
-              </a:solidFill>
-              <a:latin typeface="Calibri"/>
+            <a:endParaRPr b="0" lang="pt-BR" sz="2400" spc="-1" strike="noStrike">
+              <a:solidFill>
+                <a:srgbClr val="000000"/>
+              </a:solidFill>
+              <a:latin typeface="Arial"/>
             </a:endParaRPr>
           </a:p>
           <a:p>
@@ -7129,11 +5629,11 @@
               </a:rPr>
               <a:t>Funcionalidade: Verificar saúde da API</a:t>
             </a:r>
-            <a:endParaRPr b="0" lang="en-US" sz="2400" spc="-1" strike="noStrike">
-              <a:solidFill>
-                <a:schemeClr val="dk1"/>
-              </a:solidFill>
-              <a:latin typeface="Calibri"/>
+            <a:endParaRPr b="0" lang="pt-BR" sz="2400" spc="-1" strike="noStrike">
+              <a:solidFill>
+                <a:srgbClr val="000000"/>
+              </a:solidFill>
+              <a:latin typeface="Arial"/>
             </a:endParaRPr>
           </a:p>
           <a:p>
@@ -7145,12 +5645,15 @@
                 <a:spcPts val="479"/>
               </a:spcBef>
               <a:buNone/>
-            </a:pPr>
-            <a:endParaRPr b="0" lang="en-US" sz="2400" spc="-1" strike="noStrike">
-              <a:solidFill>
-                <a:schemeClr val="dk1"/>
-              </a:solidFill>
-              <a:latin typeface="Calibri"/>
+              <a:tabLst>
+                <a:tab algn="l" pos="0"/>
+              </a:tabLst>
+            </a:pPr>
+            <a:endParaRPr b="0" lang="pt-BR" sz="2400" spc="-1" strike="noStrike">
+              <a:solidFill>
+                <a:srgbClr val="000000"/>
+              </a:solidFill>
+              <a:latin typeface="Arial"/>
             </a:endParaRPr>
           </a:p>
           <a:p>
@@ -7166,6 +5669,9 @@
               </a:buClr>
               <a:buFont typeface="Arial"/>
               <a:buChar char="•"/>
+              <a:tabLst>
+                <a:tab algn="l" pos="0"/>
+              </a:tabLst>
             </a:pPr>
             <a:r>
               <a:rPr b="0" lang="en-US" sz="2400" spc="-1" strike="noStrike">
@@ -7176,11 +5682,11 @@
               </a:rPr>
               <a:t>Cenário: Health check retorna 200</a:t>
             </a:r>
-            <a:endParaRPr b="0" lang="en-US" sz="2400" spc="-1" strike="noStrike">
-              <a:solidFill>
-                <a:schemeClr val="dk1"/>
-              </a:solidFill>
-              <a:latin typeface="Calibri"/>
+            <a:endParaRPr b="0" lang="pt-BR" sz="2400" spc="-1" strike="noStrike">
+              <a:solidFill>
+                <a:srgbClr val="000000"/>
+              </a:solidFill>
+              <a:latin typeface="Arial"/>
             </a:endParaRPr>
           </a:p>
           <a:p>
@@ -7196,6 +5702,9 @@
               </a:buClr>
               <a:buFont typeface="Arial"/>
               <a:buChar char="•"/>
+              <a:tabLst>
+                <a:tab algn="l" pos="0"/>
+              </a:tabLst>
             </a:pPr>
             <a:r>
               <a:rPr b="0" lang="en-US" sz="2400" spc="-1" strike="noStrike">
@@ -7215,11 +5724,11 @@
               </a:rPr>
               <a:t>Dado que o serviço está rodando em "https://localhost:5000"</a:t>
             </a:r>
-            <a:endParaRPr b="0" lang="en-US" sz="2400" spc="-1" strike="noStrike">
-              <a:solidFill>
-                <a:schemeClr val="dk1"/>
-              </a:solidFill>
-              <a:latin typeface="Calibri"/>
+            <a:endParaRPr b="0" lang="pt-BR" sz="2400" spc="-1" strike="noStrike">
+              <a:solidFill>
+                <a:srgbClr val="000000"/>
+              </a:solidFill>
+              <a:latin typeface="Arial"/>
             </a:endParaRPr>
           </a:p>
           <a:p>
@@ -7235,6 +5744,9 @@
               </a:buClr>
               <a:buFont typeface="Arial"/>
               <a:buChar char="•"/>
+              <a:tabLst>
+                <a:tab algn="l" pos="0"/>
+              </a:tabLst>
             </a:pPr>
             <a:r>
               <a:rPr b="0" lang="en-US" sz="2400" spc="-1" strike="noStrike">
@@ -7254,11 +5766,11 @@
               </a:rPr>
               <a:t>Quando faço uma requisição GET no endpoint "/health"</a:t>
             </a:r>
-            <a:endParaRPr b="0" lang="en-US" sz="2400" spc="-1" strike="noStrike">
-              <a:solidFill>
-                <a:schemeClr val="dk1"/>
-              </a:solidFill>
-              <a:latin typeface="Calibri"/>
+            <a:endParaRPr b="0" lang="pt-BR" sz="2400" spc="-1" strike="noStrike">
+              <a:solidFill>
+                <a:srgbClr val="000000"/>
+              </a:solidFill>
+              <a:latin typeface="Arial"/>
             </a:endParaRPr>
           </a:p>
           <a:p>
@@ -7274,6 +5786,9 @@
               </a:buClr>
               <a:buFont typeface="Arial"/>
               <a:buChar char="•"/>
+              <a:tabLst>
+                <a:tab algn="l" pos="0"/>
+              </a:tabLst>
             </a:pPr>
             <a:r>
               <a:rPr b="0" lang="en-US" sz="2400" spc="-1" strike="noStrike">
@@ -7293,11 +5808,11 @@
               </a:rPr>
               <a:t>Então o código de resposta deve ser 200</a:t>
             </a:r>
-            <a:endParaRPr b="0" lang="en-US" sz="2400" spc="-1" strike="noStrike">
-              <a:solidFill>
-                <a:schemeClr val="dk1"/>
-              </a:solidFill>
-              <a:latin typeface="Calibri"/>
+            <a:endParaRPr b="0" lang="pt-BR" sz="2400" spc="-1" strike="noStrike">
+              <a:solidFill>
+                <a:srgbClr val="000000"/>
+              </a:solidFill>
+              <a:latin typeface="Arial"/>
             </a:endParaRPr>
           </a:p>
           <a:p>
@@ -7313,6 +5828,9 @@
               </a:buClr>
               <a:buFont typeface="Arial"/>
               <a:buChar char="•"/>
+              <a:tabLst>
+                <a:tab algn="l" pos="0"/>
+              </a:tabLst>
             </a:pPr>
             <a:r>
               <a:rPr b="0" lang="en-US" sz="2400" spc="-1" strike="noStrike">
@@ -7332,11 +5850,11 @@
               </a:rPr>
               <a:t>E o corpo da resposta deve conter "status": "UP"</a:t>
             </a:r>
-            <a:endParaRPr b="0" lang="en-US" sz="2400" spc="-1" strike="noStrike">
-              <a:solidFill>
-                <a:schemeClr val="dk1"/>
-              </a:solidFill>
-              <a:latin typeface="Calibri"/>
+            <a:endParaRPr b="0" lang="pt-BR" sz="2400" spc="-1" strike="noStrike">
+              <a:solidFill>
+                <a:srgbClr val="000000"/>
+              </a:solidFill>
+              <a:latin typeface="Arial"/>
             </a:endParaRPr>
           </a:p>
         </p:txBody>
@@ -7373,7 +5891,7 @@
       </p:grpSpPr>
       <p:sp>
         <p:nvSpPr>
-          <p:cNvPr id="72" name="PlaceHolder 1"/>
+          <p:cNvPr id="55" name="PlaceHolder 1"/>
           <p:cNvSpPr>
             <a:spLocks noGrp="1"/>
           </p:cNvSpPr>
@@ -7384,7 +5902,7 @@
         <p:spPr>
           <a:xfrm>
             <a:off x="457200" y="274680"/>
-            <a:ext cx="8229240" cy="1142640"/>
+            <a:ext cx="8228880" cy="1142280"/>
           </a:xfrm>
           <a:prstGeom prst="rect">
             <a:avLst/>
@@ -7404,6 +5922,9 @@
                 <a:spcPct val="100000"/>
               </a:lnSpc>
               <a:buNone/>
+              <a:tabLst>
+                <a:tab algn="l" pos="0"/>
+              </a:tabLst>
             </a:pPr>
             <a:r>
               <a:rPr b="0" lang="en-US" sz="4400" spc="-1" strike="noStrike">
@@ -7414,18 +5935,18 @@
               </a:rPr>
               <a:t>CitiesApi.feature</a:t>
             </a:r>
-            <a:endParaRPr b="0" lang="en-US" sz="4400" spc="-1" strike="noStrike">
-              <a:solidFill>
-                <a:schemeClr val="dk1"/>
-              </a:solidFill>
-              <a:latin typeface="Calibri"/>
+            <a:endParaRPr b="0" lang="pt-BR" sz="4400" spc="-1" strike="noStrike">
+              <a:solidFill>
+                <a:srgbClr val="000000"/>
+              </a:solidFill>
+              <a:latin typeface="Arial"/>
             </a:endParaRPr>
           </a:p>
         </p:txBody>
       </p:sp>
       <p:sp>
         <p:nvSpPr>
-          <p:cNvPr id="73" name="PlaceHolder 2"/>
+          <p:cNvPr id="56" name="PlaceHolder 2"/>
           <p:cNvSpPr>
             <a:spLocks noGrp="1"/>
           </p:cNvSpPr>
@@ -7436,7 +5957,7 @@
         <p:spPr>
           <a:xfrm>
             <a:off x="457200" y="1600200"/>
-            <a:ext cx="8229240" cy="4525560"/>
+            <a:ext cx="8228880" cy="4525200"/>
           </a:xfrm>
           <a:prstGeom prst="rect">
             <a:avLst/>
@@ -7473,11 +5994,11 @@
               </a:rPr>
               <a:t># language: pt-BR</a:t>
             </a:r>
-            <a:endParaRPr b="0" lang="en-US" sz="2000" spc="-1" strike="noStrike">
-              <a:solidFill>
-                <a:schemeClr val="dk1"/>
-              </a:solidFill>
-              <a:latin typeface="Calibri"/>
+            <a:endParaRPr b="0" lang="pt-BR" sz="2000" spc="-1" strike="noStrike">
+              <a:solidFill>
+                <a:srgbClr val="000000"/>
+              </a:solidFill>
+              <a:latin typeface="Arial"/>
             </a:endParaRPr>
           </a:p>
           <a:p>
@@ -7503,11 +6024,11 @@
               </a:rPr>
               <a:t>Funcionalidade: Gestão de Cidades</a:t>
             </a:r>
-            <a:endParaRPr b="0" lang="en-US" sz="2000" spc="-1" strike="noStrike">
-              <a:solidFill>
-                <a:schemeClr val="dk1"/>
-              </a:solidFill>
-              <a:latin typeface="Calibri"/>
+            <a:endParaRPr b="0" lang="pt-BR" sz="2000" spc="-1" strike="noStrike">
+              <a:solidFill>
+                <a:srgbClr val="000000"/>
+              </a:solidFill>
+              <a:latin typeface="Arial"/>
             </a:endParaRPr>
           </a:p>
           <a:p>
@@ -7519,12 +6040,15 @@
                 <a:spcPts val="400"/>
               </a:spcBef>
               <a:buNone/>
-            </a:pPr>
-            <a:endParaRPr b="0" lang="en-US" sz="2000" spc="-1" strike="noStrike">
-              <a:solidFill>
-                <a:schemeClr val="dk1"/>
-              </a:solidFill>
-              <a:latin typeface="Calibri"/>
+              <a:tabLst>
+                <a:tab algn="l" pos="0"/>
+              </a:tabLst>
+            </a:pPr>
+            <a:endParaRPr b="0" lang="pt-BR" sz="2000" spc="-1" strike="noStrike">
+              <a:solidFill>
+                <a:srgbClr val="000000"/>
+              </a:solidFill>
+              <a:latin typeface="Arial"/>
             </a:endParaRPr>
           </a:p>
           <a:p>
@@ -7540,6 +6064,9 @@
               </a:buClr>
               <a:buFont typeface="Arial"/>
               <a:buChar char="•"/>
+              <a:tabLst>
+                <a:tab algn="l" pos="0"/>
+              </a:tabLst>
             </a:pPr>
             <a:r>
               <a:rPr b="0" lang="en-US" sz="2000" spc="-1" strike="noStrike">
@@ -7550,11 +6077,11 @@
               </a:rPr>
               <a:t>Cenário: Listar todas as cidades (positiva)</a:t>
             </a:r>
-            <a:endParaRPr b="0" lang="en-US" sz="2000" spc="-1" strike="noStrike">
-              <a:solidFill>
-                <a:schemeClr val="dk1"/>
-              </a:solidFill>
-              <a:latin typeface="Calibri"/>
+            <a:endParaRPr b="0" lang="pt-BR" sz="2000" spc="-1" strike="noStrike">
+              <a:solidFill>
+                <a:srgbClr val="000000"/>
+              </a:solidFill>
+              <a:latin typeface="Arial"/>
             </a:endParaRPr>
           </a:p>
           <a:p>
@@ -7570,6 +6097,9 @@
               </a:buClr>
               <a:buFont typeface="Arial"/>
               <a:buChar char="•"/>
+              <a:tabLst>
+                <a:tab algn="l" pos="0"/>
+              </a:tabLst>
             </a:pPr>
             <a:r>
               <a:rPr b="0" lang="en-US" sz="2000" spc="-1" strike="noStrike">
@@ -7589,11 +6119,11 @@
               </a:rPr>
               <a:t>Dado que a API está disponível em "https://localhost:5000"</a:t>
             </a:r>
-            <a:endParaRPr b="0" lang="en-US" sz="2000" spc="-1" strike="noStrike">
-              <a:solidFill>
-                <a:schemeClr val="dk1"/>
-              </a:solidFill>
-              <a:latin typeface="Calibri"/>
+            <a:endParaRPr b="0" lang="pt-BR" sz="2000" spc="-1" strike="noStrike">
+              <a:solidFill>
+                <a:srgbClr val="000000"/>
+              </a:solidFill>
+              <a:latin typeface="Arial"/>
             </a:endParaRPr>
           </a:p>
           <a:p>
@@ -7609,6 +6139,9 @@
               </a:buClr>
               <a:buFont typeface="Arial"/>
               <a:buChar char="•"/>
+              <a:tabLst>
+                <a:tab algn="l" pos="0"/>
+              </a:tabLst>
             </a:pPr>
             <a:r>
               <a:rPr b="0" lang="en-US" sz="2000" spc="-1" strike="noStrike">
@@ -7628,11 +6161,11 @@
               </a:rPr>
               <a:t>Quando faço GET em "/cities"</a:t>
             </a:r>
-            <a:endParaRPr b="0" lang="en-US" sz="2000" spc="-1" strike="noStrike">
-              <a:solidFill>
-                <a:schemeClr val="dk1"/>
-              </a:solidFill>
-              <a:latin typeface="Calibri"/>
+            <a:endParaRPr b="0" lang="pt-BR" sz="2000" spc="-1" strike="noStrike">
+              <a:solidFill>
+                <a:srgbClr val="000000"/>
+              </a:solidFill>
+              <a:latin typeface="Arial"/>
             </a:endParaRPr>
           </a:p>
           <a:p>
@@ -7648,6 +6181,9 @@
               </a:buClr>
               <a:buFont typeface="Arial"/>
               <a:buChar char="•"/>
+              <a:tabLst>
+                <a:tab algn="l" pos="0"/>
+              </a:tabLst>
             </a:pPr>
             <a:r>
               <a:rPr b="0" lang="en-US" sz="2000" spc="-1" strike="noStrike">
@@ -7667,11 +6203,11 @@
               </a:rPr>
               <a:t>Então o status code deve ser 200</a:t>
             </a:r>
-            <a:endParaRPr b="0" lang="en-US" sz="2000" spc="-1" strike="noStrike">
-              <a:solidFill>
-                <a:schemeClr val="dk1"/>
-              </a:solidFill>
-              <a:latin typeface="Calibri"/>
+            <a:endParaRPr b="0" lang="pt-BR" sz="2000" spc="-1" strike="noStrike">
+              <a:solidFill>
+                <a:srgbClr val="000000"/>
+              </a:solidFill>
+              <a:latin typeface="Arial"/>
             </a:endParaRPr>
           </a:p>
           <a:p>
@@ -7687,6 +6223,9 @@
               </a:buClr>
               <a:buFont typeface="Arial"/>
               <a:buChar char="•"/>
+              <a:tabLst>
+                <a:tab algn="l" pos="0"/>
+              </a:tabLst>
             </a:pPr>
             <a:r>
               <a:rPr b="0" lang="en-US" sz="2000" spc="-1" strike="noStrike">
@@ -7706,11 +6245,11 @@
               </a:rPr>
               <a:t>E a resposta deve ser um array JSON não vazio</a:t>
             </a:r>
-            <a:endParaRPr b="0" lang="en-US" sz="2000" spc="-1" strike="noStrike">
-              <a:solidFill>
-                <a:schemeClr val="dk1"/>
-              </a:solidFill>
-              <a:latin typeface="Calibri"/>
+            <a:endParaRPr b="0" lang="pt-BR" sz="2000" spc="-1" strike="noStrike">
+              <a:solidFill>
+                <a:srgbClr val="000000"/>
+              </a:solidFill>
+              <a:latin typeface="Arial"/>
             </a:endParaRPr>
           </a:p>
           <a:p>
@@ -7722,12 +6261,15 @@
                 <a:spcPts val="400"/>
               </a:spcBef>
               <a:buNone/>
-            </a:pPr>
-            <a:endParaRPr b="0" lang="en-US" sz="2000" spc="-1" strike="noStrike">
-              <a:solidFill>
-                <a:schemeClr val="dk1"/>
-              </a:solidFill>
-              <a:latin typeface="Calibri"/>
+              <a:tabLst>
+                <a:tab algn="l" pos="0"/>
+              </a:tabLst>
+            </a:pPr>
+            <a:endParaRPr b="0" lang="pt-BR" sz="2000" spc="-1" strike="noStrike">
+              <a:solidFill>
+                <a:srgbClr val="000000"/>
+              </a:solidFill>
+              <a:latin typeface="Arial"/>
             </a:endParaRPr>
           </a:p>
           <a:p>
@@ -7743,6 +6285,9 @@
               </a:buClr>
               <a:buFont typeface="Arial"/>
               <a:buChar char="•"/>
+              <a:tabLst>
+                <a:tab algn="l" pos="0"/>
+              </a:tabLst>
             </a:pPr>
             <a:r>
               <a:rPr b="0" lang="en-US" sz="2000" spc="-1" strike="noStrike">
@@ -7753,11 +6298,11 @@
               </a:rPr>
               <a:t>Cenário: Buscar cidade inexistente (negativa)</a:t>
             </a:r>
-            <a:endParaRPr b="0" lang="en-US" sz="2000" spc="-1" strike="noStrike">
-              <a:solidFill>
-                <a:schemeClr val="dk1"/>
-              </a:solidFill>
-              <a:latin typeface="Calibri"/>
+            <a:endParaRPr b="0" lang="pt-BR" sz="2000" spc="-1" strike="noStrike">
+              <a:solidFill>
+                <a:srgbClr val="000000"/>
+              </a:solidFill>
+              <a:latin typeface="Arial"/>
             </a:endParaRPr>
           </a:p>
           <a:p>
@@ -7773,6 +6318,9 @@
               </a:buClr>
               <a:buFont typeface="Arial"/>
               <a:buChar char="•"/>
+              <a:tabLst>
+                <a:tab algn="l" pos="0"/>
+              </a:tabLst>
             </a:pPr>
             <a:r>
               <a:rPr b="0" lang="en-US" sz="2000" spc="-1" strike="noStrike">
@@ -7792,11 +6340,11 @@
               </a:rPr>
               <a:t>Dado que a API está disponível em "https://localhost:5000"</a:t>
             </a:r>
-            <a:endParaRPr b="0" lang="en-US" sz="2000" spc="-1" strike="noStrike">
-              <a:solidFill>
-                <a:schemeClr val="dk1"/>
-              </a:solidFill>
-              <a:latin typeface="Calibri"/>
+            <a:endParaRPr b="0" lang="pt-BR" sz="2000" spc="-1" strike="noStrike">
+              <a:solidFill>
+                <a:srgbClr val="000000"/>
+              </a:solidFill>
+              <a:latin typeface="Arial"/>
             </a:endParaRPr>
           </a:p>
           <a:p>
@@ -7812,6 +6360,9 @@
               </a:buClr>
               <a:buFont typeface="Arial"/>
               <a:buChar char="•"/>
+              <a:tabLst>
+                <a:tab algn="l" pos="0"/>
+              </a:tabLst>
             </a:pPr>
             <a:r>
               <a:rPr b="0" lang="en-US" sz="2000" spc="-1" strike="noStrike">
@@ -7831,11 +6382,11 @@
               </a:rPr>
               <a:t>Quando faço GET em "/cities/9999"</a:t>
             </a:r>
-            <a:endParaRPr b="0" lang="en-US" sz="2000" spc="-1" strike="noStrike">
-              <a:solidFill>
-                <a:schemeClr val="dk1"/>
-              </a:solidFill>
-              <a:latin typeface="Calibri"/>
+            <a:endParaRPr b="0" lang="pt-BR" sz="2000" spc="-1" strike="noStrike">
+              <a:solidFill>
+                <a:srgbClr val="000000"/>
+              </a:solidFill>
+              <a:latin typeface="Arial"/>
             </a:endParaRPr>
           </a:p>
           <a:p>
@@ -7851,6 +6402,9 @@
               </a:buClr>
               <a:buFont typeface="Arial"/>
               <a:buChar char="•"/>
+              <a:tabLst>
+                <a:tab algn="l" pos="0"/>
+              </a:tabLst>
             </a:pPr>
             <a:r>
               <a:rPr b="0" lang="en-US" sz="2000" spc="-1" strike="noStrike">
@@ -7870,11 +6424,11 @@
               </a:rPr>
               <a:t>Então o status code deve ser 404</a:t>
             </a:r>
-            <a:endParaRPr b="0" lang="en-US" sz="2000" spc="-1" strike="noStrike">
-              <a:solidFill>
-                <a:schemeClr val="dk1"/>
-              </a:solidFill>
-              <a:latin typeface="Calibri"/>
+            <a:endParaRPr b="0" lang="pt-BR" sz="2000" spc="-1" strike="noStrike">
+              <a:solidFill>
+                <a:srgbClr val="000000"/>
+              </a:solidFill>
+              <a:latin typeface="Arial"/>
             </a:endParaRPr>
           </a:p>
         </p:txBody>
@@ -7911,7 +6465,7 @@
       </p:grpSpPr>
       <p:sp>
         <p:nvSpPr>
-          <p:cNvPr id="74" name="PlaceHolder 1"/>
+          <p:cNvPr id="57" name="PlaceHolder 1"/>
           <p:cNvSpPr>
             <a:spLocks noGrp="1"/>
           </p:cNvSpPr>
@@ -7922,7 +6476,7 @@
         <p:spPr>
           <a:xfrm>
             <a:off x="457200" y="274680"/>
-            <a:ext cx="8229240" cy="1142640"/>
+            <a:ext cx="8228880" cy="1142280"/>
           </a:xfrm>
           <a:prstGeom prst="rect">
             <a:avLst/>
@@ -7942,6 +6496,9 @@
                 <a:spcPct val="100000"/>
               </a:lnSpc>
               <a:buNone/>
+              <a:tabLst>
+                <a:tab algn="l" pos="0"/>
+              </a:tabLst>
             </a:pPr>
             <a:r>
               <a:rPr b="0" lang="pt-BR" sz="4400" spc="-1" strike="noStrike">
@@ -7952,18 +6509,18 @@
               </a:rPr>
               <a:t>Acidente.feature</a:t>
             </a:r>
-            <a:endParaRPr b="0" lang="en-US" sz="4400" spc="-1" strike="noStrike">
-              <a:solidFill>
-                <a:schemeClr val="dk1"/>
-              </a:solidFill>
-              <a:latin typeface="Calibri"/>
+            <a:endParaRPr b="0" lang="pt-BR" sz="4400" spc="-1" strike="noStrike">
+              <a:solidFill>
+                <a:srgbClr val="000000"/>
+              </a:solidFill>
+              <a:latin typeface="Arial"/>
             </a:endParaRPr>
           </a:p>
         </p:txBody>
       </p:sp>
       <p:sp>
         <p:nvSpPr>
-          <p:cNvPr id="75" name="PlaceHolder 2"/>
+          <p:cNvPr id="58" name="PlaceHolder 2"/>
           <p:cNvSpPr>
             <a:spLocks noGrp="1"/>
           </p:cNvSpPr>
@@ -7974,7 +6531,7 @@
         <p:spPr>
           <a:xfrm>
             <a:off x="457200" y="1600200"/>
-            <a:ext cx="8229240" cy="4525560"/>
+            <a:ext cx="8228880" cy="4525200"/>
           </a:xfrm>
           <a:prstGeom prst="rect">
             <a:avLst/>
@@ -8014,11 +6571,11 @@
               </a:rPr>
               <a:t># language: pt-BR</a:t>
             </a:r>
-            <a:endParaRPr b="0" lang="en-US" sz="1300" spc="-1" strike="noStrike">
-              <a:solidFill>
-                <a:schemeClr val="dk1"/>
-              </a:solidFill>
-              <a:latin typeface="Calibri"/>
+            <a:endParaRPr b="0" lang="pt-BR" sz="1300" spc="-1" strike="noStrike">
+              <a:solidFill>
+                <a:srgbClr val="000000"/>
+              </a:solidFill>
+              <a:latin typeface="Arial"/>
             </a:endParaRPr>
           </a:p>
           <a:p>
@@ -8030,12 +6587,15 @@
                 <a:spcPts val="261"/>
               </a:spcBef>
               <a:buNone/>
-            </a:pPr>
-            <a:endParaRPr b="0" lang="en-US" sz="1300" spc="-1" strike="noStrike">
-              <a:solidFill>
-                <a:schemeClr val="dk1"/>
-              </a:solidFill>
-              <a:latin typeface="Calibri"/>
+              <a:tabLst>
+                <a:tab algn="l" pos="0"/>
+              </a:tabLst>
+            </a:pPr>
+            <a:endParaRPr b="0" lang="pt-BR" sz="1300" spc="-1" strike="noStrike">
+              <a:solidFill>
+                <a:srgbClr val="000000"/>
+              </a:solidFill>
+              <a:latin typeface="Arial"/>
             </a:endParaRPr>
           </a:p>
           <a:p>
@@ -8051,6 +6611,9 @@
               </a:buClr>
               <a:buFont typeface="Arial"/>
               <a:buChar char="•"/>
+              <a:tabLst>
+                <a:tab algn="l" pos="0"/>
+              </a:tabLst>
             </a:pPr>
             <a:r>
               <a:rPr b="0" lang="pt-BR" sz="1300" spc="-1" strike="noStrike">
@@ -8064,11 +6627,11 @@
               </a:rPr>
               <a:t>Funcionalidade: Gestão de Acidentes</a:t>
             </a:r>
-            <a:endParaRPr b="0" lang="en-US" sz="1300" spc="-1" strike="noStrike">
-              <a:solidFill>
-                <a:schemeClr val="dk1"/>
-              </a:solidFill>
-              <a:latin typeface="Calibri"/>
+            <a:endParaRPr b="0" lang="pt-BR" sz="1300" spc="-1" strike="noStrike">
+              <a:solidFill>
+                <a:srgbClr val="000000"/>
+              </a:solidFill>
+              <a:latin typeface="Arial"/>
             </a:endParaRPr>
           </a:p>
           <a:p>
@@ -8084,6 +6647,9 @@
               </a:buClr>
               <a:buFont typeface="Arial"/>
               <a:buChar char="•"/>
+              <a:tabLst>
+                <a:tab algn="l" pos="0"/>
+              </a:tabLst>
             </a:pPr>
             <a:r>
               <a:rPr b="0" lang="pt-BR" sz="1300" spc="-1" strike="noStrike">
@@ -8109,11 +6675,11 @@
               </a:rPr>
               <a:t>Para monitorar incidentes de trânsito</a:t>
             </a:r>
-            <a:endParaRPr b="0" lang="en-US" sz="1300" spc="-1" strike="noStrike">
-              <a:solidFill>
-                <a:schemeClr val="dk1"/>
-              </a:solidFill>
-              <a:latin typeface="Calibri"/>
+            <a:endParaRPr b="0" lang="pt-BR" sz="1300" spc="-1" strike="noStrike">
+              <a:solidFill>
+                <a:srgbClr val="000000"/>
+              </a:solidFill>
+              <a:latin typeface="Arial"/>
             </a:endParaRPr>
           </a:p>
           <a:p>
@@ -8129,6 +6695,9 @@
               </a:buClr>
               <a:buFont typeface="Arial"/>
               <a:buChar char="•"/>
+              <a:tabLst>
+                <a:tab algn="l" pos="0"/>
+              </a:tabLst>
             </a:pPr>
             <a:r>
               <a:rPr b="0" lang="pt-BR" sz="1300" spc="-1" strike="noStrike">
@@ -8154,11 +6723,11 @@
               </a:rPr>
               <a:t>Como usuário da API</a:t>
             </a:r>
-            <a:endParaRPr b="0" lang="en-US" sz="1300" spc="-1" strike="noStrike">
-              <a:solidFill>
-                <a:schemeClr val="dk1"/>
-              </a:solidFill>
-              <a:latin typeface="Calibri"/>
+            <a:endParaRPr b="0" lang="pt-BR" sz="1300" spc="-1" strike="noStrike">
+              <a:solidFill>
+                <a:srgbClr val="000000"/>
+              </a:solidFill>
+              <a:latin typeface="Arial"/>
             </a:endParaRPr>
           </a:p>
           <a:p>
@@ -8174,6 +6743,9 @@
               </a:buClr>
               <a:buFont typeface="Arial"/>
               <a:buChar char="•"/>
+              <a:tabLst>
+                <a:tab algn="l" pos="0"/>
+              </a:tabLst>
             </a:pPr>
             <a:r>
               <a:rPr b="0" lang="pt-BR" sz="1300" spc="-1" strike="noStrike">
@@ -8199,11 +6771,11 @@
               </a:rPr>
               <a:t>Quero ver a lista de acidentes e detalhes de um acidente</a:t>
             </a:r>
-            <a:endParaRPr b="0" lang="en-US" sz="1300" spc="-1" strike="noStrike">
-              <a:solidFill>
-                <a:schemeClr val="dk1"/>
-              </a:solidFill>
-              <a:latin typeface="Calibri"/>
+            <a:endParaRPr b="0" lang="pt-BR" sz="1300" spc="-1" strike="noStrike">
+              <a:solidFill>
+                <a:srgbClr val="000000"/>
+              </a:solidFill>
+              <a:latin typeface="Arial"/>
             </a:endParaRPr>
           </a:p>
           <a:p>
@@ -8215,12 +6787,15 @@
                 <a:spcPts val="261"/>
               </a:spcBef>
               <a:buNone/>
-            </a:pPr>
-            <a:endParaRPr b="0" lang="en-US" sz="1300" spc="-1" strike="noStrike">
-              <a:solidFill>
-                <a:schemeClr val="dk1"/>
-              </a:solidFill>
-              <a:latin typeface="Calibri"/>
+              <a:tabLst>
+                <a:tab algn="l" pos="0"/>
+              </a:tabLst>
+            </a:pPr>
+            <a:endParaRPr b="0" lang="pt-BR" sz="1300" spc="-1" strike="noStrike">
+              <a:solidFill>
+                <a:srgbClr val="000000"/>
+              </a:solidFill>
+              <a:latin typeface="Arial"/>
             </a:endParaRPr>
           </a:p>
           <a:p>
@@ -8236,6 +6811,9 @@
               </a:buClr>
               <a:buFont typeface="Arial"/>
               <a:buChar char="•"/>
+              <a:tabLst>
+                <a:tab algn="l" pos="0"/>
+              </a:tabLst>
             </a:pPr>
             <a:r>
               <a:rPr b="0" lang="pt-BR" sz="1300" spc="-1" strike="noStrike">
@@ -8261,11 +6839,11 @@
               </a:rPr>
               <a:t>Cenário: Listar todos os acidentes</a:t>
             </a:r>
-            <a:endParaRPr b="0" lang="en-US" sz="1300" spc="-1" strike="noStrike">
-              <a:solidFill>
-                <a:schemeClr val="dk1"/>
-              </a:solidFill>
-              <a:latin typeface="Calibri"/>
+            <a:endParaRPr b="0" lang="pt-BR" sz="1300" spc="-1" strike="noStrike">
+              <a:solidFill>
+                <a:srgbClr val="000000"/>
+              </a:solidFill>
+              <a:latin typeface="Arial"/>
             </a:endParaRPr>
           </a:p>
           <a:p>
@@ -8281,6 +6859,9 @@
               </a:buClr>
               <a:buFont typeface="Arial"/>
               <a:buChar char="•"/>
+              <a:tabLst>
+                <a:tab algn="l" pos="0"/>
+              </a:tabLst>
             </a:pPr>
             <a:r>
               <a:rPr b="0" lang="pt-BR" sz="1300" spc="-1" strike="noStrike">
@@ -8306,11 +6887,11 @@
               </a:rPr>
               <a:t>Dado que a API está disponível em "https://localhost:5000"</a:t>
             </a:r>
-            <a:endParaRPr b="0" lang="en-US" sz="1300" spc="-1" strike="noStrike">
-              <a:solidFill>
-                <a:schemeClr val="dk1"/>
-              </a:solidFill>
-              <a:latin typeface="Calibri"/>
+            <a:endParaRPr b="0" lang="pt-BR" sz="1300" spc="-1" strike="noStrike">
+              <a:solidFill>
+                <a:srgbClr val="000000"/>
+              </a:solidFill>
+              <a:latin typeface="Arial"/>
             </a:endParaRPr>
           </a:p>
           <a:p>
@@ -8326,6 +6907,9 @@
               </a:buClr>
               <a:buFont typeface="Arial"/>
               <a:buChar char="•"/>
+              <a:tabLst>
+                <a:tab algn="l" pos="0"/>
+              </a:tabLst>
             </a:pPr>
             <a:r>
               <a:rPr b="0" lang="pt-BR" sz="1300" spc="-1" strike="noStrike">
@@ -8351,11 +6935,11 @@
               </a:rPr>
               <a:t>Quando faço GET em "/acidentes"</a:t>
             </a:r>
-            <a:endParaRPr b="0" lang="en-US" sz="1300" spc="-1" strike="noStrike">
-              <a:solidFill>
-                <a:schemeClr val="dk1"/>
-              </a:solidFill>
-              <a:latin typeface="Calibri"/>
+            <a:endParaRPr b="0" lang="pt-BR" sz="1300" spc="-1" strike="noStrike">
+              <a:solidFill>
+                <a:srgbClr val="000000"/>
+              </a:solidFill>
+              <a:latin typeface="Arial"/>
             </a:endParaRPr>
           </a:p>
           <a:p>
@@ -8371,6 +6955,9 @@
               </a:buClr>
               <a:buFont typeface="Arial"/>
               <a:buChar char="•"/>
+              <a:tabLst>
+                <a:tab algn="l" pos="0"/>
+              </a:tabLst>
             </a:pPr>
             <a:r>
               <a:rPr b="0" lang="pt-BR" sz="1300" spc="-1" strike="noStrike">
@@ -8396,11 +6983,11 @@
               </a:rPr>
               <a:t>Então o status code deve ser 200</a:t>
             </a:r>
-            <a:endParaRPr b="0" lang="en-US" sz="1300" spc="-1" strike="noStrike">
-              <a:solidFill>
-                <a:schemeClr val="dk1"/>
-              </a:solidFill>
-              <a:latin typeface="Calibri"/>
+            <a:endParaRPr b="0" lang="pt-BR" sz="1300" spc="-1" strike="noStrike">
+              <a:solidFill>
+                <a:srgbClr val="000000"/>
+              </a:solidFill>
+              <a:latin typeface="Arial"/>
             </a:endParaRPr>
           </a:p>
           <a:p>
@@ -8416,6 +7003,9 @@
               </a:buClr>
               <a:buFont typeface="Arial"/>
               <a:buChar char="•"/>
+              <a:tabLst>
+                <a:tab algn="l" pos="0"/>
+              </a:tabLst>
             </a:pPr>
             <a:r>
               <a:rPr b="0" lang="pt-BR" sz="1300" spc="-1" strike="noStrike">
@@ -8441,11 +7031,11 @@
               </a:rPr>
               <a:t>E a resposta deve ser um array JSON não vazio</a:t>
             </a:r>
-            <a:endParaRPr b="0" lang="en-US" sz="1300" spc="-1" strike="noStrike">
-              <a:solidFill>
-                <a:schemeClr val="dk1"/>
-              </a:solidFill>
-              <a:latin typeface="Calibri"/>
+            <a:endParaRPr b="0" lang="pt-BR" sz="1300" spc="-1" strike="noStrike">
+              <a:solidFill>
+                <a:srgbClr val="000000"/>
+              </a:solidFill>
+              <a:latin typeface="Arial"/>
             </a:endParaRPr>
           </a:p>
           <a:p>
@@ -8461,6 +7051,9 @@
               </a:buClr>
               <a:buFont typeface="Arial"/>
               <a:buChar char="•"/>
+              <a:tabLst>
+                <a:tab algn="l" pos="0"/>
+              </a:tabLst>
             </a:pPr>
             <a:r>
               <a:rPr b="0" lang="pt-BR" sz="1300" spc="-1" strike="noStrike">
@@ -8486,11 +7079,11 @@
               </a:rPr>
               <a:t>E a resposta deve obedecer ao schema "acidentes-schema.json"</a:t>
             </a:r>
-            <a:endParaRPr b="0" lang="en-US" sz="1300" spc="-1" strike="noStrike">
-              <a:solidFill>
-                <a:schemeClr val="dk1"/>
-              </a:solidFill>
-              <a:latin typeface="Calibri"/>
+            <a:endParaRPr b="0" lang="pt-BR" sz="1300" spc="-1" strike="noStrike">
+              <a:solidFill>
+                <a:srgbClr val="000000"/>
+              </a:solidFill>
+              <a:latin typeface="Arial"/>
             </a:endParaRPr>
           </a:p>
           <a:p>
@@ -8502,12 +7095,15 @@
                 <a:spcPts val="261"/>
               </a:spcBef>
               <a:buNone/>
-            </a:pPr>
-            <a:endParaRPr b="0" lang="en-US" sz="1300" spc="-1" strike="noStrike">
-              <a:solidFill>
-                <a:schemeClr val="dk1"/>
-              </a:solidFill>
-              <a:latin typeface="Calibri"/>
+              <a:tabLst>
+                <a:tab algn="l" pos="0"/>
+              </a:tabLst>
+            </a:pPr>
+            <a:endParaRPr b="0" lang="pt-BR" sz="1300" spc="-1" strike="noStrike">
+              <a:solidFill>
+                <a:srgbClr val="000000"/>
+              </a:solidFill>
+              <a:latin typeface="Arial"/>
             </a:endParaRPr>
           </a:p>
           <a:p>
@@ -8523,6 +7119,9 @@
               </a:buClr>
               <a:buFont typeface="Arial"/>
               <a:buChar char="•"/>
+              <a:tabLst>
+                <a:tab algn="l" pos="0"/>
+              </a:tabLst>
             </a:pPr>
             <a:r>
               <a:rPr b="0" lang="pt-BR" sz="1300" spc="-1" strike="noStrike">
@@ -8548,11 +7147,11 @@
               </a:rPr>
               <a:t>Cenário: Buscar acidente inexistente</a:t>
             </a:r>
-            <a:endParaRPr b="0" lang="en-US" sz="1300" spc="-1" strike="noStrike">
-              <a:solidFill>
-                <a:schemeClr val="dk1"/>
-              </a:solidFill>
-              <a:latin typeface="Calibri"/>
+            <a:endParaRPr b="0" lang="pt-BR" sz="1300" spc="-1" strike="noStrike">
+              <a:solidFill>
+                <a:srgbClr val="000000"/>
+              </a:solidFill>
+              <a:latin typeface="Arial"/>
             </a:endParaRPr>
           </a:p>
           <a:p>
@@ -8568,6 +7167,9 @@
               </a:buClr>
               <a:buFont typeface="Arial"/>
               <a:buChar char="•"/>
+              <a:tabLst>
+                <a:tab algn="l" pos="0"/>
+              </a:tabLst>
             </a:pPr>
             <a:r>
               <a:rPr b="0" lang="pt-BR" sz="1300" spc="-1" strike="noStrike">
@@ -8593,11 +7195,11 @@
               </a:rPr>
               <a:t>Dado que a API está disponível em "https://localhost:5000"</a:t>
             </a:r>
-            <a:endParaRPr b="0" lang="en-US" sz="1300" spc="-1" strike="noStrike">
-              <a:solidFill>
-                <a:schemeClr val="dk1"/>
-              </a:solidFill>
-              <a:latin typeface="Calibri"/>
+            <a:endParaRPr b="0" lang="pt-BR" sz="1300" spc="-1" strike="noStrike">
+              <a:solidFill>
+                <a:srgbClr val="000000"/>
+              </a:solidFill>
+              <a:latin typeface="Arial"/>
             </a:endParaRPr>
           </a:p>
           <a:p>
@@ -8613,6 +7215,9 @@
               </a:buClr>
               <a:buFont typeface="Arial"/>
               <a:buChar char="•"/>
+              <a:tabLst>
+                <a:tab algn="l" pos="0"/>
+              </a:tabLst>
             </a:pPr>
             <a:r>
               <a:rPr b="0" lang="pt-BR" sz="1300" spc="-1" strike="noStrike">
@@ -8638,11 +7243,11 @@
               </a:rPr>
               <a:t>Quando faço GET em "/acidentes/9999"</a:t>
             </a:r>
-            <a:endParaRPr b="0" lang="en-US" sz="1300" spc="-1" strike="noStrike">
-              <a:solidFill>
-                <a:schemeClr val="dk1"/>
-              </a:solidFill>
-              <a:latin typeface="Calibri"/>
+            <a:endParaRPr b="0" lang="pt-BR" sz="1300" spc="-1" strike="noStrike">
+              <a:solidFill>
+                <a:srgbClr val="000000"/>
+              </a:solidFill>
+              <a:latin typeface="Arial"/>
             </a:endParaRPr>
           </a:p>
           <a:p>
@@ -8658,6 +7263,9 @@
               </a:buClr>
               <a:buFont typeface="Arial"/>
               <a:buChar char="•"/>
+              <a:tabLst>
+                <a:tab algn="l" pos="0"/>
+              </a:tabLst>
             </a:pPr>
             <a:r>
               <a:rPr b="0" lang="pt-BR" sz="1300" spc="-1" strike="noStrike">
@@ -8683,11 +7291,11 @@
               </a:rPr>
               <a:t>Então o status code deve ser 404</a:t>
             </a:r>
-            <a:endParaRPr b="0" lang="en-US" sz="1300" spc="-1" strike="noStrike">
-              <a:solidFill>
-                <a:schemeClr val="dk1"/>
-              </a:solidFill>
-              <a:latin typeface="Calibri"/>
+            <a:endParaRPr b="0" lang="pt-BR" sz="1300" spc="-1" strike="noStrike">
+              <a:solidFill>
+                <a:srgbClr val="000000"/>
+              </a:solidFill>
+              <a:latin typeface="Arial"/>
             </a:endParaRPr>
           </a:p>
         </p:txBody>
@@ -8724,7 +7332,7 @@
       </p:grpSpPr>
       <p:sp>
         <p:nvSpPr>
-          <p:cNvPr id="76" name="PlaceHolder 1"/>
+          <p:cNvPr id="59" name="PlaceHolder 1"/>
           <p:cNvSpPr>
             <a:spLocks noGrp="1"/>
           </p:cNvSpPr>
@@ -8735,7 +7343,7 @@
         <p:spPr>
           <a:xfrm>
             <a:off x="457200" y="274680"/>
-            <a:ext cx="8229240" cy="1142640"/>
+            <a:ext cx="8228880" cy="1142280"/>
           </a:xfrm>
           <a:prstGeom prst="rect">
             <a:avLst/>
@@ -8755,6 +7363,9 @@
                 <a:spcPct val="100000"/>
               </a:lnSpc>
               <a:buNone/>
+              <a:tabLst>
+                <a:tab algn="l" pos="0"/>
+              </a:tabLst>
             </a:pPr>
             <a:r>
               <a:rPr b="0" lang="en-US" sz="4400" spc="-1" strike="noStrike">
@@ -8765,18 +7376,18 @@
               </a:rPr>
               <a:t>Evidência de Execução</a:t>
             </a:r>
-            <a:endParaRPr b="0" lang="en-US" sz="4400" spc="-1" strike="noStrike">
-              <a:solidFill>
-                <a:schemeClr val="dk1"/>
-              </a:solidFill>
-              <a:latin typeface="Calibri"/>
+            <a:endParaRPr b="0" lang="pt-BR" sz="4400" spc="-1" strike="noStrike">
+              <a:solidFill>
+                <a:srgbClr val="000000"/>
+              </a:solidFill>
+              <a:latin typeface="Arial"/>
             </a:endParaRPr>
           </a:p>
         </p:txBody>
       </p:sp>
       <p:sp>
         <p:nvSpPr>
-          <p:cNvPr id="77" name="PlaceHolder 2"/>
+          <p:cNvPr id="60" name="PlaceHolder 2"/>
           <p:cNvSpPr>
             <a:spLocks noGrp="1"/>
           </p:cNvSpPr>
@@ -8787,7 +7398,7 @@
         <p:spPr>
           <a:xfrm>
             <a:off x="457200" y="1600200"/>
-            <a:ext cx="8229240" cy="4525560"/>
+            <a:ext cx="8228880" cy="4525200"/>
           </a:xfrm>
           <a:prstGeom prst="rect">
             <a:avLst/>
@@ -8824,11 +7435,11 @@
               </a:rPr>
               <a:t>Execução de Teste Bem-sucedida:</a:t>
             </a:r>
-            <a:endParaRPr b="0" lang="en-US" sz="3200" spc="-1" strike="noStrike">
-              <a:solidFill>
-                <a:schemeClr val="dk1"/>
-              </a:solidFill>
-              <a:latin typeface="Calibri"/>
+            <a:endParaRPr b="0" lang="pt-BR" sz="3200" spc="-1" strike="noStrike">
+              <a:solidFill>
+                <a:srgbClr val="000000"/>
+              </a:solidFill>
+              <a:latin typeface="Arial"/>
             </a:endParaRPr>
           </a:p>
           <a:p>
@@ -8863,11 +7474,11 @@
               </a:rPr>
               <a:t>4</a:t>
             </a:r>
-            <a:endParaRPr b="0" lang="en-US" sz="3200" spc="-1" strike="noStrike">
-              <a:solidFill>
-                <a:schemeClr val="dk1"/>
-              </a:solidFill>
-              <a:latin typeface="Calibri"/>
+            <a:endParaRPr b="0" lang="pt-BR" sz="3200" spc="-1" strike="noStrike">
+              <a:solidFill>
+                <a:srgbClr val="000000"/>
+              </a:solidFill>
+              <a:latin typeface="Arial"/>
             </a:endParaRPr>
           </a:p>
           <a:p>
@@ -8893,11 +7504,11 @@
               </a:rPr>
               <a:t>Aprovados: 4</a:t>
             </a:r>
-            <a:endParaRPr b="0" lang="en-US" sz="3200" spc="-1" strike="noStrike">
-              <a:solidFill>
-                <a:schemeClr val="dk1"/>
-              </a:solidFill>
-              <a:latin typeface="Calibri"/>
+            <a:endParaRPr b="0" lang="pt-BR" sz="3200" spc="-1" strike="noStrike">
+              <a:solidFill>
+                <a:srgbClr val="000000"/>
+              </a:solidFill>
+              <a:latin typeface="Arial"/>
             </a:endParaRPr>
           </a:p>
           <a:p>
@@ -8923,15 +7534,146 @@
               </a:rPr>
               <a:t>Tempo total: ~1.3s</a:t>
             </a:r>
-            <a:endParaRPr b="0" lang="en-US" sz="3200" spc="-1" strike="noStrike">
-              <a:solidFill>
-                <a:schemeClr val="dk1"/>
-              </a:solidFill>
-              <a:latin typeface="Calibri"/>
+            <a:endParaRPr b="0" lang="pt-BR" sz="3200" spc="-1" strike="noStrike">
+              <a:solidFill>
+                <a:srgbClr val="000000"/>
+              </a:solidFill>
+              <a:latin typeface="Arial"/>
             </a:endParaRPr>
           </a:p>
         </p:txBody>
       </p:sp>
+    </p:spTree>
+  </p:cSld>
+  <mc:AlternateContent>
+    <mc:Choice Requires="p14">
+      <p:transition spd="slow" p14:dur="2000"/>
+    </mc:Choice>
+    <mc:Fallback>
+      <p:transition spd="slow"/>
+    </mc:Fallback>
+  </mc:AlternateContent>
+</p:sld>
+</file>
+
+<file path=ppt/slides/slide7.xml><?xml version="1.0" encoding="utf-8"?>
+<p:sld xmlns:a="http://schemas.openxmlformats.org/drawingml/2006/main" xmlns:p="http://schemas.openxmlformats.org/presentationml/2006/main" xmlns:r="http://schemas.openxmlformats.org/officeDocument/2006/relationships" xmlns:p14="http://schemas.microsoft.com/office/powerpoint/2010/main" xmlns:p15="http://schemas.microsoft.com/office/powerpoint/2012/main" xmlns:mc="http://schemas.openxmlformats.org/markup-compatibility/2006">
+  <p:cSld>
+    <p:spTree>
+      <p:nvGrpSpPr>
+        <p:cNvPr id="1" name=""/>
+        <p:cNvGrpSpPr/>
+        <p:nvPr/>
+      </p:nvGrpSpPr>
+      <p:grpSpPr>
+        <a:xfrm>
+          <a:off x="0" y="0"/>
+          <a:ext cx="0" cy="0"/>
+          <a:chOff x="0" y="0"/>
+          <a:chExt cx="0" cy="0"/>
+        </a:xfrm>
+      </p:grpSpPr>
+      <p:sp>
+        <p:nvSpPr>
+          <p:cNvPr id="61" name="PlaceHolder 1"/>
+          <p:cNvSpPr>
+            <a:spLocks noGrp="1"/>
+          </p:cNvSpPr>
+          <p:nvPr>
+            <p:ph type="title"/>
+          </p:nvPr>
+        </p:nvSpPr>
+        <p:spPr>
+          <a:xfrm>
+            <a:off x="457200" y="274680"/>
+            <a:ext cx="8228880" cy="1142280"/>
+          </a:xfrm>
+          <a:prstGeom prst="rect">
+            <a:avLst/>
+          </a:prstGeom>
+          <a:noFill/>
+          <a:ln w="0">
+            <a:noFill/>
+          </a:ln>
+        </p:spPr>
+        <p:txBody>
+          <a:bodyPr lIns="91440" rIns="91440" tIns="45720" bIns="45720" anchor="ctr">
+            <a:noAutofit/>
+          </a:bodyPr>
+          <a:p>
+            <a:pPr indent="0" algn="ctr" defTabSz="457200">
+              <a:lnSpc>
+                <a:spcPct val="100000"/>
+              </a:lnSpc>
+              <a:buNone/>
+              <a:tabLst>
+                <a:tab algn="l" pos="0"/>
+              </a:tabLst>
+            </a:pPr>
+            <a:r>
+              <a:rPr b="0" lang="en-US" sz="4400" spc="-1" strike="noStrike">
+                <a:solidFill>
+                  <a:schemeClr val="dk1"/>
+                </a:solidFill>
+                <a:latin typeface="Calibri"/>
+              </a:rPr>
+              <a:t>Evidência de Execução</a:t>
+            </a:r>
+            <a:endParaRPr b="0" lang="pt-BR" sz="4400" spc="-1" strike="noStrike">
+              <a:solidFill>
+                <a:srgbClr val="000000"/>
+              </a:solidFill>
+              <a:latin typeface="Arial"/>
+            </a:endParaRPr>
+          </a:p>
+        </p:txBody>
+      </p:sp>
+      <p:pic>
+        <p:nvPicPr>
+          <p:cNvPr id="62" name="" descr=""/>
+          <p:cNvPicPr/>
+          <p:nvPr/>
+        </p:nvPicPr>
+        <p:blipFill>
+          <a:blip r:embed="rId1"/>
+          <a:stretch/>
+        </p:blipFill>
+        <p:spPr>
+          <a:xfrm>
+            <a:off x="457200" y="2880000"/>
+            <a:ext cx="8246160" cy="1966320"/>
+          </a:xfrm>
+          <a:prstGeom prst="rect">
+            <a:avLst/>
+          </a:prstGeom>
+          <a:ln w="0">
+            <a:noFill/>
+          </a:ln>
+        </p:spPr>
+      </p:pic>
+      <p:pic>
+        <p:nvPicPr>
+          <p:cNvPr id="63" name="" descr=""/>
+          <p:cNvPicPr/>
+          <p:nvPr/>
+        </p:nvPicPr>
+        <p:blipFill>
+          <a:blip r:embed="rId2"/>
+          <a:stretch/>
+        </p:blipFill>
+        <p:spPr>
+          <a:xfrm>
+            <a:off x="473040" y="1633680"/>
+            <a:ext cx="6186960" cy="944640"/>
+          </a:xfrm>
+          <a:prstGeom prst="rect">
+            <a:avLst/>
+          </a:prstGeom>
+          <a:ln w="0">
+            <a:noFill/>
+          </a:ln>
+        </p:spPr>
+      </p:pic>
     </p:spTree>
   </p:cSld>
   <mc:AlternateContent>

--- a/Documentacao_Testes.pptx
+++ b/Documentacao_Testes.pptx
@@ -22,6 +22,7 @@
     <p:sldId id="260" r:id="rId17"/>
     <p:sldId id="261" r:id="rId18"/>
     <p:sldId id="262" r:id="rId19"/>
+    <p:sldId id="263" r:id="rId20"/>
   </p:sldIdLst>
   <p:sldSz cx="9144000" cy="6858000"/>
   <p:notesSz cx="7559675" cy="10691813"/>
@@ -58,7 +59,7 @@
         <p:spPr>
           <a:xfrm>
             <a:off x="457200" y="274680"/>
-            <a:ext cx="8228880" cy="1142280"/>
+            <a:ext cx="8228520" cy="1141920"/>
           </a:xfrm>
           <a:prstGeom prst="rect">
             <a:avLst/>
@@ -98,7 +99,7 @@
         <p:spPr>
           <a:xfrm>
             <a:off x="457200" y="1600200"/>
-            <a:ext cx="8228880" cy="4525200"/>
+            <a:ext cx="8228520" cy="4524840"/>
           </a:xfrm>
           <a:prstGeom prst="rect">
             <a:avLst/>
@@ -159,7 +160,7 @@
         <p:txBody>
           <a:bodyPr/>
           <a:p>
-            <a:fld id="{6D0DED35-DE14-433E-917B-709A2904802E}" type="slidenum">
+            <a:fld id="{C15AED0E-0EBF-4E4C-8A1F-2621B75AD107}" type="slidenum">
               <a:t>&lt;#&gt;</a:t>
             </a:fld>
           </a:p>
@@ -242,7 +243,7 @@
         <p:txBody>
           <a:bodyPr/>
           <a:p>
-            <a:fld id="{03E2A2C0-EA44-4D0D-892E-E6C0BBB9332C}" type="slidenum">
+            <a:fld id="{97EFAFFB-B5DC-45AA-ABEF-CB9B2C1D7041}" type="slidenum">
               <a:t>&lt;#&gt;</a:t>
             </a:fld>
           </a:p>
@@ -325,7 +326,7 @@
         <p:txBody>
           <a:bodyPr/>
           <a:p>
-            <a:fld id="{4E87869D-D0DE-40B2-91C8-1075F76EB6E1}" type="slidenum">
+            <a:fld id="{8D041D09-46BC-4EE4-94A8-446E66F21529}" type="slidenum">
               <a:t>&lt;#&gt;</a:t>
             </a:fld>
           </a:p>
@@ -408,7 +409,7 @@
         <p:txBody>
           <a:bodyPr/>
           <a:p>
-            <a:fld id="{D58B6A7D-BD60-4B78-93FD-43B513DEA24C}" type="slidenum">
+            <a:fld id="{D6374F6E-1A33-40B5-810E-B13C2AF1EEE9}" type="slidenum">
               <a:t>&lt;#&gt;</a:t>
             </a:fld>
           </a:p>
@@ -491,7 +492,7 @@
         <p:txBody>
           <a:bodyPr/>
           <a:p>
-            <a:fld id="{27BB3999-0EFC-4DF3-A3DC-2CCA2657D0FA}" type="slidenum">
+            <a:fld id="{464D7247-A3ED-426B-8C88-7184719E5773}" type="slidenum">
               <a:t>&lt;#&gt;</a:t>
             </a:fld>
           </a:p>
@@ -553,7 +554,7 @@
         <p:spPr>
           <a:xfrm>
             <a:off x="457200" y="274680"/>
-            <a:ext cx="8228880" cy="1142280"/>
+            <a:ext cx="8228520" cy="1141920"/>
           </a:xfrm>
           <a:prstGeom prst="rect">
             <a:avLst/>
@@ -593,7 +594,7 @@
         <p:spPr>
           <a:xfrm>
             <a:off x="457200" y="1600200"/>
-            <a:ext cx="8228880" cy="4525200"/>
+            <a:ext cx="8228520" cy="4524840"/>
           </a:xfrm>
           <a:prstGeom prst="rect">
             <a:avLst/>
@@ -657,7 +658,7 @@
         <p:txBody>
           <a:bodyPr/>
           <a:p>
-            <a:fld id="{7506DD82-FC2F-4014-863C-893679DDC656}" type="slidenum">
+            <a:fld id="{3EE102DE-0660-415A-AB13-0880D996001C}" type="slidenum">
               <a:t>&lt;#&gt;</a:t>
             </a:fld>
           </a:p>
@@ -740,7 +741,7 @@
         <p:txBody>
           <a:bodyPr/>
           <a:p>
-            <a:fld id="{ED89D0BF-3698-40CE-BFE5-7F96B0329904}" type="slidenum">
+            <a:fld id="{E7F456A7-CACC-4DD2-AE67-D179BED08112}" type="slidenum">
               <a:t>&lt;#&gt;</a:t>
             </a:fld>
           </a:p>
@@ -802,7 +803,7 @@
         <p:spPr>
           <a:xfrm>
             <a:off x="457200" y="274680"/>
-            <a:ext cx="8228880" cy="1142280"/>
+            <a:ext cx="8228520" cy="1141920"/>
           </a:xfrm>
           <a:prstGeom prst="rect">
             <a:avLst/>
@@ -842,7 +843,7 @@
         <p:spPr>
           <a:xfrm>
             <a:off x="457200" y="1600200"/>
-            <a:ext cx="4015440" cy="4525200"/>
+            <a:ext cx="4015440" cy="4524840"/>
           </a:xfrm>
           <a:prstGeom prst="rect">
             <a:avLst/>
@@ -885,7 +886,7 @@
         <p:spPr>
           <a:xfrm>
             <a:off x="4673880" y="1600200"/>
-            <a:ext cx="4015440" cy="4525200"/>
+            <a:ext cx="4015440" cy="4524840"/>
           </a:xfrm>
           <a:prstGeom prst="rect">
             <a:avLst/>
@@ -949,7 +950,7 @@
         <p:txBody>
           <a:bodyPr/>
           <a:p>
-            <a:fld id="{79D97DD0-5D20-4053-A22B-2D728C93E6BA}" type="slidenum">
+            <a:fld id="{78528BB0-F3A9-4175-AC78-26EDEE78741F}" type="slidenum">
               <a:t>&lt;#&gt;</a:t>
             </a:fld>
           </a:p>
@@ -1032,7 +1033,7 @@
         <p:txBody>
           <a:bodyPr/>
           <a:p>
-            <a:fld id="{C8F5417E-42EC-4C3A-84F6-F67C2FD0B420}" type="slidenum">
+            <a:fld id="{13455B05-E579-408C-AEA4-665548778EC6}" type="slidenum">
               <a:t>&lt;#&gt;</a:t>
             </a:fld>
           </a:p>
@@ -1094,7 +1095,7 @@
         <p:spPr>
           <a:xfrm>
             <a:off x="457200" y="274680"/>
-            <a:ext cx="8228880" cy="1142280"/>
+            <a:ext cx="8228520" cy="1141920"/>
           </a:xfrm>
           <a:prstGeom prst="rect">
             <a:avLst/>
@@ -1155,7 +1156,7 @@
         <p:txBody>
           <a:bodyPr/>
           <a:p>
-            <a:fld id="{15D5CA4A-4FB0-4E87-947F-897A5B6D4136}" type="slidenum">
+            <a:fld id="{7FB2CBDC-AF33-4169-95C7-E465DB7B9523}" type="slidenum">
               <a:t>&lt;#&gt;</a:t>
             </a:fld>
           </a:p>
@@ -1238,7 +1239,7 @@
         <p:txBody>
           <a:bodyPr/>
           <a:p>
-            <a:fld id="{7D17E13C-ACE5-4888-971C-ACA948E82743}" type="slidenum">
+            <a:fld id="{CBDB2EE0-3046-4280-9549-892B6529B444}" type="slidenum">
               <a:t>&lt;#&gt;</a:t>
             </a:fld>
           </a:p>
@@ -1307,7 +1308,7 @@
         <p:spPr>
           <a:xfrm>
             <a:off x="457200" y="274680"/>
-            <a:ext cx="8228880" cy="1142280"/>
+            <a:ext cx="8228520" cy="1141920"/>
           </a:xfrm>
           <a:prstGeom prst="rect">
             <a:avLst/>
@@ -1356,7 +1357,7 @@
         <p:spPr>
           <a:xfrm>
             <a:off x="3124080" y="6356520"/>
-            <a:ext cx="2894760" cy="364320"/>
+            <a:ext cx="2894400" cy="363960"/>
           </a:xfrm>
           <a:prstGeom prst="rect">
             <a:avLst/>
@@ -1404,7 +1405,7 @@
                 </a:solidFill>
                 <a:latin typeface="Times New Roman"/>
               </a:rPr>
-              <a:t> </a:t>
+              <a:t>&lt;rodapé&gt;</a:t>
             </a:r>
             <a:endParaRPr b="0" lang="pt-BR" sz="1400" spc="-1" strike="noStrike">
               <a:solidFill>
@@ -1428,7 +1429,7 @@
         <p:spPr>
           <a:xfrm>
             <a:off x="6553080" y="6356520"/>
-            <a:ext cx="2133000" cy="364320"/>
+            <a:ext cx="2132640" cy="363960"/>
           </a:xfrm>
           <a:prstGeom prst="rect">
             <a:avLst/>
@@ -1471,7 +1472,7 @@
                 <a:tab algn="l" pos="0"/>
               </a:tabLst>
             </a:pPr>
-            <a:fld id="{E68D61B9-E7E6-434B-A4B7-C0E60FE940B2}" type="slidenum">
+            <a:fld id="{85AC1EF3-4678-4AEB-B7D6-DAE10C3457FC}" type="slidenum">
               <a:rPr b="0" lang="en-US" sz="1200" spc="-1" strike="noStrike">
                 <a:solidFill>
                   <a:schemeClr val="dk1">
@@ -1480,7 +1481,7 @@
                 </a:solidFill>
                 <a:latin typeface="Calibri"/>
               </a:rPr>
-              <a:t>7</a:t>
+              <a:t>&lt;número&gt;</a:t>
             </a:fld>
             <a:endParaRPr b="0" lang="pt-BR" sz="1200" spc="-1" strike="noStrike">
               <a:solidFill>
@@ -1504,7 +1505,7 @@
         <p:spPr>
           <a:xfrm>
             <a:off x="457200" y="6356520"/>
-            <a:ext cx="2133000" cy="364320"/>
+            <a:ext cx="2132640" cy="363960"/>
           </a:xfrm>
           <a:prstGeom prst="rect">
             <a:avLst/>
@@ -1540,7 +1541,7 @@
                 </a:solidFill>
                 <a:latin typeface="Times New Roman"/>
               </a:rPr>
-              <a:t> </a:t>
+              <a:t>&lt;data/hora&gt;</a:t>
             </a:r>
             <a:endParaRPr b="0" lang="pt-BR" sz="1400" spc="-1" strike="noStrike">
               <a:solidFill>
@@ -1822,7 +1823,7 @@
         <p:spPr>
           <a:xfrm>
             <a:off x="3124080" y="6356520"/>
-            <a:ext cx="2894760" cy="364320"/>
+            <a:ext cx="2894400" cy="363960"/>
           </a:xfrm>
           <a:prstGeom prst="rect">
             <a:avLst/>
@@ -1894,7 +1895,7 @@
         <p:spPr>
           <a:xfrm>
             <a:off x="6553080" y="6356520"/>
-            <a:ext cx="2133000" cy="364320"/>
+            <a:ext cx="2132640" cy="363960"/>
           </a:xfrm>
           <a:prstGeom prst="rect">
             <a:avLst/>
@@ -1937,7 +1938,7 @@
                 <a:tab algn="l" pos="0"/>
               </a:tabLst>
             </a:pPr>
-            <a:fld id="{070DCCB5-6409-43C5-8DFC-9228CF1B30B5}" type="slidenum">
+            <a:fld id="{393E4917-A43B-4E89-BDD7-3BDD2048BFCD}" type="slidenum">
               <a:rPr b="0" lang="en-US" sz="1200" spc="-1" strike="noStrike">
                 <a:solidFill>
                   <a:schemeClr val="dk1">
@@ -1970,7 +1971,7 @@
         <p:spPr>
           <a:xfrm>
             <a:off x="457200" y="6356520"/>
-            <a:ext cx="2133000" cy="364320"/>
+            <a:ext cx="2132640" cy="363960"/>
           </a:xfrm>
           <a:prstGeom prst="rect">
             <a:avLst/>
@@ -2063,7 +2064,7 @@
         <p:spPr>
           <a:xfrm>
             <a:off x="3124080" y="6356520"/>
-            <a:ext cx="2894760" cy="364320"/>
+            <a:ext cx="2894400" cy="363960"/>
           </a:xfrm>
           <a:prstGeom prst="rect">
             <a:avLst/>
@@ -2135,7 +2136,7 @@
         <p:spPr>
           <a:xfrm>
             <a:off x="6553080" y="6356520"/>
-            <a:ext cx="2133000" cy="364320"/>
+            <a:ext cx="2132640" cy="363960"/>
           </a:xfrm>
           <a:prstGeom prst="rect">
             <a:avLst/>
@@ -2178,7 +2179,7 @@
                 <a:tab algn="l" pos="0"/>
               </a:tabLst>
             </a:pPr>
-            <a:fld id="{45D3D0EC-9340-4298-946D-0CF11B6B9DE6}" type="slidenum">
+            <a:fld id="{E42D2E80-3DB4-4479-B18A-0F8E0DC28AE0}" type="slidenum">
               <a:rPr b="0" lang="en-US" sz="1200" spc="-1" strike="noStrike">
                 <a:solidFill>
                   <a:schemeClr val="dk1">
@@ -2211,7 +2212,7 @@
         <p:spPr>
           <a:xfrm>
             <a:off x="457200" y="6356520"/>
-            <a:ext cx="2133000" cy="364320"/>
+            <a:ext cx="2132640" cy="363960"/>
           </a:xfrm>
           <a:prstGeom prst="rect">
             <a:avLst/>
@@ -2304,7 +2305,7 @@
         <p:spPr>
           <a:xfrm>
             <a:off x="3124080" y="6356520"/>
-            <a:ext cx="2894760" cy="364320"/>
+            <a:ext cx="2894400" cy="363960"/>
           </a:xfrm>
           <a:prstGeom prst="rect">
             <a:avLst/>
@@ -2376,7 +2377,7 @@
         <p:spPr>
           <a:xfrm>
             <a:off x="6553080" y="6356520"/>
-            <a:ext cx="2133000" cy="364320"/>
+            <a:ext cx="2132640" cy="363960"/>
           </a:xfrm>
           <a:prstGeom prst="rect">
             <a:avLst/>
@@ -2419,7 +2420,7 @@
                 <a:tab algn="l" pos="0"/>
               </a:tabLst>
             </a:pPr>
-            <a:fld id="{899D236B-CF84-4376-B80D-95CE2524E833}" type="slidenum">
+            <a:fld id="{70AC6F16-E445-49D9-A6F1-CC9EDCD04F10}" type="slidenum">
               <a:rPr b="0" lang="en-US" sz="1200" spc="-1" strike="noStrike">
                 <a:solidFill>
                   <a:schemeClr val="dk1">
@@ -2452,7 +2453,7 @@
         <p:spPr>
           <a:xfrm>
             <a:off x="457200" y="6356520"/>
-            <a:ext cx="2133000" cy="364320"/>
+            <a:ext cx="2132640" cy="363960"/>
           </a:xfrm>
           <a:prstGeom prst="rect">
             <a:avLst/>
@@ -2545,7 +2546,7 @@
         <p:spPr>
           <a:xfrm>
             <a:off x="3124080" y="6356520"/>
-            <a:ext cx="2894760" cy="364320"/>
+            <a:ext cx="2894400" cy="363960"/>
           </a:xfrm>
           <a:prstGeom prst="rect">
             <a:avLst/>
@@ -2617,7 +2618,7 @@
         <p:spPr>
           <a:xfrm>
             <a:off x="6553080" y="6356520"/>
-            <a:ext cx="2133000" cy="364320"/>
+            <a:ext cx="2132640" cy="363960"/>
           </a:xfrm>
           <a:prstGeom prst="rect">
             <a:avLst/>
@@ -2660,7 +2661,7 @@
                 <a:tab algn="l" pos="0"/>
               </a:tabLst>
             </a:pPr>
-            <a:fld id="{DFBF240D-083C-425A-845C-40AF2E4AE165}" type="slidenum">
+            <a:fld id="{4ADCE783-A40B-4738-9F7C-22E27BEA5D96}" type="slidenum">
               <a:rPr b="0" lang="en-US" sz="1200" spc="-1" strike="noStrike">
                 <a:solidFill>
                   <a:schemeClr val="dk1">
@@ -2693,7 +2694,7 @@
         <p:spPr>
           <a:xfrm>
             <a:off x="457200" y="6356520"/>
-            <a:ext cx="2133000" cy="364320"/>
+            <a:ext cx="2132640" cy="363960"/>
           </a:xfrm>
           <a:prstGeom prst="rect">
             <a:avLst/>
@@ -2786,7 +2787,7 @@
         <p:spPr>
           <a:xfrm>
             <a:off x="457200" y="274680"/>
-            <a:ext cx="8228880" cy="1142280"/>
+            <a:ext cx="8228520" cy="1141920"/>
           </a:xfrm>
           <a:prstGeom prst="rect">
             <a:avLst/>
@@ -2835,7 +2836,7 @@
         <p:spPr>
           <a:xfrm>
             <a:off x="457200" y="1600200"/>
-            <a:ext cx="8228880" cy="4525200"/>
+            <a:ext cx="8228520" cy="4524840"/>
           </a:xfrm>
           <a:prstGeom prst="rect">
             <a:avLst/>
@@ -3060,7 +3061,7 @@
         <p:spPr>
           <a:xfrm>
             <a:off x="3124080" y="6356520"/>
-            <a:ext cx="2894760" cy="364320"/>
+            <a:ext cx="2894400" cy="363960"/>
           </a:xfrm>
           <a:prstGeom prst="rect">
             <a:avLst/>
@@ -3132,7 +3133,7 @@
         <p:spPr>
           <a:xfrm>
             <a:off x="6553080" y="6356520"/>
-            <a:ext cx="2133000" cy="364320"/>
+            <a:ext cx="2132640" cy="363960"/>
           </a:xfrm>
           <a:prstGeom prst="rect">
             <a:avLst/>
@@ -3175,7 +3176,7 @@
                 <a:tab algn="l" pos="0"/>
               </a:tabLst>
             </a:pPr>
-            <a:fld id="{93698971-C553-456E-8B8F-DAAA137267FB}" type="slidenum">
+            <a:fld id="{CF136039-2CAC-4155-90D9-A5524AAE8974}" type="slidenum">
               <a:rPr b="0" lang="en-US" sz="1200" spc="-1" strike="noStrike">
                 <a:solidFill>
                   <a:schemeClr val="dk1">
@@ -3208,7 +3209,7 @@
         <p:spPr>
           <a:xfrm>
             <a:off x="457200" y="6356520"/>
-            <a:ext cx="2133000" cy="364320"/>
+            <a:ext cx="2132640" cy="363960"/>
           </a:xfrm>
           <a:prstGeom prst="rect">
             <a:avLst/>
@@ -3301,7 +3302,7 @@
         <p:spPr>
           <a:xfrm>
             <a:off x="3124080" y="6356520"/>
-            <a:ext cx="2894760" cy="364320"/>
+            <a:ext cx="2894400" cy="363960"/>
           </a:xfrm>
           <a:prstGeom prst="rect">
             <a:avLst/>
@@ -3373,7 +3374,7 @@
         <p:spPr>
           <a:xfrm>
             <a:off x="6553080" y="6356520"/>
-            <a:ext cx="2133000" cy="364320"/>
+            <a:ext cx="2132640" cy="363960"/>
           </a:xfrm>
           <a:prstGeom prst="rect">
             <a:avLst/>
@@ -3416,7 +3417,7 @@
                 <a:tab algn="l" pos="0"/>
               </a:tabLst>
             </a:pPr>
-            <a:fld id="{60362E0F-F978-4EA5-A2A9-55E52BFCF880}" type="slidenum">
+            <a:fld id="{B50EFA96-26CB-4052-B3E9-11A91026A7AE}" type="slidenum">
               <a:rPr b="0" lang="en-US" sz="1200" spc="-1" strike="noStrike">
                 <a:solidFill>
                   <a:schemeClr val="dk1">
@@ -3449,7 +3450,7 @@
         <p:spPr>
           <a:xfrm>
             <a:off x="457200" y="6356520"/>
-            <a:ext cx="2133000" cy="364320"/>
+            <a:ext cx="2132640" cy="363960"/>
           </a:xfrm>
           <a:prstGeom prst="rect">
             <a:avLst/>
@@ -3542,7 +3543,7 @@
         <p:spPr>
           <a:xfrm>
             <a:off x="457200" y="274680"/>
-            <a:ext cx="8228880" cy="1142280"/>
+            <a:ext cx="8228520" cy="1141920"/>
           </a:xfrm>
           <a:prstGeom prst="rect">
             <a:avLst/>
@@ -3591,7 +3592,7 @@
         <p:spPr>
           <a:xfrm>
             <a:off x="457200" y="1600200"/>
-            <a:ext cx="4015440" cy="4525200"/>
+            <a:ext cx="4015080" cy="4524840"/>
           </a:xfrm>
           <a:prstGeom prst="rect">
             <a:avLst/>
@@ -3815,8 +3816,8 @@
         </p:nvSpPr>
         <p:spPr>
           <a:xfrm>
-            <a:off x="4674240" y="1600200"/>
-            <a:ext cx="4015440" cy="4525200"/>
+            <a:off x="4673880" y="1600200"/>
+            <a:ext cx="4015080" cy="4524840"/>
           </a:xfrm>
           <a:prstGeom prst="rect">
             <a:avLst/>
@@ -4041,7 +4042,7 @@
         <p:spPr>
           <a:xfrm>
             <a:off x="3124080" y="6356520"/>
-            <a:ext cx="2894760" cy="364320"/>
+            <a:ext cx="2894400" cy="363960"/>
           </a:xfrm>
           <a:prstGeom prst="rect">
             <a:avLst/>
@@ -4113,7 +4114,7 @@
         <p:spPr>
           <a:xfrm>
             <a:off x="6553080" y="6356520"/>
-            <a:ext cx="2133000" cy="364320"/>
+            <a:ext cx="2132640" cy="363960"/>
           </a:xfrm>
           <a:prstGeom prst="rect">
             <a:avLst/>
@@ -4156,7 +4157,7 @@
                 <a:tab algn="l" pos="0"/>
               </a:tabLst>
             </a:pPr>
-            <a:fld id="{1E51ED0C-4097-4C88-9526-7432CAF55D8D}" type="slidenum">
+            <a:fld id="{038E1FEE-15AA-4192-B5A4-754CBE75F325}" type="slidenum">
               <a:rPr b="0" lang="en-US" sz="1200" spc="-1" strike="noStrike">
                 <a:solidFill>
                   <a:schemeClr val="dk1">
@@ -4189,7 +4190,7 @@
         <p:spPr>
           <a:xfrm>
             <a:off x="457200" y="6356520"/>
-            <a:ext cx="2133000" cy="364320"/>
+            <a:ext cx="2132640" cy="363960"/>
           </a:xfrm>
           <a:prstGeom prst="rect">
             <a:avLst/>
@@ -4282,7 +4283,7 @@
         <p:spPr>
           <a:xfrm>
             <a:off x="3124080" y="6356520"/>
-            <a:ext cx="2894760" cy="364320"/>
+            <a:ext cx="2894400" cy="363960"/>
           </a:xfrm>
           <a:prstGeom prst="rect">
             <a:avLst/>
@@ -4354,7 +4355,7 @@
         <p:spPr>
           <a:xfrm>
             <a:off x="6553080" y="6356520"/>
-            <a:ext cx="2133000" cy="364320"/>
+            <a:ext cx="2132640" cy="363960"/>
           </a:xfrm>
           <a:prstGeom prst="rect">
             <a:avLst/>
@@ -4397,7 +4398,7 @@
                 <a:tab algn="l" pos="0"/>
               </a:tabLst>
             </a:pPr>
-            <a:fld id="{68AC420D-045A-49B9-850F-6DFF724580B0}" type="slidenum">
+            <a:fld id="{088B751B-8DA7-4BB6-9D67-848BE812C789}" type="slidenum">
               <a:rPr b="0" lang="en-US" sz="1200" spc="-1" strike="noStrike">
                 <a:solidFill>
                   <a:schemeClr val="dk1">
@@ -4430,7 +4431,7 @@
         <p:spPr>
           <a:xfrm>
             <a:off x="457200" y="6356520"/>
-            <a:ext cx="2133000" cy="364320"/>
+            <a:ext cx="2132640" cy="363960"/>
           </a:xfrm>
           <a:prstGeom prst="rect">
             <a:avLst/>
@@ -4523,7 +4524,7 @@
         <p:spPr>
           <a:xfrm>
             <a:off x="457200" y="274680"/>
-            <a:ext cx="8228880" cy="1142280"/>
+            <a:ext cx="8228520" cy="1141920"/>
           </a:xfrm>
           <a:prstGeom prst="rect">
             <a:avLst/>
@@ -4572,7 +4573,7 @@
         <p:spPr>
           <a:xfrm>
             <a:off x="3124080" y="6356520"/>
-            <a:ext cx="2894760" cy="364320"/>
+            <a:ext cx="2894400" cy="363960"/>
           </a:xfrm>
           <a:prstGeom prst="rect">
             <a:avLst/>
@@ -4644,7 +4645,7 @@
         <p:spPr>
           <a:xfrm>
             <a:off x="6553080" y="6356520"/>
-            <a:ext cx="2133000" cy="364320"/>
+            <a:ext cx="2132640" cy="363960"/>
           </a:xfrm>
           <a:prstGeom prst="rect">
             <a:avLst/>
@@ -4687,7 +4688,7 @@
                 <a:tab algn="l" pos="0"/>
               </a:tabLst>
             </a:pPr>
-            <a:fld id="{5BD66468-72CF-4FEC-9384-884D7C9D3C54}" type="slidenum">
+            <a:fld id="{08EE2C96-00B2-4C66-AB2B-3D6227D168DD}" type="slidenum">
               <a:rPr b="0" lang="en-US" sz="1200" spc="-1" strike="noStrike">
                 <a:solidFill>
                   <a:schemeClr val="dk1">
@@ -4720,7 +4721,7 @@
         <p:spPr>
           <a:xfrm>
             <a:off x="457200" y="6356520"/>
-            <a:ext cx="2133000" cy="364320"/>
+            <a:ext cx="2132640" cy="363960"/>
           </a:xfrm>
           <a:prstGeom prst="rect">
             <a:avLst/>
@@ -4813,7 +4814,7 @@
         <p:spPr>
           <a:xfrm>
             <a:off x="3124080" y="6356520"/>
-            <a:ext cx="2894760" cy="364320"/>
+            <a:ext cx="2894400" cy="363960"/>
           </a:xfrm>
           <a:prstGeom prst="rect">
             <a:avLst/>
@@ -4885,7 +4886,7 @@
         <p:spPr>
           <a:xfrm>
             <a:off x="6553080" y="6356520"/>
-            <a:ext cx="2133000" cy="364320"/>
+            <a:ext cx="2132640" cy="363960"/>
           </a:xfrm>
           <a:prstGeom prst="rect">
             <a:avLst/>
@@ -4928,7 +4929,7 @@
                 <a:tab algn="l" pos="0"/>
               </a:tabLst>
             </a:pPr>
-            <a:fld id="{09E20F18-E7B2-4740-AB44-71A0A3A4AD0F}" type="slidenum">
+            <a:fld id="{8A359D2F-278B-4442-93E2-9A974F967C0E}" type="slidenum">
               <a:rPr b="0" lang="en-US" sz="1200" spc="-1" strike="noStrike">
                 <a:solidFill>
                   <a:schemeClr val="dk1">
@@ -4961,7 +4962,7 @@
         <p:spPr>
           <a:xfrm>
             <a:off x="457200" y="6356520"/>
-            <a:ext cx="2133000" cy="364320"/>
+            <a:ext cx="2132640" cy="363960"/>
           </a:xfrm>
           <a:prstGeom prst="rect">
             <a:avLst/>
@@ -5047,7 +5048,7 @@
         <p:spPr>
           <a:xfrm>
             <a:off x="685800" y="2130480"/>
-            <a:ext cx="7771680" cy="1469160"/>
+            <a:ext cx="7771320" cy="1468800"/>
           </a:xfrm>
           <a:prstGeom prst="rect">
             <a:avLst/>
@@ -5102,7 +5103,7 @@
         <p:spPr>
           <a:xfrm>
             <a:off x="1371600" y="3886200"/>
-            <a:ext cx="6400080" cy="1751760"/>
+            <a:ext cx="6399720" cy="1751400"/>
           </a:xfrm>
           <a:prstGeom prst="rect">
             <a:avLst/>
@@ -5243,7 +5244,7 @@
         <p:spPr>
           <a:xfrm>
             <a:off x="457200" y="274680"/>
-            <a:ext cx="8228880" cy="1142280"/>
+            <a:ext cx="8228520" cy="1141920"/>
           </a:xfrm>
           <a:prstGeom prst="rect">
             <a:avLst/>
@@ -5298,7 +5299,7 @@
         <p:spPr>
           <a:xfrm>
             <a:off x="457200" y="1600200"/>
-            <a:ext cx="8228880" cy="4525200"/>
+            <a:ext cx="8228520" cy="4524840"/>
           </a:xfrm>
           <a:prstGeom prst="rect">
             <a:avLst/>
@@ -5507,7 +5508,7 @@
         <p:spPr>
           <a:xfrm>
             <a:off x="457200" y="274680"/>
-            <a:ext cx="8228880" cy="1142280"/>
+            <a:ext cx="8228520" cy="1141920"/>
           </a:xfrm>
           <a:prstGeom prst="rect">
             <a:avLst/>
@@ -5562,7 +5563,7 @@
         <p:spPr>
           <a:xfrm>
             <a:off x="457200" y="1600200"/>
-            <a:ext cx="8228880" cy="4525200"/>
+            <a:ext cx="8228520" cy="4524840"/>
           </a:xfrm>
           <a:prstGeom prst="rect">
             <a:avLst/>
@@ -5902,7 +5903,7 @@
         <p:spPr>
           <a:xfrm>
             <a:off x="457200" y="274680"/>
-            <a:ext cx="8228880" cy="1142280"/>
+            <a:ext cx="8228520" cy="1141920"/>
           </a:xfrm>
           <a:prstGeom prst="rect">
             <a:avLst/>
@@ -5957,7 +5958,7 @@
         <p:spPr>
           <a:xfrm>
             <a:off x="457200" y="1600200"/>
-            <a:ext cx="8228880" cy="4525200"/>
+            <a:ext cx="8228520" cy="4524840"/>
           </a:xfrm>
           <a:prstGeom prst="rect">
             <a:avLst/>
@@ -6476,7 +6477,7 @@
         <p:spPr>
           <a:xfrm>
             <a:off x="457200" y="274680"/>
-            <a:ext cx="8228880" cy="1142280"/>
+            <a:ext cx="8228520" cy="1141920"/>
           </a:xfrm>
           <a:prstGeom prst="rect">
             <a:avLst/>
@@ -6531,7 +6532,7 @@
         <p:spPr>
           <a:xfrm>
             <a:off x="457200" y="1600200"/>
-            <a:ext cx="8228880" cy="4525200"/>
+            <a:ext cx="8228520" cy="4524840"/>
           </a:xfrm>
           <a:prstGeom prst="rect">
             <a:avLst/>
@@ -7343,7 +7344,7 @@
         <p:spPr>
           <a:xfrm>
             <a:off x="457200" y="274680"/>
-            <a:ext cx="8228880" cy="1142280"/>
+            <a:ext cx="8228520" cy="1141920"/>
           </a:xfrm>
           <a:prstGeom prst="rect">
             <a:avLst/>
@@ -7398,7 +7399,7 @@
         <p:spPr>
           <a:xfrm>
             <a:off x="457200" y="1600200"/>
-            <a:ext cx="8228880" cy="4525200"/>
+            <a:ext cx="8228520" cy="4524840"/>
           </a:xfrm>
           <a:prstGeom prst="rect">
             <a:avLst/>
@@ -7586,7 +7587,7 @@
         <p:spPr>
           <a:xfrm>
             <a:off x="457200" y="274680"/>
-            <a:ext cx="8228880" cy="1142280"/>
+            <a:ext cx="8228520" cy="1141920"/>
           </a:xfrm>
           <a:prstGeom prst="rect">
             <a:avLst/>
@@ -7641,7 +7642,7 @@
         <p:spPr>
           <a:xfrm>
             <a:off x="457200" y="2880000"/>
-            <a:ext cx="8246160" cy="1966320"/>
+            <a:ext cx="8245800" cy="1965960"/>
           </a:xfrm>
           <a:prstGeom prst="rect">
             <a:avLst/>
@@ -7664,7 +7665,115 @@
         <p:spPr>
           <a:xfrm>
             <a:off x="473040" y="1633680"/>
-            <a:ext cx="6186960" cy="944640"/>
+            <a:ext cx="6186600" cy="944280"/>
+          </a:xfrm>
+          <a:prstGeom prst="rect">
+            <a:avLst/>
+          </a:prstGeom>
+          <a:ln w="0">
+            <a:noFill/>
+          </a:ln>
+        </p:spPr>
+      </p:pic>
+    </p:spTree>
+  </p:cSld>
+  <mc:AlternateContent>
+    <mc:Choice Requires="p14">
+      <p:transition spd="slow" p14:dur="2000"/>
+    </mc:Choice>
+    <mc:Fallback>
+      <p:transition spd="slow"/>
+    </mc:Fallback>
+  </mc:AlternateContent>
+</p:sld>
+</file>
+
+<file path=ppt/slides/slide8.xml><?xml version="1.0" encoding="utf-8"?>
+<p:sld xmlns:a="http://schemas.openxmlformats.org/drawingml/2006/main" xmlns:p="http://schemas.openxmlformats.org/presentationml/2006/main" xmlns:r="http://schemas.openxmlformats.org/officeDocument/2006/relationships" xmlns:p14="http://schemas.microsoft.com/office/powerpoint/2010/main" xmlns:p15="http://schemas.microsoft.com/office/powerpoint/2012/main" xmlns:mc="http://schemas.openxmlformats.org/markup-compatibility/2006">
+  <p:cSld>
+    <p:spTree>
+      <p:nvGrpSpPr>
+        <p:cNvPr id="1" name=""/>
+        <p:cNvGrpSpPr/>
+        <p:nvPr/>
+      </p:nvGrpSpPr>
+      <p:grpSpPr>
+        <a:xfrm>
+          <a:off x="0" y="0"/>
+          <a:ext cx="0" cy="0"/>
+          <a:chOff x="0" y="0"/>
+          <a:chExt cx="0" cy="0"/>
+        </a:xfrm>
+      </p:grpSpPr>
+      <p:sp>
+        <p:nvSpPr>
+          <p:cNvPr id="64" name="PlaceHolder 1"/>
+          <p:cNvSpPr>
+            <a:spLocks noGrp="1"/>
+          </p:cNvSpPr>
+          <p:nvPr>
+            <p:ph type="title"/>
+          </p:nvPr>
+        </p:nvSpPr>
+        <p:spPr>
+          <a:xfrm>
+            <a:off x="457200" y="274680"/>
+            <a:ext cx="8228520" cy="1141920"/>
+          </a:xfrm>
+          <a:prstGeom prst="rect">
+            <a:avLst/>
+          </a:prstGeom>
+          <a:noFill/>
+          <a:ln w="0">
+            <a:noFill/>
+          </a:ln>
+        </p:spPr>
+        <p:txBody>
+          <a:bodyPr lIns="91440" rIns="91440" tIns="45720" bIns="45720" anchor="ctr">
+            <a:noAutofit/>
+          </a:bodyPr>
+          <a:p>
+            <a:pPr indent="0" algn="ctr" defTabSz="457200">
+              <a:lnSpc>
+                <a:spcPct val="100000"/>
+              </a:lnSpc>
+              <a:buNone/>
+              <a:tabLst>
+                <a:tab algn="l" pos="0"/>
+              </a:tabLst>
+            </a:pPr>
+            <a:r>
+              <a:rPr b="0" lang="en-US" sz="4400" spc="-1" strike="noStrike">
+                <a:solidFill>
+                  <a:schemeClr val="dk1"/>
+                </a:solidFill>
+                <a:latin typeface="Calibri"/>
+              </a:rPr>
+              <a:t>Evidência de Execução</a:t>
+            </a:r>
+            <a:endParaRPr b="0" lang="pt-BR" sz="4400" spc="-1" strike="noStrike">
+              <a:solidFill>
+                <a:srgbClr val="000000"/>
+              </a:solidFill>
+              <a:latin typeface="Arial"/>
+            </a:endParaRPr>
+          </a:p>
+        </p:txBody>
+      </p:sp>
+      <p:pic>
+        <p:nvPicPr>
+          <p:cNvPr id="65" name="" descr=""/>
+          <p:cNvPicPr/>
+          <p:nvPr/>
+        </p:nvPicPr>
+        <p:blipFill>
+          <a:blip r:embed="rId1"/>
+          <a:stretch/>
+        </p:blipFill>
+        <p:spPr>
+          <a:xfrm>
+            <a:off x="540000" y="1620000"/>
+            <a:ext cx="8280000" cy="4068000"/>
           </a:xfrm>
           <a:prstGeom prst="rect">
             <a:avLst/>

--- a/Documentacao_Testes.pptx
+++ b/Documentacao_Testes.pptx
@@ -23,6 +23,7 @@
     <p:sldId id="261" r:id="rId18"/>
     <p:sldId id="262" r:id="rId19"/>
     <p:sldId id="263" r:id="rId20"/>
+    <p:sldId id="264" r:id="rId21"/>
   </p:sldIdLst>
   <p:sldSz cx="9144000" cy="6858000"/>
   <p:notesSz cx="7559675" cy="10691813"/>
@@ -59,7 +60,7 @@
         <p:spPr>
           <a:xfrm>
             <a:off x="457200" y="274680"/>
-            <a:ext cx="8228520" cy="1141920"/>
+            <a:ext cx="8228160" cy="1141560"/>
           </a:xfrm>
           <a:prstGeom prst="rect">
             <a:avLst/>
@@ -99,7 +100,7 @@
         <p:spPr>
           <a:xfrm>
             <a:off x="457200" y="1600200"/>
-            <a:ext cx="8228520" cy="4524840"/>
+            <a:ext cx="8228160" cy="4524480"/>
           </a:xfrm>
           <a:prstGeom prst="rect">
             <a:avLst/>
@@ -160,7 +161,7 @@
         <p:txBody>
           <a:bodyPr/>
           <a:p>
-            <a:fld id="{C15AED0E-0EBF-4E4C-8A1F-2621B75AD107}" type="slidenum">
+            <a:fld id="{3F55531F-8353-4714-8220-6E5DC6DE4BD7}" type="slidenum">
               <a:t>&lt;#&gt;</a:t>
             </a:fld>
           </a:p>
@@ -243,7 +244,7 @@
         <p:txBody>
           <a:bodyPr/>
           <a:p>
-            <a:fld id="{97EFAFFB-B5DC-45AA-ABEF-CB9B2C1D7041}" type="slidenum">
+            <a:fld id="{ABC1559E-1CFC-4D9C-87E1-238DBCC71808}" type="slidenum">
               <a:t>&lt;#&gt;</a:t>
             </a:fld>
           </a:p>
@@ -326,7 +327,7 @@
         <p:txBody>
           <a:bodyPr/>
           <a:p>
-            <a:fld id="{8D041D09-46BC-4EE4-94A8-446E66F21529}" type="slidenum">
+            <a:fld id="{02EE7A32-CE79-4055-9650-555BE74AF253}" type="slidenum">
               <a:t>&lt;#&gt;</a:t>
             </a:fld>
           </a:p>
@@ -409,7 +410,7 @@
         <p:txBody>
           <a:bodyPr/>
           <a:p>
-            <a:fld id="{D6374F6E-1A33-40B5-810E-B13C2AF1EEE9}" type="slidenum">
+            <a:fld id="{F6B1E80B-01BE-4378-9403-B15A24D0CA91}" type="slidenum">
               <a:t>&lt;#&gt;</a:t>
             </a:fld>
           </a:p>
@@ -492,7 +493,7 @@
         <p:txBody>
           <a:bodyPr/>
           <a:p>
-            <a:fld id="{464D7247-A3ED-426B-8C88-7184719E5773}" type="slidenum">
+            <a:fld id="{86D50EA0-F159-4B48-B237-597B633E7C6D}" type="slidenum">
               <a:t>&lt;#&gt;</a:t>
             </a:fld>
           </a:p>
@@ -554,7 +555,7 @@
         <p:spPr>
           <a:xfrm>
             <a:off x="457200" y="274680"/>
-            <a:ext cx="8228520" cy="1141920"/>
+            <a:ext cx="8228160" cy="1141560"/>
           </a:xfrm>
           <a:prstGeom prst="rect">
             <a:avLst/>
@@ -594,7 +595,7 @@
         <p:spPr>
           <a:xfrm>
             <a:off x="457200" y="1600200"/>
-            <a:ext cx="8228520" cy="4524840"/>
+            <a:ext cx="8228160" cy="4524480"/>
           </a:xfrm>
           <a:prstGeom prst="rect">
             <a:avLst/>
@@ -658,7 +659,7 @@
         <p:txBody>
           <a:bodyPr/>
           <a:p>
-            <a:fld id="{3EE102DE-0660-415A-AB13-0880D996001C}" type="slidenum">
+            <a:fld id="{C2410089-96D4-4D68-AE3B-41DF5BF3B45B}" type="slidenum">
               <a:t>&lt;#&gt;</a:t>
             </a:fld>
           </a:p>
@@ -741,7 +742,7 @@
         <p:txBody>
           <a:bodyPr/>
           <a:p>
-            <a:fld id="{E7F456A7-CACC-4DD2-AE67-D179BED08112}" type="slidenum">
+            <a:fld id="{B787BC64-ACAD-4DFC-9388-A273CA09485B}" type="slidenum">
               <a:t>&lt;#&gt;</a:t>
             </a:fld>
           </a:p>
@@ -803,7 +804,7 @@
         <p:spPr>
           <a:xfrm>
             <a:off x="457200" y="274680"/>
-            <a:ext cx="8228520" cy="1141920"/>
+            <a:ext cx="8228160" cy="1141560"/>
           </a:xfrm>
           <a:prstGeom prst="rect">
             <a:avLst/>
@@ -843,7 +844,7 @@
         <p:spPr>
           <a:xfrm>
             <a:off x="457200" y="1600200"/>
-            <a:ext cx="4015440" cy="4524840"/>
+            <a:ext cx="4015080" cy="4524480"/>
           </a:xfrm>
           <a:prstGeom prst="rect">
             <a:avLst/>
@@ -885,8 +886,8 @@
         </p:nvSpPr>
         <p:spPr>
           <a:xfrm>
-            <a:off x="4673880" y="1600200"/>
-            <a:ext cx="4015440" cy="4524840"/>
+            <a:off x="4673520" y="1600200"/>
+            <a:ext cx="4015080" cy="4524480"/>
           </a:xfrm>
           <a:prstGeom prst="rect">
             <a:avLst/>
@@ -950,7 +951,7 @@
         <p:txBody>
           <a:bodyPr/>
           <a:p>
-            <a:fld id="{78528BB0-F3A9-4175-AC78-26EDEE78741F}" type="slidenum">
+            <a:fld id="{9B024118-7107-4BE7-B493-F40133041930}" type="slidenum">
               <a:t>&lt;#&gt;</a:t>
             </a:fld>
           </a:p>
@@ -1033,7 +1034,7 @@
         <p:txBody>
           <a:bodyPr/>
           <a:p>
-            <a:fld id="{13455B05-E579-408C-AEA4-665548778EC6}" type="slidenum">
+            <a:fld id="{F5064A2C-F6E3-4B19-AFCD-5C11ED1A7CAC}" type="slidenum">
               <a:t>&lt;#&gt;</a:t>
             </a:fld>
           </a:p>
@@ -1095,7 +1096,7 @@
         <p:spPr>
           <a:xfrm>
             <a:off x="457200" y="274680"/>
-            <a:ext cx="8228520" cy="1141920"/>
+            <a:ext cx="8228160" cy="1141560"/>
           </a:xfrm>
           <a:prstGeom prst="rect">
             <a:avLst/>
@@ -1156,7 +1157,7 @@
         <p:txBody>
           <a:bodyPr/>
           <a:p>
-            <a:fld id="{7FB2CBDC-AF33-4169-95C7-E465DB7B9523}" type="slidenum">
+            <a:fld id="{D080A2C8-E536-4B13-89F0-5915BA72CF24}" type="slidenum">
               <a:t>&lt;#&gt;</a:t>
             </a:fld>
           </a:p>
@@ -1239,7 +1240,7 @@
         <p:txBody>
           <a:bodyPr/>
           <a:p>
-            <a:fld id="{CBDB2EE0-3046-4280-9549-892B6529B444}" type="slidenum">
+            <a:fld id="{C7870CF0-27E5-4B46-A5E6-DD70DD95D222}" type="slidenum">
               <a:t>&lt;#&gt;</a:t>
             </a:fld>
           </a:p>
@@ -1308,7 +1309,7 @@
         <p:spPr>
           <a:xfrm>
             <a:off x="457200" y="274680"/>
-            <a:ext cx="8228520" cy="1141920"/>
+            <a:ext cx="8228160" cy="1141560"/>
           </a:xfrm>
           <a:prstGeom prst="rect">
             <a:avLst/>
@@ -1357,7 +1358,7 @@
         <p:spPr>
           <a:xfrm>
             <a:off x="3124080" y="6356520"/>
-            <a:ext cx="2894400" cy="363960"/>
+            <a:ext cx="2894040" cy="363600"/>
           </a:xfrm>
           <a:prstGeom prst="rect">
             <a:avLst/>
@@ -1405,7 +1406,7 @@
                 </a:solidFill>
                 <a:latin typeface="Times New Roman"/>
               </a:rPr>
-              <a:t>&lt;rodapé&gt;</a:t>
+              <a:t> </a:t>
             </a:r>
             <a:endParaRPr b="0" lang="pt-BR" sz="1400" spc="-1" strike="noStrike">
               <a:solidFill>
@@ -1429,7 +1430,7 @@
         <p:spPr>
           <a:xfrm>
             <a:off x="6553080" y="6356520"/>
-            <a:ext cx="2132640" cy="363960"/>
+            <a:ext cx="2132280" cy="363600"/>
           </a:xfrm>
           <a:prstGeom prst="rect">
             <a:avLst/>
@@ -1472,7 +1473,7 @@
                 <a:tab algn="l" pos="0"/>
               </a:tabLst>
             </a:pPr>
-            <a:fld id="{85AC1EF3-4678-4AEB-B7D6-DAE10C3457FC}" type="slidenum">
+            <a:fld id="{E589BFC9-CD78-41B4-B0F6-0C85C56435E7}" type="slidenum">
               <a:rPr b="0" lang="en-US" sz="1200" spc="-1" strike="noStrike">
                 <a:solidFill>
                   <a:schemeClr val="dk1">
@@ -1481,7 +1482,7 @@
                 </a:solidFill>
                 <a:latin typeface="Calibri"/>
               </a:rPr>
-              <a:t>&lt;número&gt;</a:t>
+              <a:t>9</a:t>
             </a:fld>
             <a:endParaRPr b="0" lang="pt-BR" sz="1200" spc="-1" strike="noStrike">
               <a:solidFill>
@@ -1505,7 +1506,7 @@
         <p:spPr>
           <a:xfrm>
             <a:off x="457200" y="6356520"/>
-            <a:ext cx="2132640" cy="363960"/>
+            <a:ext cx="2132280" cy="363600"/>
           </a:xfrm>
           <a:prstGeom prst="rect">
             <a:avLst/>
@@ -1541,7 +1542,7 @@
                 </a:solidFill>
                 <a:latin typeface="Times New Roman"/>
               </a:rPr>
-              <a:t>&lt;data/hora&gt;</a:t>
+              <a:t> </a:t>
             </a:r>
             <a:endParaRPr b="0" lang="pt-BR" sz="1400" spc="-1" strike="noStrike">
               <a:solidFill>
@@ -1823,7 +1824,7 @@
         <p:spPr>
           <a:xfrm>
             <a:off x="3124080" y="6356520"/>
-            <a:ext cx="2894400" cy="363960"/>
+            <a:ext cx="2894040" cy="363600"/>
           </a:xfrm>
           <a:prstGeom prst="rect">
             <a:avLst/>
@@ -1895,7 +1896,7 @@
         <p:spPr>
           <a:xfrm>
             <a:off x="6553080" y="6356520"/>
-            <a:ext cx="2132640" cy="363960"/>
+            <a:ext cx="2132280" cy="363600"/>
           </a:xfrm>
           <a:prstGeom prst="rect">
             <a:avLst/>
@@ -1938,7 +1939,7 @@
                 <a:tab algn="l" pos="0"/>
               </a:tabLst>
             </a:pPr>
-            <a:fld id="{393E4917-A43B-4E89-BDD7-3BDD2048BFCD}" type="slidenum">
+            <a:fld id="{7B4CB9E1-7E7E-4873-B108-C9A20B7EB10D}" type="slidenum">
               <a:rPr b="0" lang="en-US" sz="1200" spc="-1" strike="noStrike">
                 <a:solidFill>
                   <a:schemeClr val="dk1">
@@ -1971,7 +1972,7 @@
         <p:spPr>
           <a:xfrm>
             <a:off x="457200" y="6356520"/>
-            <a:ext cx="2132640" cy="363960"/>
+            <a:ext cx="2132280" cy="363600"/>
           </a:xfrm>
           <a:prstGeom prst="rect">
             <a:avLst/>
@@ -2064,7 +2065,7 @@
         <p:spPr>
           <a:xfrm>
             <a:off x="3124080" y="6356520"/>
-            <a:ext cx="2894400" cy="363960"/>
+            <a:ext cx="2894040" cy="363600"/>
           </a:xfrm>
           <a:prstGeom prst="rect">
             <a:avLst/>
@@ -2136,7 +2137,7 @@
         <p:spPr>
           <a:xfrm>
             <a:off x="6553080" y="6356520"/>
-            <a:ext cx="2132640" cy="363960"/>
+            <a:ext cx="2132280" cy="363600"/>
           </a:xfrm>
           <a:prstGeom prst="rect">
             <a:avLst/>
@@ -2179,7 +2180,7 @@
                 <a:tab algn="l" pos="0"/>
               </a:tabLst>
             </a:pPr>
-            <a:fld id="{E42D2E80-3DB4-4479-B18A-0F8E0DC28AE0}" type="slidenum">
+            <a:fld id="{2EEAE7D0-575B-4EB9-B110-90226F31D0E2}" type="slidenum">
               <a:rPr b="0" lang="en-US" sz="1200" spc="-1" strike="noStrike">
                 <a:solidFill>
                   <a:schemeClr val="dk1">
@@ -2212,7 +2213,7 @@
         <p:spPr>
           <a:xfrm>
             <a:off x="457200" y="6356520"/>
-            <a:ext cx="2132640" cy="363960"/>
+            <a:ext cx="2132280" cy="363600"/>
           </a:xfrm>
           <a:prstGeom prst="rect">
             <a:avLst/>
@@ -2305,7 +2306,7 @@
         <p:spPr>
           <a:xfrm>
             <a:off x="3124080" y="6356520"/>
-            <a:ext cx="2894400" cy="363960"/>
+            <a:ext cx="2894040" cy="363600"/>
           </a:xfrm>
           <a:prstGeom prst="rect">
             <a:avLst/>
@@ -2377,7 +2378,7 @@
         <p:spPr>
           <a:xfrm>
             <a:off x="6553080" y="6356520"/>
-            <a:ext cx="2132640" cy="363960"/>
+            <a:ext cx="2132280" cy="363600"/>
           </a:xfrm>
           <a:prstGeom prst="rect">
             <a:avLst/>
@@ -2420,7 +2421,7 @@
                 <a:tab algn="l" pos="0"/>
               </a:tabLst>
             </a:pPr>
-            <a:fld id="{70AC6F16-E445-49D9-A6F1-CC9EDCD04F10}" type="slidenum">
+            <a:fld id="{2EE399A5-E5E6-4440-95EC-496B7E7C86F7}" type="slidenum">
               <a:rPr b="0" lang="en-US" sz="1200" spc="-1" strike="noStrike">
                 <a:solidFill>
                   <a:schemeClr val="dk1">
@@ -2453,7 +2454,7 @@
         <p:spPr>
           <a:xfrm>
             <a:off x="457200" y="6356520"/>
-            <a:ext cx="2132640" cy="363960"/>
+            <a:ext cx="2132280" cy="363600"/>
           </a:xfrm>
           <a:prstGeom prst="rect">
             <a:avLst/>
@@ -2546,7 +2547,7 @@
         <p:spPr>
           <a:xfrm>
             <a:off x="3124080" y="6356520"/>
-            <a:ext cx="2894400" cy="363960"/>
+            <a:ext cx="2894040" cy="363600"/>
           </a:xfrm>
           <a:prstGeom prst="rect">
             <a:avLst/>
@@ -2618,7 +2619,7 @@
         <p:spPr>
           <a:xfrm>
             <a:off x="6553080" y="6356520"/>
-            <a:ext cx="2132640" cy="363960"/>
+            <a:ext cx="2132280" cy="363600"/>
           </a:xfrm>
           <a:prstGeom prst="rect">
             <a:avLst/>
@@ -2661,7 +2662,7 @@
                 <a:tab algn="l" pos="0"/>
               </a:tabLst>
             </a:pPr>
-            <a:fld id="{4ADCE783-A40B-4738-9F7C-22E27BEA5D96}" type="slidenum">
+            <a:fld id="{637935D0-5A68-466C-8527-0F9BF003B6D8}" type="slidenum">
               <a:rPr b="0" lang="en-US" sz="1200" spc="-1" strike="noStrike">
                 <a:solidFill>
                   <a:schemeClr val="dk1">
@@ -2694,7 +2695,7 @@
         <p:spPr>
           <a:xfrm>
             <a:off x="457200" y="6356520"/>
-            <a:ext cx="2132640" cy="363960"/>
+            <a:ext cx="2132280" cy="363600"/>
           </a:xfrm>
           <a:prstGeom prst="rect">
             <a:avLst/>
@@ -2787,7 +2788,7 @@
         <p:spPr>
           <a:xfrm>
             <a:off x="457200" y="274680"/>
-            <a:ext cx="8228520" cy="1141920"/>
+            <a:ext cx="8228160" cy="1141560"/>
           </a:xfrm>
           <a:prstGeom prst="rect">
             <a:avLst/>
@@ -2836,7 +2837,7 @@
         <p:spPr>
           <a:xfrm>
             <a:off x="457200" y="1600200"/>
-            <a:ext cx="8228520" cy="4524840"/>
+            <a:ext cx="8228160" cy="4524480"/>
           </a:xfrm>
           <a:prstGeom prst="rect">
             <a:avLst/>
@@ -3061,7 +3062,7 @@
         <p:spPr>
           <a:xfrm>
             <a:off x="3124080" y="6356520"/>
-            <a:ext cx="2894400" cy="363960"/>
+            <a:ext cx="2894040" cy="363600"/>
           </a:xfrm>
           <a:prstGeom prst="rect">
             <a:avLst/>
@@ -3133,7 +3134,7 @@
         <p:spPr>
           <a:xfrm>
             <a:off x="6553080" y="6356520"/>
-            <a:ext cx="2132640" cy="363960"/>
+            <a:ext cx="2132280" cy="363600"/>
           </a:xfrm>
           <a:prstGeom prst="rect">
             <a:avLst/>
@@ -3176,7 +3177,7 @@
                 <a:tab algn="l" pos="0"/>
               </a:tabLst>
             </a:pPr>
-            <a:fld id="{CF136039-2CAC-4155-90D9-A5524AAE8974}" type="slidenum">
+            <a:fld id="{302DA6F5-4393-4624-A317-73C786347660}" type="slidenum">
               <a:rPr b="0" lang="en-US" sz="1200" spc="-1" strike="noStrike">
                 <a:solidFill>
                   <a:schemeClr val="dk1">
@@ -3209,7 +3210,7 @@
         <p:spPr>
           <a:xfrm>
             <a:off x="457200" y="6356520"/>
-            <a:ext cx="2132640" cy="363960"/>
+            <a:ext cx="2132280" cy="363600"/>
           </a:xfrm>
           <a:prstGeom prst="rect">
             <a:avLst/>
@@ -3302,7 +3303,7 @@
         <p:spPr>
           <a:xfrm>
             <a:off x="3124080" y="6356520"/>
-            <a:ext cx="2894400" cy="363960"/>
+            <a:ext cx="2894040" cy="363600"/>
           </a:xfrm>
           <a:prstGeom prst="rect">
             <a:avLst/>
@@ -3374,7 +3375,7 @@
         <p:spPr>
           <a:xfrm>
             <a:off x="6553080" y="6356520"/>
-            <a:ext cx="2132640" cy="363960"/>
+            <a:ext cx="2132280" cy="363600"/>
           </a:xfrm>
           <a:prstGeom prst="rect">
             <a:avLst/>
@@ -3417,7 +3418,7 @@
                 <a:tab algn="l" pos="0"/>
               </a:tabLst>
             </a:pPr>
-            <a:fld id="{B50EFA96-26CB-4052-B3E9-11A91026A7AE}" type="slidenum">
+            <a:fld id="{5F4ECFA1-7905-49AD-AE1E-4A66013E28FD}" type="slidenum">
               <a:rPr b="0" lang="en-US" sz="1200" spc="-1" strike="noStrike">
                 <a:solidFill>
                   <a:schemeClr val="dk1">
@@ -3450,7 +3451,7 @@
         <p:spPr>
           <a:xfrm>
             <a:off x="457200" y="6356520"/>
-            <a:ext cx="2132640" cy="363960"/>
+            <a:ext cx="2132280" cy="363600"/>
           </a:xfrm>
           <a:prstGeom prst="rect">
             <a:avLst/>
@@ -3543,7 +3544,7 @@
         <p:spPr>
           <a:xfrm>
             <a:off x="457200" y="274680"/>
-            <a:ext cx="8228520" cy="1141920"/>
+            <a:ext cx="8228160" cy="1141560"/>
           </a:xfrm>
           <a:prstGeom prst="rect">
             <a:avLst/>
@@ -3592,7 +3593,7 @@
         <p:spPr>
           <a:xfrm>
             <a:off x="457200" y="1600200"/>
-            <a:ext cx="4015080" cy="4524840"/>
+            <a:ext cx="4015080" cy="4524480"/>
           </a:xfrm>
           <a:prstGeom prst="rect">
             <a:avLst/>
@@ -3817,7 +3818,7 @@
         <p:spPr>
           <a:xfrm>
             <a:off x="4673880" y="1600200"/>
-            <a:ext cx="4015080" cy="4524840"/>
+            <a:ext cx="4015080" cy="4524480"/>
           </a:xfrm>
           <a:prstGeom prst="rect">
             <a:avLst/>
@@ -4042,7 +4043,7 @@
         <p:spPr>
           <a:xfrm>
             <a:off x="3124080" y="6356520"/>
-            <a:ext cx="2894400" cy="363960"/>
+            <a:ext cx="2894040" cy="363600"/>
           </a:xfrm>
           <a:prstGeom prst="rect">
             <a:avLst/>
@@ -4114,7 +4115,7 @@
         <p:spPr>
           <a:xfrm>
             <a:off x="6553080" y="6356520"/>
-            <a:ext cx="2132640" cy="363960"/>
+            <a:ext cx="2132280" cy="363600"/>
           </a:xfrm>
           <a:prstGeom prst="rect">
             <a:avLst/>
@@ -4157,7 +4158,7 @@
                 <a:tab algn="l" pos="0"/>
               </a:tabLst>
             </a:pPr>
-            <a:fld id="{038E1FEE-15AA-4192-B5A4-754CBE75F325}" type="slidenum">
+            <a:fld id="{20ADE017-E35F-4C13-8D44-A62397A3F66B}" type="slidenum">
               <a:rPr b="0" lang="en-US" sz="1200" spc="-1" strike="noStrike">
                 <a:solidFill>
                   <a:schemeClr val="dk1">
@@ -4190,7 +4191,7 @@
         <p:spPr>
           <a:xfrm>
             <a:off x="457200" y="6356520"/>
-            <a:ext cx="2132640" cy="363960"/>
+            <a:ext cx="2132280" cy="363600"/>
           </a:xfrm>
           <a:prstGeom prst="rect">
             <a:avLst/>
@@ -4283,7 +4284,7 @@
         <p:spPr>
           <a:xfrm>
             <a:off x="3124080" y="6356520"/>
-            <a:ext cx="2894400" cy="363960"/>
+            <a:ext cx="2894040" cy="363600"/>
           </a:xfrm>
           <a:prstGeom prst="rect">
             <a:avLst/>
@@ -4355,7 +4356,7 @@
         <p:spPr>
           <a:xfrm>
             <a:off x="6553080" y="6356520"/>
-            <a:ext cx="2132640" cy="363960"/>
+            <a:ext cx="2132280" cy="363600"/>
           </a:xfrm>
           <a:prstGeom prst="rect">
             <a:avLst/>
@@ -4398,7 +4399,7 @@
                 <a:tab algn="l" pos="0"/>
               </a:tabLst>
             </a:pPr>
-            <a:fld id="{088B751B-8DA7-4BB6-9D67-848BE812C789}" type="slidenum">
+            <a:fld id="{0EF1C093-98FC-4DC2-993F-13DCFDC8E8FE}" type="slidenum">
               <a:rPr b="0" lang="en-US" sz="1200" spc="-1" strike="noStrike">
                 <a:solidFill>
                   <a:schemeClr val="dk1">
@@ -4431,7 +4432,7 @@
         <p:spPr>
           <a:xfrm>
             <a:off x="457200" y="6356520"/>
-            <a:ext cx="2132640" cy="363960"/>
+            <a:ext cx="2132280" cy="363600"/>
           </a:xfrm>
           <a:prstGeom prst="rect">
             <a:avLst/>
@@ -4524,7 +4525,7 @@
         <p:spPr>
           <a:xfrm>
             <a:off x="457200" y="274680"/>
-            <a:ext cx="8228520" cy="1141920"/>
+            <a:ext cx="8228160" cy="1141560"/>
           </a:xfrm>
           <a:prstGeom prst="rect">
             <a:avLst/>
@@ -4573,7 +4574,7 @@
         <p:spPr>
           <a:xfrm>
             <a:off x="3124080" y="6356520"/>
-            <a:ext cx="2894400" cy="363960"/>
+            <a:ext cx="2894040" cy="363600"/>
           </a:xfrm>
           <a:prstGeom prst="rect">
             <a:avLst/>
@@ -4645,7 +4646,7 @@
         <p:spPr>
           <a:xfrm>
             <a:off x="6553080" y="6356520"/>
-            <a:ext cx="2132640" cy="363960"/>
+            <a:ext cx="2132280" cy="363600"/>
           </a:xfrm>
           <a:prstGeom prst="rect">
             <a:avLst/>
@@ -4688,7 +4689,7 @@
                 <a:tab algn="l" pos="0"/>
               </a:tabLst>
             </a:pPr>
-            <a:fld id="{08EE2C96-00B2-4C66-AB2B-3D6227D168DD}" type="slidenum">
+            <a:fld id="{2CF13BE7-566D-491C-A9CD-6836F96856C9}" type="slidenum">
               <a:rPr b="0" lang="en-US" sz="1200" spc="-1" strike="noStrike">
                 <a:solidFill>
                   <a:schemeClr val="dk1">
@@ -4721,7 +4722,7 @@
         <p:spPr>
           <a:xfrm>
             <a:off x="457200" y="6356520"/>
-            <a:ext cx="2132640" cy="363960"/>
+            <a:ext cx="2132280" cy="363600"/>
           </a:xfrm>
           <a:prstGeom prst="rect">
             <a:avLst/>
@@ -4814,7 +4815,7 @@
         <p:spPr>
           <a:xfrm>
             <a:off x="3124080" y="6356520"/>
-            <a:ext cx="2894400" cy="363960"/>
+            <a:ext cx="2894040" cy="363600"/>
           </a:xfrm>
           <a:prstGeom prst="rect">
             <a:avLst/>
@@ -4886,7 +4887,7 @@
         <p:spPr>
           <a:xfrm>
             <a:off x="6553080" y="6356520"/>
-            <a:ext cx="2132640" cy="363960"/>
+            <a:ext cx="2132280" cy="363600"/>
           </a:xfrm>
           <a:prstGeom prst="rect">
             <a:avLst/>
@@ -4929,7 +4930,7 @@
                 <a:tab algn="l" pos="0"/>
               </a:tabLst>
             </a:pPr>
-            <a:fld id="{8A359D2F-278B-4442-93E2-9A974F967C0E}" type="slidenum">
+            <a:fld id="{5AD266DA-34BD-45B0-988E-F2B605C35269}" type="slidenum">
               <a:rPr b="0" lang="en-US" sz="1200" spc="-1" strike="noStrike">
                 <a:solidFill>
                   <a:schemeClr val="dk1">
@@ -4962,7 +4963,7 @@
         <p:spPr>
           <a:xfrm>
             <a:off x="457200" y="6356520"/>
-            <a:ext cx="2132640" cy="363960"/>
+            <a:ext cx="2132280" cy="363600"/>
           </a:xfrm>
           <a:prstGeom prst="rect">
             <a:avLst/>
@@ -5048,7 +5049,7 @@
         <p:spPr>
           <a:xfrm>
             <a:off x="685800" y="2130480"/>
-            <a:ext cx="7771320" cy="1468800"/>
+            <a:ext cx="7770960" cy="1468440"/>
           </a:xfrm>
           <a:prstGeom prst="rect">
             <a:avLst/>
@@ -5103,7 +5104,7 @@
         <p:spPr>
           <a:xfrm>
             <a:off x="1371600" y="3886200"/>
-            <a:ext cx="6399720" cy="1751400"/>
+            <a:ext cx="6399360" cy="1751040"/>
           </a:xfrm>
           <a:prstGeom prst="rect">
             <a:avLst/>
@@ -5244,7 +5245,7 @@
         <p:spPr>
           <a:xfrm>
             <a:off x="457200" y="274680"/>
-            <a:ext cx="8228520" cy="1141920"/>
+            <a:ext cx="8228160" cy="1141560"/>
           </a:xfrm>
           <a:prstGeom prst="rect">
             <a:avLst/>
@@ -5299,7 +5300,7 @@
         <p:spPr>
           <a:xfrm>
             <a:off x="457200" y="1600200"/>
-            <a:ext cx="8228520" cy="4524840"/>
+            <a:ext cx="8228160" cy="4524480"/>
           </a:xfrm>
           <a:prstGeom prst="rect">
             <a:avLst/>
@@ -5508,7 +5509,7 @@
         <p:spPr>
           <a:xfrm>
             <a:off x="457200" y="274680"/>
-            <a:ext cx="8228520" cy="1141920"/>
+            <a:ext cx="8228160" cy="1141560"/>
           </a:xfrm>
           <a:prstGeom prst="rect">
             <a:avLst/>
@@ -5563,7 +5564,7 @@
         <p:spPr>
           <a:xfrm>
             <a:off x="457200" y="1600200"/>
-            <a:ext cx="8228520" cy="4524840"/>
+            <a:ext cx="8228160" cy="4524480"/>
           </a:xfrm>
           <a:prstGeom prst="rect">
             <a:avLst/>
@@ -5903,7 +5904,7 @@
         <p:spPr>
           <a:xfrm>
             <a:off x="457200" y="274680"/>
-            <a:ext cx="8228520" cy="1141920"/>
+            <a:ext cx="8228160" cy="1141560"/>
           </a:xfrm>
           <a:prstGeom prst="rect">
             <a:avLst/>
@@ -5958,7 +5959,7 @@
         <p:spPr>
           <a:xfrm>
             <a:off x="457200" y="1600200"/>
-            <a:ext cx="8228520" cy="4524840"/>
+            <a:ext cx="8228160" cy="4524480"/>
           </a:xfrm>
           <a:prstGeom prst="rect">
             <a:avLst/>
@@ -6477,7 +6478,7 @@
         <p:spPr>
           <a:xfrm>
             <a:off x="457200" y="274680"/>
-            <a:ext cx="8228520" cy="1141920"/>
+            <a:ext cx="8228160" cy="1141560"/>
           </a:xfrm>
           <a:prstGeom prst="rect">
             <a:avLst/>
@@ -6532,7 +6533,7 @@
         <p:spPr>
           <a:xfrm>
             <a:off x="457200" y="1600200"/>
-            <a:ext cx="8228520" cy="4524840"/>
+            <a:ext cx="8228160" cy="4524480"/>
           </a:xfrm>
           <a:prstGeom prst="rect">
             <a:avLst/>
@@ -7344,7 +7345,7 @@
         <p:spPr>
           <a:xfrm>
             <a:off x="457200" y="274680"/>
-            <a:ext cx="8228520" cy="1141920"/>
+            <a:ext cx="8228160" cy="1141560"/>
           </a:xfrm>
           <a:prstGeom prst="rect">
             <a:avLst/>
@@ -7399,7 +7400,7 @@
         <p:spPr>
           <a:xfrm>
             <a:off x="457200" y="1600200"/>
-            <a:ext cx="8228520" cy="4524840"/>
+            <a:ext cx="8228160" cy="4524480"/>
           </a:xfrm>
           <a:prstGeom prst="rect">
             <a:avLst/>
@@ -7587,7 +7588,7 @@
         <p:spPr>
           <a:xfrm>
             <a:off x="457200" y="274680"/>
-            <a:ext cx="8228520" cy="1141920"/>
+            <a:ext cx="8228160" cy="1141560"/>
           </a:xfrm>
           <a:prstGeom prst="rect">
             <a:avLst/>
@@ -7642,7 +7643,7 @@
         <p:spPr>
           <a:xfrm>
             <a:off x="457200" y="2880000"/>
-            <a:ext cx="8245800" cy="1965960"/>
+            <a:ext cx="8245440" cy="1965600"/>
           </a:xfrm>
           <a:prstGeom prst="rect">
             <a:avLst/>
@@ -7665,7 +7666,7 @@
         <p:spPr>
           <a:xfrm>
             <a:off x="473040" y="1633680"/>
-            <a:ext cx="6186600" cy="944280"/>
+            <a:ext cx="6186240" cy="943920"/>
           </a:xfrm>
           <a:prstGeom prst="rect">
             <a:avLst/>
@@ -7718,7 +7719,7 @@
         <p:spPr>
           <a:xfrm>
             <a:off x="457200" y="274680"/>
-            <a:ext cx="8228520" cy="1141920"/>
+            <a:ext cx="8228160" cy="1141560"/>
           </a:xfrm>
           <a:prstGeom prst="rect">
             <a:avLst/>
@@ -7773,7 +7774,7 @@
         <p:spPr>
           <a:xfrm>
             <a:off x="540000" y="1620000"/>
-            <a:ext cx="8280000" cy="4068000"/>
+            <a:ext cx="8279640" cy="4067640"/>
           </a:xfrm>
           <a:prstGeom prst="rect">
             <a:avLst/>
@@ -7783,6 +7784,144 @@
           </a:ln>
         </p:spPr>
       </p:pic>
+    </p:spTree>
+  </p:cSld>
+  <mc:AlternateContent>
+    <mc:Choice Requires="p14">
+      <p:transition spd="slow" p14:dur="2000"/>
+    </mc:Choice>
+    <mc:Fallback>
+      <p:transition spd="slow"/>
+    </mc:Fallback>
+  </mc:AlternateContent>
+</p:sld>
+</file>
+
+<file path=ppt/slides/slide9.xml><?xml version="1.0" encoding="utf-8"?>
+<p:sld xmlns:a="http://schemas.openxmlformats.org/drawingml/2006/main" xmlns:p="http://schemas.openxmlformats.org/presentationml/2006/main" xmlns:r="http://schemas.openxmlformats.org/officeDocument/2006/relationships" xmlns:p14="http://schemas.microsoft.com/office/powerpoint/2010/main" xmlns:p15="http://schemas.microsoft.com/office/powerpoint/2012/main" xmlns:mc="http://schemas.openxmlformats.org/markup-compatibility/2006">
+  <p:cSld>
+    <p:spTree>
+      <p:nvGrpSpPr>
+        <p:cNvPr id="1" name=""/>
+        <p:cNvGrpSpPr/>
+        <p:nvPr/>
+      </p:nvGrpSpPr>
+      <p:grpSpPr>
+        <a:xfrm>
+          <a:off x="0" y="0"/>
+          <a:ext cx="0" cy="0"/>
+          <a:chOff x="0" y="0"/>
+          <a:chExt cx="0" cy="0"/>
+        </a:xfrm>
+      </p:grpSpPr>
+      <p:sp>
+        <p:nvSpPr>
+          <p:cNvPr id="66" name="PlaceHolder 1"/>
+          <p:cNvSpPr>
+            <a:spLocks noGrp="1"/>
+          </p:cNvSpPr>
+          <p:nvPr>
+            <p:ph type="title"/>
+          </p:nvPr>
+        </p:nvSpPr>
+        <p:spPr>
+          <a:xfrm>
+            <a:off x="457200" y="274680"/>
+            <a:ext cx="8228160" cy="1141560"/>
+          </a:xfrm>
+          <a:prstGeom prst="rect">
+            <a:avLst/>
+          </a:prstGeom>
+          <a:noFill/>
+          <a:ln w="0">
+            <a:noFill/>
+          </a:ln>
+        </p:spPr>
+        <p:txBody>
+          <a:bodyPr lIns="91440" rIns="91440" tIns="45720" bIns="45720" anchor="ctr">
+            <a:noAutofit/>
+          </a:bodyPr>
+          <a:p>
+            <a:pPr indent="0" algn="ctr" defTabSz="457200">
+              <a:lnSpc>
+                <a:spcPct val="100000"/>
+              </a:lnSpc>
+              <a:buNone/>
+              <a:tabLst>
+                <a:tab algn="l" pos="0"/>
+              </a:tabLst>
+            </a:pPr>
+            <a:r>
+              <a:rPr b="0" lang="en-US" sz="4400" spc="-1" strike="noStrike">
+                <a:solidFill>
+                  <a:schemeClr val="dk1"/>
+                </a:solidFill>
+                <a:latin typeface="Calibri"/>
+              </a:rPr>
+              <a:t>Repositório no Github</a:t>
+            </a:r>
+            <a:endParaRPr b="0" lang="pt-BR" sz="4400" spc="-1" strike="noStrike">
+              <a:solidFill>
+                <a:srgbClr val="000000"/>
+              </a:solidFill>
+              <a:latin typeface="Arial"/>
+            </a:endParaRPr>
+          </a:p>
+        </p:txBody>
+      </p:sp>
+      <p:sp>
+        <p:nvSpPr>
+          <p:cNvPr id="67" name="PlaceHolder 2"/>
+          <p:cNvSpPr>
+            <a:spLocks noGrp="1"/>
+          </p:cNvSpPr>
+          <p:nvPr>
+            <p:ph/>
+          </p:nvPr>
+        </p:nvSpPr>
+        <p:spPr>
+          <a:xfrm>
+            <a:off x="457200" y="1600200"/>
+            <a:ext cx="8228160" cy="4524480"/>
+          </a:xfrm>
+          <a:prstGeom prst="rect">
+            <a:avLst/>
+          </a:prstGeom>
+          <a:noFill/>
+          <a:ln w="0">
+            <a:noFill/>
+          </a:ln>
+        </p:spPr>
+        <p:txBody>
+          <a:bodyPr lIns="91440" rIns="91440" tIns="45720" bIns="45720" anchor="t">
+            <a:noAutofit/>
+          </a:bodyPr>
+          <a:p>
+            <a:pPr marL="432000" indent="0">
+              <a:spcBef>
+                <a:spcPts val="1417"/>
+              </a:spcBef>
+              <a:buNone/>
+            </a:pPr>
+            <a:r>
+              <a:rPr b="0" lang="pt-BR" sz="3200" spc="-1" strike="noStrike">
+                <a:solidFill>
+                  <a:srgbClr val="000000"/>
+                </a:solidFill>
+                <a:latin typeface="Arial"/>
+                <a:hlinkClick r:id="rId1"/>
+              </a:rPr>
+              <a:t>https://github.com/paulokrg/Fase7-Cap2-TestesAutomatizados</a:t>
+            </a:r>
+            <a:endParaRPr b="0" lang="pt-BR" sz="3200" spc="-1" strike="noStrike">
+              <a:solidFill>
+                <a:srgbClr val="000000"/>
+              </a:solidFill>
+              <a:latin typeface="Arial"/>
+            </a:endParaRPr>
+          </a:p>
+        </p:txBody>
+      </p:sp>
     </p:spTree>
   </p:cSld>
   <mc:AlternateContent>
